--- a/Other/Сэмюэл Филлипс Хантингтон.pptx
+++ b/Other/Сэмюэл Филлипс Хантингтон.pptx
@@ -8,6 +8,10 @@
     <p:sldId id="256" r:id="rId2"/>
     <p:sldId id="257" r:id="rId3"/>
     <p:sldId id="258" r:id="rId4"/>
+    <p:sldId id="259" r:id="rId5"/>
+    <p:sldId id="260" r:id="rId6"/>
+    <p:sldId id="262" r:id="rId7"/>
+    <p:sldId id="261" r:id="rId8"/>
   </p:sldIdLst>
   <p:sldSz cx="9144000" cy="6858000" type="screen4x3"/>
   <p:notesSz cx="6858000" cy="9144000"/>
@@ -290,7 +294,8 @@
           <a:p>
             <a:fld id="{6B301CB7-287F-4A90-A9CF-E622D56B2206}" type="datetimeFigureOut">
               <a:rPr lang="ru-RU" smtClean="0"/>
-              <a:t>04.11.2024</a:t>
+              <a:pPr/>
+              <a:t>06.11.2024</a:t>
             </a:fld>
             <a:endParaRPr lang="ru-RU"/>
           </a:p>
@@ -332,6 +337,7 @@
           <a:p>
             <a:fld id="{04DC0D0E-858C-4379-8293-9BC6C8F60709}" type="slidenum">
               <a:rPr lang="ru-RU" smtClean="0"/>
+              <a:pPr/>
               <a:t>‹#›</a:t>
             </a:fld>
             <a:endParaRPr lang="ru-RU"/>
@@ -455,7 +461,8 @@
           <a:p>
             <a:fld id="{6B301CB7-287F-4A90-A9CF-E622D56B2206}" type="datetimeFigureOut">
               <a:rPr lang="ru-RU" smtClean="0"/>
-              <a:t>04.11.2024</a:t>
+              <a:pPr/>
+              <a:t>06.11.2024</a:t>
             </a:fld>
             <a:endParaRPr lang="ru-RU"/>
           </a:p>
@@ -497,6 +504,7 @@
           <a:p>
             <a:fld id="{04DC0D0E-858C-4379-8293-9BC6C8F60709}" type="slidenum">
               <a:rPr lang="ru-RU" smtClean="0"/>
+              <a:pPr/>
               <a:t>‹#›</a:t>
             </a:fld>
             <a:endParaRPr lang="ru-RU"/>
@@ -630,7 +638,8 @@
           <a:p>
             <a:fld id="{6B301CB7-287F-4A90-A9CF-E622D56B2206}" type="datetimeFigureOut">
               <a:rPr lang="ru-RU" smtClean="0"/>
-              <a:t>04.11.2024</a:t>
+              <a:pPr/>
+              <a:t>06.11.2024</a:t>
             </a:fld>
             <a:endParaRPr lang="ru-RU"/>
           </a:p>
@@ -672,6 +681,7 @@
           <a:p>
             <a:fld id="{04DC0D0E-858C-4379-8293-9BC6C8F60709}" type="slidenum">
               <a:rPr lang="ru-RU" smtClean="0"/>
+              <a:pPr/>
               <a:t>‹#›</a:t>
             </a:fld>
             <a:endParaRPr lang="ru-RU"/>
@@ -795,7 +805,8 @@
           <a:p>
             <a:fld id="{6B301CB7-287F-4A90-A9CF-E622D56B2206}" type="datetimeFigureOut">
               <a:rPr lang="ru-RU" smtClean="0"/>
-              <a:t>04.11.2024</a:t>
+              <a:pPr/>
+              <a:t>06.11.2024</a:t>
             </a:fld>
             <a:endParaRPr lang="ru-RU"/>
           </a:p>
@@ -837,6 +848,7 @@
           <a:p>
             <a:fld id="{04DC0D0E-858C-4379-8293-9BC6C8F60709}" type="slidenum">
               <a:rPr lang="ru-RU" smtClean="0"/>
+              <a:pPr/>
               <a:t>‹#›</a:t>
             </a:fld>
             <a:endParaRPr lang="ru-RU"/>
@@ -1036,7 +1048,8 @@
           <a:p>
             <a:fld id="{6B301CB7-287F-4A90-A9CF-E622D56B2206}" type="datetimeFigureOut">
               <a:rPr lang="ru-RU" smtClean="0"/>
-              <a:t>04.11.2024</a:t>
+              <a:pPr/>
+              <a:t>06.11.2024</a:t>
             </a:fld>
             <a:endParaRPr lang="ru-RU"/>
           </a:p>
@@ -1078,6 +1091,7 @@
           <a:p>
             <a:fld id="{04DC0D0E-858C-4379-8293-9BC6C8F60709}" type="slidenum">
               <a:rPr lang="ru-RU" smtClean="0"/>
+              <a:pPr/>
               <a:t>‹#›</a:t>
             </a:fld>
             <a:endParaRPr lang="ru-RU"/>
@@ -1319,7 +1333,8 @@
           <a:p>
             <a:fld id="{6B301CB7-287F-4A90-A9CF-E622D56B2206}" type="datetimeFigureOut">
               <a:rPr lang="ru-RU" smtClean="0"/>
-              <a:t>04.11.2024</a:t>
+              <a:pPr/>
+              <a:t>06.11.2024</a:t>
             </a:fld>
             <a:endParaRPr lang="ru-RU"/>
           </a:p>
@@ -1361,6 +1376,7 @@
           <a:p>
             <a:fld id="{04DC0D0E-858C-4379-8293-9BC6C8F60709}" type="slidenum">
               <a:rPr lang="ru-RU" smtClean="0"/>
+              <a:pPr/>
               <a:t>‹#›</a:t>
             </a:fld>
             <a:endParaRPr lang="ru-RU"/>
@@ -1736,7 +1752,8 @@
           <a:p>
             <a:fld id="{6B301CB7-287F-4A90-A9CF-E622D56B2206}" type="datetimeFigureOut">
               <a:rPr lang="ru-RU" smtClean="0"/>
-              <a:t>04.11.2024</a:t>
+              <a:pPr/>
+              <a:t>06.11.2024</a:t>
             </a:fld>
             <a:endParaRPr lang="ru-RU"/>
           </a:p>
@@ -1778,6 +1795,7 @@
           <a:p>
             <a:fld id="{04DC0D0E-858C-4379-8293-9BC6C8F60709}" type="slidenum">
               <a:rPr lang="ru-RU" smtClean="0"/>
+              <a:pPr/>
               <a:t>‹#›</a:t>
             </a:fld>
             <a:endParaRPr lang="ru-RU"/>
@@ -1849,7 +1867,8 @@
           <a:p>
             <a:fld id="{6B301CB7-287F-4A90-A9CF-E622D56B2206}" type="datetimeFigureOut">
               <a:rPr lang="ru-RU" smtClean="0"/>
-              <a:t>04.11.2024</a:t>
+              <a:pPr/>
+              <a:t>06.11.2024</a:t>
             </a:fld>
             <a:endParaRPr lang="ru-RU"/>
           </a:p>
@@ -1891,6 +1910,7 @@
           <a:p>
             <a:fld id="{04DC0D0E-858C-4379-8293-9BC6C8F60709}" type="slidenum">
               <a:rPr lang="ru-RU" smtClean="0"/>
+              <a:pPr/>
               <a:t>‹#›</a:t>
             </a:fld>
             <a:endParaRPr lang="ru-RU"/>
@@ -1939,7 +1959,8 @@
           <a:p>
             <a:fld id="{6B301CB7-287F-4A90-A9CF-E622D56B2206}" type="datetimeFigureOut">
               <a:rPr lang="ru-RU" smtClean="0"/>
-              <a:t>04.11.2024</a:t>
+              <a:pPr/>
+              <a:t>06.11.2024</a:t>
             </a:fld>
             <a:endParaRPr lang="ru-RU"/>
           </a:p>
@@ -1981,6 +2002,7 @@
           <a:p>
             <a:fld id="{04DC0D0E-858C-4379-8293-9BC6C8F60709}" type="slidenum">
               <a:rPr lang="ru-RU" smtClean="0"/>
+              <a:pPr/>
               <a:t>‹#›</a:t>
             </a:fld>
             <a:endParaRPr lang="ru-RU"/>
@@ -2211,7 +2233,8 @@
           <a:p>
             <a:fld id="{6B301CB7-287F-4A90-A9CF-E622D56B2206}" type="datetimeFigureOut">
               <a:rPr lang="ru-RU" smtClean="0"/>
-              <a:t>04.11.2024</a:t>
+              <a:pPr/>
+              <a:t>06.11.2024</a:t>
             </a:fld>
             <a:endParaRPr lang="ru-RU"/>
           </a:p>
@@ -2253,6 +2276,7 @@
           <a:p>
             <a:fld id="{04DC0D0E-858C-4379-8293-9BC6C8F60709}" type="slidenum">
               <a:rPr lang="ru-RU" smtClean="0"/>
+              <a:pPr/>
               <a:t>‹#›</a:t>
             </a:fld>
             <a:endParaRPr lang="ru-RU"/>
@@ -2459,7 +2483,8 @@
           <a:p>
             <a:fld id="{6B301CB7-287F-4A90-A9CF-E622D56B2206}" type="datetimeFigureOut">
               <a:rPr lang="ru-RU" smtClean="0"/>
-              <a:t>04.11.2024</a:t>
+              <a:pPr/>
+              <a:t>06.11.2024</a:t>
             </a:fld>
             <a:endParaRPr lang="ru-RU"/>
           </a:p>
@@ -2501,6 +2526,7 @@
           <a:p>
             <a:fld id="{04DC0D0E-858C-4379-8293-9BC6C8F60709}" type="slidenum">
               <a:rPr lang="ru-RU" smtClean="0"/>
+              <a:pPr/>
               <a:t>‹#›</a:t>
             </a:fld>
             <a:endParaRPr lang="ru-RU"/>
@@ -2667,7 +2693,8 @@
           <a:p>
             <a:fld id="{6B301CB7-287F-4A90-A9CF-E622D56B2206}" type="datetimeFigureOut">
               <a:rPr lang="ru-RU" smtClean="0"/>
-              <a:t>04.11.2024</a:t>
+              <a:pPr/>
+              <a:t>06.11.2024</a:t>
             </a:fld>
             <a:endParaRPr lang="ru-RU"/>
           </a:p>
@@ -2745,6 +2772,7 @@
           <a:p>
             <a:fld id="{04DC0D0E-858C-4379-8293-9BC6C8F60709}" type="slidenum">
               <a:rPr lang="ru-RU" smtClean="0"/>
+              <a:pPr/>
               <a:t>‹#›</a:t>
             </a:fld>
             <a:endParaRPr lang="ru-RU"/>
@@ -3474,9 +3502,806 @@
               <a:t>Хантингтон</a:t>
             </a:r>
             <a:r>
-              <a:rPr lang="ru-RU"/>
-              <a:t> поучаствовал в работе в общей сложности над 17 книгами, часть из которых он написал сам, а часть - в соавторстве с другими учеными.</a:t>
-            </a:r>
+              <a:rPr lang="ru-RU" dirty="0"/>
+              <a:t> поучаствовал в работе в общей сложности над 17 книгами, часть из которых он написал сам, а часть - в соавторстве с другими учеными</a:t>
+            </a:r>
+            <a:r>
+              <a:rPr lang="ru-RU" dirty="0" smtClean="0"/>
+              <a:t>.</a:t>
+            </a:r>
+          </a:p>
+          <a:p>
+            <a:r>
+              <a:rPr lang="ru-RU" dirty="0" smtClean="0"/>
+              <a:t>Среди них:</a:t>
+            </a:r>
+          </a:p>
+          <a:p>
+            <a:pPr lvl="0">
+              <a:buFont typeface="Arial" pitchFamily="34" charset="0"/>
+              <a:buChar char="•"/>
+            </a:pPr>
+            <a:r>
+              <a:rPr lang="ru-RU" dirty="0" smtClean="0"/>
+              <a:t>«Солдат и государство: теория и политика гражданско-военных отношений» (1957);</a:t>
+            </a:r>
+          </a:p>
+          <a:p>
+            <a:pPr lvl="0">
+              <a:buFont typeface="Arial" pitchFamily="34" charset="0"/>
+              <a:buChar char="•"/>
+            </a:pPr>
+            <a:r>
+              <a:rPr lang="ru-RU" dirty="0" smtClean="0"/>
+              <a:t>«Политический порядок в изменяющихся обществах» (1968);</a:t>
+            </a:r>
+          </a:p>
+          <a:p>
+            <a:pPr lvl="0">
+              <a:buFont typeface="Arial" pitchFamily="34" charset="0"/>
+              <a:buChar char="•"/>
+            </a:pPr>
+            <a:r>
+              <a:rPr lang="ru-RU" dirty="0" smtClean="0"/>
+              <a:t>«Кризис демократии. Отчёт для Трёхсторонней комиссии об управляемости демократических систем» (1975)</a:t>
+            </a:r>
+          </a:p>
+          <a:p>
+            <a:pPr lvl="0">
+              <a:buFont typeface="Arial" pitchFamily="34" charset="0"/>
+              <a:buChar char="•"/>
+            </a:pPr>
+            <a:r>
+              <a:rPr lang="ru-RU" dirty="0" smtClean="0"/>
+              <a:t>«Третья волна: Демократизация в конце XX столетия» (1991);</a:t>
+            </a:r>
+          </a:p>
+          <a:p>
+            <a:pPr lvl="0">
+              <a:buFont typeface="Arial" pitchFamily="34" charset="0"/>
+              <a:buChar char="•"/>
+            </a:pPr>
+            <a:r>
+              <a:rPr lang="ru-RU" dirty="0" smtClean="0"/>
+              <a:t>«Столкновение цивилизаций» (1993);</a:t>
+            </a:r>
+          </a:p>
+          <a:p>
+            <a:pPr lvl="0">
+              <a:buFont typeface="Arial" pitchFamily="34" charset="0"/>
+              <a:buChar char="•"/>
+            </a:pPr>
+            <a:r>
+              <a:rPr lang="ru-RU" dirty="0" smtClean="0"/>
+              <a:t>«Кто мы? Вызовы американской национальной идентичности» (2004).</a:t>
+            </a:r>
+          </a:p>
+          <a:p>
+            <a:endParaRPr lang="ru-RU" dirty="0"/>
+          </a:p>
+        </p:txBody>
+      </p:sp>
+    </p:spTree>
+  </p:cSld>
+  <p:clrMapOvr>
+    <a:masterClrMapping/>
+  </p:clrMapOvr>
+</p:sld>
+</file>
+
+<file path=ppt/slides/slide4.xml><?xml version="1.0" encoding="utf-8"?>
+<p:sld xmlns:a="http://schemas.openxmlformats.org/drawingml/2006/main" xmlns:r="http://schemas.openxmlformats.org/officeDocument/2006/relationships" xmlns:p="http://schemas.openxmlformats.org/presentationml/2006/main">
+  <p:cSld>
+    <p:spTree>
+      <p:nvGrpSpPr>
+        <p:cNvPr id="1" name=""/>
+        <p:cNvGrpSpPr/>
+        <p:nvPr/>
+      </p:nvGrpSpPr>
+      <p:grpSpPr>
+        <a:xfrm>
+          <a:off x="0" y="0"/>
+          <a:ext cx="0" cy="0"/>
+          <a:chOff x="0" y="0"/>
+          <a:chExt cx="0" cy="0"/>
+        </a:xfrm>
+      </p:grpSpPr>
+      <p:sp>
+        <p:nvSpPr>
+          <p:cNvPr id="2" name="Заголовок 1"/>
+          <p:cNvSpPr>
+            <a:spLocks noGrp="1"/>
+          </p:cNvSpPr>
+          <p:nvPr>
+            <p:ph type="title"/>
+          </p:nvPr>
+        </p:nvSpPr>
+        <p:spPr>
+          <a:xfrm>
+            <a:off x="457200" y="273050"/>
+            <a:ext cx="3008313" cy="369868"/>
+          </a:xfrm>
+        </p:spPr>
+        <p:txBody>
+          <a:bodyPr>
+            <a:normAutofit fontScale="90000"/>
+          </a:bodyPr>
+          <a:lstStyle/>
+          <a:p>
+            <a:r>
+              <a:rPr lang="ru-RU" dirty="0" smtClean="0"/>
+              <a:t>Политические взгляды</a:t>
+            </a:r>
+            <a:endParaRPr lang="ru-RU" dirty="0"/>
+          </a:p>
+        </p:txBody>
+      </p:sp>
+      <p:sp>
+        <p:nvSpPr>
+          <p:cNvPr id="3" name="Содержимое 2"/>
+          <p:cNvSpPr>
+            <a:spLocks noGrp="1"/>
+          </p:cNvSpPr>
+          <p:nvPr>
+            <p:ph idx="1"/>
+          </p:nvPr>
+        </p:nvSpPr>
+        <p:spPr/>
+        <p:txBody>
+          <a:bodyPr/>
+          <a:lstStyle/>
+          <a:p>
+            <a:endParaRPr lang="ru-RU"/>
+          </a:p>
+        </p:txBody>
+      </p:sp>
+      <p:sp>
+        <p:nvSpPr>
+          <p:cNvPr id="4" name="Текст 3"/>
+          <p:cNvSpPr>
+            <a:spLocks noGrp="1"/>
+          </p:cNvSpPr>
+          <p:nvPr>
+            <p:ph type="body" sz="half" idx="2"/>
+          </p:nvPr>
+        </p:nvSpPr>
+        <p:spPr>
+          <a:xfrm>
+            <a:off x="457200" y="642918"/>
+            <a:ext cx="3008313" cy="5483245"/>
+          </a:xfrm>
+        </p:spPr>
+        <p:txBody>
+          <a:bodyPr>
+            <a:normAutofit/>
+          </a:bodyPr>
+          <a:lstStyle/>
+          <a:p>
+            <a:r>
+              <a:rPr lang="ru-RU" dirty="0" err="1" smtClean="0"/>
+              <a:t>Хантингтон</a:t>
+            </a:r>
+            <a:r>
+              <a:rPr lang="ru-RU" dirty="0" smtClean="0"/>
+              <a:t> </a:t>
+            </a:r>
+            <a:r>
+              <a:rPr lang="ru-RU" dirty="0" smtClean="0"/>
+              <a:t>был человеком с националистическими </a:t>
+            </a:r>
+            <a:r>
+              <a:rPr lang="ru-RU" dirty="0" smtClean="0"/>
+              <a:t>взглядами. </a:t>
+            </a:r>
+            <a:r>
+              <a:rPr lang="ru-RU" dirty="0" smtClean="0"/>
+              <a:t>Он всегда придавал большое значение деятельности военных, большая часть его книг посвящена именно участию военных в обществе. Ему принадлежит идея, что необходимо разграничение полномочий между военными и гражданскими силами, чтобы не было проникновения одной силы в другую. </a:t>
+            </a:r>
+          </a:p>
+          <a:p>
+            <a:r>
+              <a:rPr lang="ru-RU" dirty="0" smtClean="0"/>
+              <a:t>Последняя его книга 2004 года посвящена теме </a:t>
+            </a:r>
+            <a:r>
+              <a:rPr lang="ru-RU" dirty="0" smtClean="0"/>
+              <a:t>иммиграции. </a:t>
+            </a:r>
+            <a:r>
+              <a:rPr lang="ru-RU" dirty="0" err="1" smtClean="0"/>
+              <a:t>Хантингтон</a:t>
+            </a:r>
+            <a:r>
+              <a:rPr lang="ru-RU" dirty="0" smtClean="0"/>
+              <a:t> считал </a:t>
+            </a:r>
+            <a:r>
+              <a:rPr lang="ru-RU" dirty="0" smtClean="0"/>
+              <a:t>нелегальную мексиканскую иммиграцию самой главной угрозой национальной безопасности Соединённых Штатов. </a:t>
+            </a:r>
+            <a:r>
+              <a:rPr lang="ru-RU" dirty="0" smtClean="0"/>
+              <a:t>Он </a:t>
+            </a:r>
+            <a:r>
+              <a:rPr lang="ru-RU" dirty="0" smtClean="0"/>
+              <a:t>считал, что либерализм ни в коем случае не подменяет защиту национальных интересов. Кроме того, он жёстко критиковал космополитические подходы в политике. </a:t>
+            </a:r>
+            <a:endParaRPr lang="ru-RU" dirty="0"/>
+          </a:p>
+        </p:txBody>
+      </p:sp>
+    </p:spTree>
+  </p:cSld>
+  <p:clrMapOvr>
+    <a:masterClrMapping/>
+  </p:clrMapOvr>
+</p:sld>
+</file>
+
+<file path=ppt/slides/slide5.xml><?xml version="1.0" encoding="utf-8"?>
+<p:sld xmlns:a="http://schemas.openxmlformats.org/drawingml/2006/main" xmlns:r="http://schemas.openxmlformats.org/officeDocument/2006/relationships" xmlns:p="http://schemas.openxmlformats.org/presentationml/2006/main">
+  <p:cSld>
+    <p:spTree>
+      <p:nvGrpSpPr>
+        <p:cNvPr id="1" name=""/>
+        <p:cNvGrpSpPr/>
+        <p:nvPr/>
+      </p:nvGrpSpPr>
+      <p:grpSpPr>
+        <a:xfrm>
+          <a:off x="0" y="0"/>
+          <a:ext cx="0" cy="0"/>
+          <a:chOff x="0" y="0"/>
+          <a:chExt cx="0" cy="0"/>
+        </a:xfrm>
+      </p:grpSpPr>
+      <p:sp>
+        <p:nvSpPr>
+          <p:cNvPr id="2" name="Заголовок 1"/>
+          <p:cNvSpPr>
+            <a:spLocks noGrp="1"/>
+          </p:cNvSpPr>
+          <p:nvPr>
+            <p:ph type="title"/>
+          </p:nvPr>
+        </p:nvSpPr>
+        <p:spPr>
+          <a:xfrm>
+            <a:off x="457200" y="273050"/>
+            <a:ext cx="3008313" cy="369868"/>
+          </a:xfrm>
+        </p:spPr>
+        <p:txBody>
+          <a:bodyPr>
+            <a:normAutofit fontScale="90000"/>
+          </a:bodyPr>
+          <a:lstStyle/>
+          <a:p>
+            <a:r>
+              <a:rPr lang="ru-RU" dirty="0" err="1" smtClean="0"/>
+              <a:t>Цивилизационная</a:t>
+            </a:r>
+            <a:r>
+              <a:rPr lang="ru-RU" dirty="0" smtClean="0"/>
+              <a:t> теория</a:t>
+            </a:r>
+            <a:endParaRPr lang="ru-RU" dirty="0"/>
+          </a:p>
+        </p:txBody>
+      </p:sp>
+      <p:sp>
+        <p:nvSpPr>
+          <p:cNvPr id="3" name="Содержимое 2"/>
+          <p:cNvSpPr>
+            <a:spLocks noGrp="1"/>
+          </p:cNvSpPr>
+          <p:nvPr>
+            <p:ph idx="1"/>
+          </p:nvPr>
+        </p:nvSpPr>
+        <p:spPr/>
+        <p:txBody>
+          <a:bodyPr/>
+          <a:lstStyle/>
+          <a:p>
+            <a:endParaRPr lang="ru-RU"/>
+          </a:p>
+        </p:txBody>
+      </p:sp>
+      <p:sp>
+        <p:nvSpPr>
+          <p:cNvPr id="4" name="Текст 3"/>
+          <p:cNvSpPr>
+            <a:spLocks noGrp="1"/>
+          </p:cNvSpPr>
+          <p:nvPr>
+            <p:ph type="body" sz="half" idx="2"/>
+          </p:nvPr>
+        </p:nvSpPr>
+        <p:spPr>
+          <a:xfrm>
+            <a:off x="457200" y="642918"/>
+            <a:ext cx="3008313" cy="5483245"/>
+          </a:xfrm>
+        </p:spPr>
+        <p:txBody>
+          <a:bodyPr>
+            <a:normAutofit/>
+          </a:bodyPr>
+          <a:lstStyle/>
+          <a:p>
+            <a:r>
+              <a:rPr lang="ru-RU" dirty="0" smtClean="0"/>
+              <a:t>Широкую известность ему принесла разработанная им теория «столкновения цивилизаций» </a:t>
+            </a:r>
+            <a:r>
+              <a:rPr lang="ru-RU" dirty="0" smtClean="0"/>
+              <a:t>. </a:t>
+            </a:r>
+            <a:r>
+              <a:rPr lang="ru-RU" dirty="0" smtClean="0"/>
+              <a:t>О</a:t>
+            </a:r>
+            <a:r>
+              <a:rPr lang="ru-RU" dirty="0" smtClean="0"/>
+              <a:t>н </a:t>
+            </a:r>
+            <a:r>
+              <a:rPr lang="ru-RU" dirty="0" smtClean="0"/>
+              <a:t>сделал и обосновал предположение о том, что главной движущей силой современной истории является конкуренция цивилизаций – общностей, объединённых культурой и религией</a:t>
+            </a:r>
+            <a:r>
+              <a:rPr lang="ru-RU" dirty="0" smtClean="0"/>
+              <a:t>.</a:t>
+            </a:r>
+          </a:p>
+          <a:p>
+            <a:r>
+              <a:rPr lang="ru-RU" dirty="0" smtClean="0"/>
+              <a:t>По мнению </a:t>
+            </a:r>
+            <a:r>
+              <a:rPr lang="ru-RU" dirty="0" err="1" smtClean="0"/>
+              <a:t>Хантингтона</a:t>
+            </a:r>
+            <a:r>
+              <a:rPr lang="ru-RU" dirty="0" smtClean="0"/>
+              <a:t>, </a:t>
+            </a:r>
+            <a:r>
+              <a:rPr lang="ru-RU" dirty="0" smtClean="0"/>
+              <a:t>единственное реальное различие, оставшееся между народами после завершения </a:t>
+            </a:r>
+            <a:r>
+              <a:rPr lang="ru-RU" u="sng" dirty="0" smtClean="0"/>
+              <a:t>холодной войны</a:t>
+            </a:r>
+            <a:r>
+              <a:rPr lang="ru-RU" dirty="0" smtClean="0"/>
+              <a:t>, — культурная </a:t>
+            </a:r>
+            <a:r>
+              <a:rPr lang="ru-RU" dirty="0" smtClean="0"/>
+              <a:t>принадлежность. </a:t>
+            </a:r>
+            <a:r>
+              <a:rPr lang="ru-RU" dirty="0" err="1" smtClean="0"/>
+              <a:t>Хантингтон</a:t>
+            </a:r>
+            <a:r>
+              <a:rPr lang="ru-RU" dirty="0" smtClean="0"/>
+              <a:t> высказал мнение о неизбежности в недалёком будущем противостояния между исламским и западным мирами, которое будет напоминать советско-американское противоборство во времена холодной войны.</a:t>
+            </a:r>
+            <a:endParaRPr lang="ru-RU" dirty="0"/>
+          </a:p>
+        </p:txBody>
+      </p:sp>
+    </p:spTree>
+  </p:cSld>
+  <p:clrMapOvr>
+    <a:masterClrMapping/>
+  </p:clrMapOvr>
+</p:sld>
+</file>
+
+<file path=ppt/slides/slide6.xml><?xml version="1.0" encoding="utf-8"?>
+<p:sld xmlns:a="http://schemas.openxmlformats.org/drawingml/2006/main" xmlns:r="http://schemas.openxmlformats.org/officeDocument/2006/relationships" xmlns:p="http://schemas.openxmlformats.org/presentationml/2006/main">
+  <p:cSld>
+    <p:spTree>
+      <p:nvGrpSpPr>
+        <p:cNvPr id="1" name=""/>
+        <p:cNvGrpSpPr/>
+        <p:nvPr/>
+      </p:nvGrpSpPr>
+      <p:grpSpPr>
+        <a:xfrm>
+          <a:off x="0" y="0"/>
+          <a:ext cx="0" cy="0"/>
+          <a:chOff x="0" y="0"/>
+          <a:chExt cx="0" cy="0"/>
+        </a:xfrm>
+      </p:grpSpPr>
+      <p:sp>
+        <p:nvSpPr>
+          <p:cNvPr id="2" name="Заголовок 1"/>
+          <p:cNvSpPr>
+            <a:spLocks noGrp="1"/>
+          </p:cNvSpPr>
+          <p:nvPr>
+            <p:ph type="title"/>
+          </p:nvPr>
+        </p:nvSpPr>
+        <p:spPr>
+          <a:xfrm>
+            <a:off x="457200" y="273050"/>
+            <a:ext cx="3008313" cy="369868"/>
+          </a:xfrm>
+        </p:spPr>
+        <p:txBody>
+          <a:bodyPr>
+            <a:normAutofit fontScale="90000"/>
+          </a:bodyPr>
+          <a:lstStyle/>
+          <a:p>
+            <a:r>
+              <a:rPr lang="ru-RU" dirty="0" smtClean="0"/>
+              <a:t>Выделяемые цивилизации:</a:t>
+            </a:r>
+          </a:p>
+        </p:txBody>
+      </p:sp>
+      <p:sp>
+        <p:nvSpPr>
+          <p:cNvPr id="3" name="Содержимое 2"/>
+          <p:cNvSpPr>
+            <a:spLocks noGrp="1"/>
+          </p:cNvSpPr>
+          <p:nvPr>
+            <p:ph idx="1"/>
+          </p:nvPr>
+        </p:nvSpPr>
+        <p:spPr/>
+        <p:txBody>
+          <a:bodyPr/>
+          <a:lstStyle/>
+          <a:p>
+            <a:pPr>
+              <a:buNone/>
+            </a:pPr>
+            <a:r>
+              <a:rPr lang="ru-RU" dirty="0" smtClean="0"/>
+              <a:t>Специфические черты теории:</a:t>
+            </a:r>
+          </a:p>
+          <a:p>
+            <a:r>
+              <a:rPr lang="ru-RU" dirty="0" smtClean="0"/>
+              <a:t>Высокая доля </a:t>
+            </a:r>
+            <a:r>
+              <a:rPr lang="ru-RU" dirty="0" err="1" smtClean="0"/>
+              <a:t>западоцентризма</a:t>
+            </a:r>
+            <a:endParaRPr lang="ru-RU" dirty="0" smtClean="0"/>
+          </a:p>
+          <a:p>
+            <a:r>
+              <a:rPr lang="ru-RU" dirty="0" smtClean="0"/>
+              <a:t>Цивилизации не всегда были главными действующими субъектами исторического процесса.</a:t>
+            </a:r>
+          </a:p>
+          <a:p>
+            <a:r>
+              <a:rPr lang="ru-RU" dirty="0" smtClean="0"/>
+              <a:t>Различие</a:t>
+            </a:r>
+            <a:r>
+              <a:rPr lang="ru-RU" dirty="0" smtClean="0"/>
+              <a:t> цивилизаций по прогрессивности</a:t>
+            </a:r>
+            <a:endParaRPr lang="ru-RU" dirty="0"/>
+          </a:p>
+        </p:txBody>
+      </p:sp>
+      <p:sp>
+        <p:nvSpPr>
+          <p:cNvPr id="4" name="Текст 3"/>
+          <p:cNvSpPr>
+            <a:spLocks noGrp="1"/>
+          </p:cNvSpPr>
+          <p:nvPr>
+            <p:ph type="body" sz="half" idx="2"/>
+          </p:nvPr>
+        </p:nvSpPr>
+        <p:spPr>
+          <a:xfrm>
+            <a:off x="457200" y="642918"/>
+            <a:ext cx="3008313" cy="5483245"/>
+          </a:xfrm>
+        </p:spPr>
+        <p:txBody>
+          <a:bodyPr>
+            <a:normAutofit/>
+          </a:bodyPr>
+          <a:lstStyle/>
+          <a:p>
+            <a:pPr marL="342900" indent="-342900">
+              <a:buFont typeface="Arial" pitchFamily="34" charset="0"/>
+              <a:buChar char="•"/>
+            </a:pPr>
+            <a:r>
+              <a:rPr lang="ru-RU" dirty="0" smtClean="0"/>
+              <a:t>Западная цивилизация</a:t>
+            </a:r>
+            <a:endParaRPr lang="ru-RU" dirty="0" smtClean="0"/>
+          </a:p>
+          <a:p>
+            <a:pPr marL="342900" indent="-342900">
+              <a:buFont typeface="Arial" pitchFamily="34" charset="0"/>
+              <a:buChar char="•"/>
+            </a:pPr>
+            <a:r>
+              <a:rPr lang="ru-RU" dirty="0" smtClean="0"/>
+              <a:t>Индуистская цивилизация</a:t>
+            </a:r>
+            <a:endParaRPr lang="ru-RU" dirty="0" smtClean="0"/>
+          </a:p>
+          <a:p>
+            <a:pPr marL="342900" indent="-342900">
+              <a:buFont typeface="Arial" pitchFamily="34" charset="0"/>
+              <a:buChar char="•"/>
+            </a:pPr>
+            <a:r>
+              <a:rPr lang="ru-RU" dirty="0" smtClean="0"/>
+              <a:t>Исламская цивилизация</a:t>
+            </a:r>
+            <a:endParaRPr lang="ru-RU" dirty="0" smtClean="0"/>
+          </a:p>
+          <a:p>
+            <a:pPr marL="342900" indent="-342900">
+              <a:buFont typeface="Arial" pitchFamily="34" charset="0"/>
+              <a:buChar char="•"/>
+            </a:pPr>
+            <a:r>
+              <a:rPr lang="ru-RU" dirty="0" smtClean="0"/>
+              <a:t>Конфуцианская цивилизация</a:t>
+            </a:r>
+            <a:endParaRPr lang="ru-RU" dirty="0" smtClean="0"/>
+          </a:p>
+          <a:p>
+            <a:pPr marL="342900" indent="-342900">
+              <a:buFont typeface="Arial" pitchFamily="34" charset="0"/>
+              <a:buChar char="•"/>
+            </a:pPr>
+            <a:r>
+              <a:rPr lang="ru-RU" dirty="0" err="1" smtClean="0"/>
+              <a:t>Латино-американская</a:t>
+            </a:r>
+            <a:r>
+              <a:rPr lang="ru-RU" dirty="0" smtClean="0"/>
+              <a:t> цивилизация</a:t>
+            </a:r>
+            <a:endParaRPr lang="ru-RU" dirty="0" smtClean="0"/>
+          </a:p>
+          <a:p>
+            <a:pPr marL="342900" indent="-342900">
+              <a:buFont typeface="Arial" pitchFamily="34" charset="0"/>
+              <a:buChar char="•"/>
+            </a:pPr>
+            <a:r>
+              <a:rPr lang="ru-RU" dirty="0" smtClean="0"/>
+              <a:t>Православно-славянская цивилизация (к ней относится и Россия)</a:t>
+            </a:r>
+            <a:endParaRPr lang="ru-RU" dirty="0" smtClean="0"/>
+          </a:p>
+          <a:p>
+            <a:pPr marL="342900" indent="-342900">
+              <a:buFont typeface="Arial" pitchFamily="34" charset="0"/>
+              <a:buChar char="•"/>
+            </a:pPr>
+            <a:r>
+              <a:rPr lang="ru-RU" dirty="0" smtClean="0"/>
+              <a:t>Японская цивилизация</a:t>
+            </a:r>
+            <a:endParaRPr lang="ru-RU" dirty="0" smtClean="0"/>
+          </a:p>
+          <a:p>
+            <a:pPr marL="342900" indent="-342900">
+              <a:buFont typeface="Arial" pitchFamily="34" charset="0"/>
+              <a:buChar char="•"/>
+            </a:pPr>
+            <a:r>
+              <a:rPr lang="ru-RU" dirty="0" smtClean="0"/>
+              <a:t>Африканская цивилизация</a:t>
+            </a:r>
+            <a:endParaRPr lang="ru-RU" dirty="0" smtClean="0"/>
+          </a:p>
+          <a:p>
+            <a:endParaRPr lang="ru-RU" dirty="0"/>
+          </a:p>
+        </p:txBody>
+      </p:sp>
+    </p:spTree>
+  </p:cSld>
+  <p:clrMapOvr>
+    <a:masterClrMapping/>
+  </p:clrMapOvr>
+</p:sld>
+</file>
+
+<file path=ppt/slides/slide7.xml><?xml version="1.0" encoding="utf-8"?>
+<p:sld xmlns:a="http://schemas.openxmlformats.org/drawingml/2006/main" xmlns:r="http://schemas.openxmlformats.org/officeDocument/2006/relationships" xmlns:p="http://schemas.openxmlformats.org/presentationml/2006/main">
+  <p:cSld>
+    <p:spTree>
+      <p:nvGrpSpPr>
+        <p:cNvPr id="1" name=""/>
+        <p:cNvGrpSpPr/>
+        <p:nvPr/>
+      </p:nvGrpSpPr>
+      <p:grpSpPr>
+        <a:xfrm>
+          <a:off x="0" y="0"/>
+          <a:ext cx="0" cy="0"/>
+          <a:chOff x="0" y="0"/>
+          <a:chExt cx="0" cy="0"/>
+        </a:xfrm>
+      </p:grpSpPr>
+      <p:sp>
+        <p:nvSpPr>
+          <p:cNvPr id="2" name="Заголовок 1"/>
+          <p:cNvSpPr>
+            <a:spLocks noGrp="1"/>
+          </p:cNvSpPr>
+          <p:nvPr>
+            <p:ph type="title"/>
+          </p:nvPr>
+        </p:nvSpPr>
+        <p:spPr>
+          <a:xfrm>
+            <a:off x="457200" y="273050"/>
+            <a:ext cx="3008313" cy="369868"/>
+          </a:xfrm>
+        </p:spPr>
+        <p:txBody>
+          <a:bodyPr>
+            <a:normAutofit fontScale="90000"/>
+          </a:bodyPr>
+          <a:lstStyle/>
+          <a:p>
+            <a:r>
+              <a:rPr lang="ru-RU" dirty="0" smtClean="0"/>
+              <a:t>Критика</a:t>
+            </a:r>
+            <a:endParaRPr lang="ru-RU" dirty="0"/>
+          </a:p>
+        </p:txBody>
+      </p:sp>
+      <p:sp>
+        <p:nvSpPr>
+          <p:cNvPr id="3" name="Содержимое 2"/>
+          <p:cNvSpPr>
+            <a:spLocks noGrp="1"/>
+          </p:cNvSpPr>
+          <p:nvPr>
+            <p:ph idx="1"/>
+          </p:nvPr>
+        </p:nvSpPr>
+        <p:spPr/>
+        <p:txBody>
+          <a:bodyPr/>
+          <a:lstStyle/>
+          <a:p>
+            <a:endParaRPr lang="ru-RU"/>
+          </a:p>
+        </p:txBody>
+      </p:sp>
+      <p:sp>
+        <p:nvSpPr>
+          <p:cNvPr id="4" name="Текст 3"/>
+          <p:cNvSpPr>
+            <a:spLocks noGrp="1"/>
+          </p:cNvSpPr>
+          <p:nvPr>
+            <p:ph type="body" sz="half" idx="2"/>
+          </p:nvPr>
+        </p:nvSpPr>
+        <p:spPr>
+          <a:xfrm>
+            <a:off x="457200" y="642918"/>
+            <a:ext cx="3008313" cy="5483245"/>
+          </a:xfrm>
+        </p:spPr>
+        <p:txBody>
+          <a:bodyPr>
+            <a:normAutofit/>
+          </a:bodyPr>
+          <a:lstStyle/>
+          <a:p>
+            <a:r>
+              <a:rPr lang="ru-RU" dirty="0" err="1" smtClean="0"/>
+              <a:t>Хантингтона</a:t>
+            </a:r>
+            <a:r>
+              <a:rPr lang="ru-RU" dirty="0" smtClean="0"/>
+              <a:t> обвиняют в том, что он </a:t>
+            </a:r>
+            <a:r>
+              <a:rPr lang="ru-RU" dirty="0" smtClean="0"/>
+              <a:t>не учитывает социально-экономический фактор, пытаясь свести всё к «культурным различиям», и упрощает политическую картину мира, деля его на «добрую» (западную) и «злую» (</a:t>
+            </a:r>
+            <a:r>
+              <a:rPr lang="ru-RU" dirty="0" err="1" smtClean="0"/>
+              <a:t>не-западную</a:t>
+            </a:r>
+            <a:r>
+              <a:rPr lang="ru-RU" dirty="0" smtClean="0"/>
+              <a:t>, прежде всего исламскую) половины</a:t>
+            </a:r>
+            <a:r>
+              <a:rPr lang="ru-RU" dirty="0" smtClean="0"/>
+              <a:t>.</a:t>
+            </a:r>
+          </a:p>
+          <a:p>
+            <a:r>
+              <a:rPr lang="ru-RU" dirty="0" smtClean="0"/>
+              <a:t>В </a:t>
+            </a:r>
+            <a:r>
+              <a:rPr lang="ru-RU" dirty="0" smtClean="0"/>
+              <a:t>концепцию </a:t>
+            </a:r>
+            <a:r>
+              <a:rPr lang="ru-RU" dirty="0" err="1" smtClean="0"/>
+              <a:t>Хантигтона</a:t>
+            </a:r>
+            <a:r>
+              <a:rPr lang="ru-RU" dirty="0" smtClean="0"/>
+              <a:t> при этом не укладывается противостояние между Ираком и Ираном или между Египтом и Сирией (как мусульманские страны они должны по </a:t>
+            </a:r>
+            <a:r>
+              <a:rPr lang="ru-RU" dirty="0" err="1" smtClean="0"/>
+              <a:t>Хантингтону</a:t>
+            </a:r>
+            <a:r>
+              <a:rPr lang="ru-RU" dirty="0" smtClean="0"/>
+              <a:t> демонстрировать единство). </a:t>
+            </a:r>
+            <a:endParaRPr lang="ru-RU" dirty="0" smtClean="0"/>
+          </a:p>
+          <a:p>
+            <a:r>
+              <a:rPr lang="ru-RU" dirty="0" smtClean="0"/>
+              <a:t>По данным </a:t>
+            </a:r>
+            <a:r>
+              <a:rPr lang="ru-RU" dirty="0" smtClean="0"/>
+              <a:t>этнологов, </a:t>
+            </a:r>
+            <a:r>
+              <a:rPr lang="ru-RU" dirty="0" err="1" smtClean="0"/>
+              <a:t>цивилизационная</a:t>
+            </a:r>
+            <a:r>
+              <a:rPr lang="ru-RU" dirty="0" smtClean="0"/>
+              <a:t> теория </a:t>
+            </a:r>
+            <a:r>
+              <a:rPr lang="ru-RU" dirty="0" err="1" smtClean="0"/>
+              <a:t>Хантингтона</a:t>
+            </a:r>
+            <a:r>
+              <a:rPr lang="ru-RU" dirty="0" smtClean="0"/>
+              <a:t> не поддерживается и опровергается в западной академической </a:t>
+            </a:r>
+            <a:r>
+              <a:rPr lang="ru-RU" dirty="0" smtClean="0"/>
+              <a:t>литературе, хотя она распространена в обществе.</a:t>
+            </a:r>
+            <a:endParaRPr lang="ru-RU" dirty="0" smtClean="0"/>
+          </a:p>
+          <a:p>
             <a:endParaRPr lang="ru-RU" dirty="0"/>
           </a:p>
         </p:txBody>

--- a/Other/Сэмюэл Филлипс Хантингтон.pptx
+++ b/Other/Сэмюэл Филлипс Хантингтон.pptx
@@ -2,7 +2,7 @@
 <file path=ppt/presentation.xml><?xml version="1.0" encoding="utf-8"?>
 <p:presentation xmlns:a="http://schemas.openxmlformats.org/drawingml/2006/main" xmlns:r="http://schemas.openxmlformats.org/officeDocument/2006/relationships" xmlns:p="http://schemas.openxmlformats.org/presentationml/2006/main" saveSubsetFonts="1">
   <p:sldMasterIdLst>
-    <p:sldMasterId id="2147483648" r:id="rId1"/>
+    <p:sldMasterId id="2147483660" r:id="rId1"/>
   </p:sldMasterIdLst>
   <p:sldIdLst>
     <p:sldId id="256" r:id="rId2"/>
@@ -132,7 +132,13 @@
       </p:grpSpPr>
       <p:sp>
         <p:nvSpPr>
-          <p:cNvPr id="2" name="Заголовок 1"/>
+          <p:cNvPr id="2" name="Заголовок 1">
+            <a:extLst>
+              <a:ext uri="{FF2B5EF4-FFF2-40B4-BE49-F238E27FC236}">
+                <a16:creationId xmlns:a16="http://schemas.microsoft.com/office/drawing/2014/main" xmlns="" id="{284EFA32-F481-EF9C-A5DF-5C6E541FF523}"/>
+              </a:ext>
+            </a:extLst>
+          </p:cNvPr>
           <p:cNvSpPr>
             <a:spLocks noGrp="1"/>
           </p:cNvSpPr>
@@ -142,25 +148,41 @@
         </p:nvSpPr>
         <p:spPr>
           <a:xfrm>
-            <a:off x="685800" y="2130425"/>
-            <a:ext cx="7772400" cy="1470025"/>
+            <a:off x="422564" y="1546945"/>
+            <a:ext cx="6622473" cy="2387600"/>
           </a:xfrm>
         </p:spPr>
         <p:txBody>
-          <a:bodyPr/>
-          <a:lstStyle/>
+          <a:bodyPr anchor="b">
+            <a:normAutofit/>
+          </a:bodyPr>
+          <a:lstStyle>
+            <a:lvl1pPr algn="l">
+              <a:defRPr sz="7200" b="1">
+                <a:solidFill>
+                  <a:srgbClr val="D5A239"/>
+                </a:solidFill>
+              </a:defRPr>
+            </a:lvl1pPr>
+          </a:lstStyle>
           <a:p>
             <a:r>
               <a:rPr lang="ru-RU" smtClean="0"/>
               <a:t>Образец заголовка</a:t>
             </a:r>
-            <a:endParaRPr lang="ru-RU"/>
-          </a:p>
-        </p:txBody>
-      </p:sp>
-      <p:sp>
-        <p:nvSpPr>
-          <p:cNvPr id="3" name="Подзаголовок 2"/>
+            <a:endParaRPr lang="x-none" dirty="0"/>
+          </a:p>
+        </p:txBody>
+      </p:sp>
+      <p:sp>
+        <p:nvSpPr>
+          <p:cNvPr id="3" name="Подзаголовок 2">
+            <a:extLst>
+              <a:ext uri="{FF2B5EF4-FFF2-40B4-BE49-F238E27FC236}">
+                <a16:creationId xmlns:a16="http://schemas.microsoft.com/office/drawing/2014/main" xmlns="" id="{43C9A790-DE61-4561-17B6-A4EC6A2C7B2E}"/>
+              </a:ext>
+            </a:extLst>
+          </p:cNvPr>
           <p:cNvSpPr>
             <a:spLocks noGrp="1"/>
           </p:cNvSpPr>
@@ -170,102 +192,52 @@
         </p:nvSpPr>
         <p:spPr>
           <a:xfrm>
-            <a:off x="1371600" y="3886200"/>
-            <a:ext cx="6400800" cy="1752600"/>
+            <a:off x="422561" y="3962253"/>
+            <a:ext cx="6622474" cy="1655762"/>
           </a:xfrm>
         </p:spPr>
         <p:txBody>
           <a:bodyPr/>
           <a:lstStyle>
-            <a:lvl1pPr marL="0" indent="0" algn="ctr">
-              <a:buNone/>
-              <a:defRPr>
-                <a:solidFill>
-                  <a:schemeClr val="tx1">
-                    <a:tint val="75000"/>
-                  </a:schemeClr>
+            <a:lvl1pPr marL="0" indent="0" algn="l">
+              <a:buNone/>
+              <a:defRPr sz="2400" b="1">
+                <a:solidFill>
+                  <a:srgbClr val="D5A239"/>
                 </a:solidFill>
               </a:defRPr>
             </a:lvl1pPr>
             <a:lvl2pPr marL="457200" indent="0" algn="ctr">
               <a:buNone/>
-              <a:defRPr>
-                <a:solidFill>
-                  <a:schemeClr val="tx1">
-                    <a:tint val="75000"/>
-                  </a:schemeClr>
-                </a:solidFill>
-              </a:defRPr>
+              <a:defRPr sz="2000"/>
             </a:lvl2pPr>
             <a:lvl3pPr marL="914400" indent="0" algn="ctr">
               <a:buNone/>
-              <a:defRPr>
-                <a:solidFill>
-                  <a:schemeClr val="tx1">
-                    <a:tint val="75000"/>
-                  </a:schemeClr>
-                </a:solidFill>
-              </a:defRPr>
+              <a:defRPr sz="1800"/>
             </a:lvl3pPr>
             <a:lvl4pPr marL="1371600" indent="0" algn="ctr">
               <a:buNone/>
-              <a:defRPr>
-                <a:solidFill>
-                  <a:schemeClr val="tx1">
-                    <a:tint val="75000"/>
-                  </a:schemeClr>
-                </a:solidFill>
-              </a:defRPr>
+              <a:defRPr sz="1600"/>
             </a:lvl4pPr>
             <a:lvl5pPr marL="1828800" indent="0" algn="ctr">
               <a:buNone/>
-              <a:defRPr>
-                <a:solidFill>
-                  <a:schemeClr val="tx1">
-                    <a:tint val="75000"/>
-                  </a:schemeClr>
-                </a:solidFill>
-              </a:defRPr>
+              <a:defRPr sz="1600"/>
             </a:lvl5pPr>
             <a:lvl6pPr marL="2286000" indent="0" algn="ctr">
               <a:buNone/>
-              <a:defRPr>
-                <a:solidFill>
-                  <a:schemeClr val="tx1">
-                    <a:tint val="75000"/>
-                  </a:schemeClr>
-                </a:solidFill>
-              </a:defRPr>
+              <a:defRPr sz="1600"/>
             </a:lvl6pPr>
             <a:lvl7pPr marL="2743200" indent="0" algn="ctr">
               <a:buNone/>
-              <a:defRPr>
-                <a:solidFill>
-                  <a:schemeClr val="tx1">
-                    <a:tint val="75000"/>
-                  </a:schemeClr>
-                </a:solidFill>
-              </a:defRPr>
+              <a:defRPr sz="1600"/>
             </a:lvl7pPr>
             <a:lvl8pPr marL="3200400" indent="0" algn="ctr">
               <a:buNone/>
-              <a:defRPr>
-                <a:solidFill>
-                  <a:schemeClr val="tx1">
-                    <a:tint val="75000"/>
-                  </a:schemeClr>
-                </a:solidFill>
-              </a:defRPr>
+              <a:defRPr sz="1600"/>
             </a:lvl8pPr>
             <a:lvl9pPr marL="3657600" indent="0" algn="ctr">
               <a:buNone/>
-              <a:defRPr>
-                <a:solidFill>
-                  <a:schemeClr val="tx1">
-                    <a:tint val="75000"/>
-                  </a:schemeClr>
-                </a:solidFill>
-              </a:defRPr>
+              <a:defRPr sz="1600"/>
             </a:lvl9pPr>
           </a:lstStyle>
           <a:p>
@@ -273,13 +245,19 @@
               <a:rPr lang="ru-RU" smtClean="0"/>
               <a:t>Образец подзаголовка</a:t>
             </a:r>
-            <a:endParaRPr lang="ru-RU"/>
-          </a:p>
-        </p:txBody>
-      </p:sp>
-      <p:sp>
-        <p:nvSpPr>
-          <p:cNvPr id="4" name="Дата 3"/>
+            <a:endParaRPr lang="x-none" dirty="0"/>
+          </a:p>
+        </p:txBody>
+      </p:sp>
+      <p:sp>
+        <p:nvSpPr>
+          <p:cNvPr id="4" name="Дата 3">
+            <a:extLst>
+              <a:ext uri="{FF2B5EF4-FFF2-40B4-BE49-F238E27FC236}">
+                <a16:creationId xmlns:a16="http://schemas.microsoft.com/office/drawing/2014/main" xmlns="" id="{6839E98A-7C5D-39D0-6916-3EF1E6C584E8}"/>
+              </a:ext>
+            </a:extLst>
+          </p:cNvPr>
           <p:cNvSpPr>
             <a:spLocks noGrp="1"/>
           </p:cNvSpPr>
@@ -295,7 +273,7 @@
             <a:fld id="{6B301CB7-287F-4A90-A9CF-E622D56B2206}" type="datetimeFigureOut">
               <a:rPr lang="ru-RU" smtClean="0"/>
               <a:pPr/>
-              <a:t>06.11.2024</a:t>
+              <a:t>07.11.2024</a:t>
             </a:fld>
             <a:endParaRPr lang="ru-RU"/>
           </a:p>
@@ -303,7 +281,13 @@
       </p:sp>
       <p:sp>
         <p:nvSpPr>
-          <p:cNvPr id="5" name="Нижний колонтитул 4"/>
+          <p:cNvPr id="5" name="Нижний колонтитул 4">
+            <a:extLst>
+              <a:ext uri="{FF2B5EF4-FFF2-40B4-BE49-F238E27FC236}">
+                <a16:creationId xmlns:a16="http://schemas.microsoft.com/office/drawing/2014/main" xmlns="" id="{218DA1DF-2B2C-E6F4-74B7-C5E5D2DD81B9}"/>
+              </a:ext>
+            </a:extLst>
+          </p:cNvPr>
           <p:cNvSpPr>
             <a:spLocks noGrp="1"/>
           </p:cNvSpPr>
@@ -322,7 +306,13 @@
       </p:sp>
       <p:sp>
         <p:nvSpPr>
-          <p:cNvPr id="6" name="Номер слайда 5"/>
+          <p:cNvPr id="6" name="Номер слайда 5">
+            <a:extLst>
+              <a:ext uri="{FF2B5EF4-FFF2-40B4-BE49-F238E27FC236}">
+                <a16:creationId xmlns:a16="http://schemas.microsoft.com/office/drawing/2014/main" xmlns="" id="{8B3AF312-D9BA-B61C-DBD5-73715EA68746}"/>
+              </a:ext>
+            </a:extLst>
+          </p:cNvPr>
           <p:cNvSpPr>
             <a:spLocks noGrp="1"/>
           </p:cNvSpPr>
@@ -345,6 +335,11 @@
         </p:txBody>
       </p:sp>
     </p:spTree>
+    <p:extLst>
+      <p:ext uri="{BB962C8B-B14F-4D97-AF65-F5344CB8AC3E}">
+        <p14:creationId xmlns:p14="http://schemas.microsoft.com/office/powerpoint/2010/main" xmlns="" val="3327756912"/>
+      </p:ext>
+    </p:extLst>
   </p:cSld>
   <p:clrMapOvr>
     <a:masterClrMapping/>
@@ -371,7 +366,13 @@
       </p:grpSpPr>
       <p:sp>
         <p:nvSpPr>
-          <p:cNvPr id="2" name="Заголовок 1"/>
+          <p:cNvPr id="2" name="Заголовок 1">
+            <a:extLst>
+              <a:ext uri="{FF2B5EF4-FFF2-40B4-BE49-F238E27FC236}">
+                <a16:creationId xmlns:a16="http://schemas.microsoft.com/office/drawing/2014/main" xmlns="" id="{054520D0-A9FA-7591-EE77-679D77D174DB}"/>
+              </a:ext>
+            </a:extLst>
+          </p:cNvPr>
           <p:cNvSpPr>
             <a:spLocks noGrp="1"/>
           </p:cNvSpPr>
@@ -388,13 +389,19 @@
               <a:rPr lang="ru-RU" smtClean="0"/>
               <a:t>Образец заголовка</a:t>
             </a:r>
-            <a:endParaRPr lang="ru-RU"/>
-          </a:p>
-        </p:txBody>
-      </p:sp>
-      <p:sp>
-        <p:nvSpPr>
-          <p:cNvPr id="3" name="Вертикальный текст 2"/>
+            <a:endParaRPr lang="x-none"/>
+          </a:p>
+        </p:txBody>
+      </p:sp>
+      <p:sp>
+        <p:nvSpPr>
+          <p:cNvPr id="3" name="Вертикальный текст 2">
+            <a:extLst>
+              <a:ext uri="{FF2B5EF4-FFF2-40B4-BE49-F238E27FC236}">
+                <a16:creationId xmlns:a16="http://schemas.microsoft.com/office/drawing/2014/main" xmlns="" id="{CF435BC4-8E7D-B9BE-C9FE-81BDEC5AE03C}"/>
+              </a:ext>
+            </a:extLst>
+          </p:cNvPr>
           <p:cNvSpPr>
             <a:spLocks noGrp="1"/>
           </p:cNvSpPr>
@@ -440,13 +447,19 @@
               <a:rPr lang="ru-RU" smtClean="0"/>
               <a:t>Пятый уровень</a:t>
             </a:r>
-            <a:endParaRPr lang="ru-RU"/>
-          </a:p>
-        </p:txBody>
-      </p:sp>
-      <p:sp>
-        <p:nvSpPr>
-          <p:cNvPr id="4" name="Дата 3"/>
+            <a:endParaRPr lang="x-none"/>
+          </a:p>
+        </p:txBody>
+      </p:sp>
+      <p:sp>
+        <p:nvSpPr>
+          <p:cNvPr id="4" name="Дата 3">
+            <a:extLst>
+              <a:ext uri="{FF2B5EF4-FFF2-40B4-BE49-F238E27FC236}">
+                <a16:creationId xmlns:a16="http://schemas.microsoft.com/office/drawing/2014/main" xmlns="" id="{6E7BB800-2B32-9BC9-B376-A2F2DE398D43}"/>
+              </a:ext>
+            </a:extLst>
+          </p:cNvPr>
           <p:cNvSpPr>
             <a:spLocks noGrp="1"/>
           </p:cNvSpPr>
@@ -462,7 +475,7 @@
             <a:fld id="{6B301CB7-287F-4A90-A9CF-E622D56B2206}" type="datetimeFigureOut">
               <a:rPr lang="ru-RU" smtClean="0"/>
               <a:pPr/>
-              <a:t>06.11.2024</a:t>
+              <a:t>07.11.2024</a:t>
             </a:fld>
             <a:endParaRPr lang="ru-RU"/>
           </a:p>
@@ -470,7 +483,13 @@
       </p:sp>
       <p:sp>
         <p:nvSpPr>
-          <p:cNvPr id="5" name="Нижний колонтитул 4"/>
+          <p:cNvPr id="5" name="Нижний колонтитул 4">
+            <a:extLst>
+              <a:ext uri="{FF2B5EF4-FFF2-40B4-BE49-F238E27FC236}">
+                <a16:creationId xmlns:a16="http://schemas.microsoft.com/office/drawing/2014/main" xmlns="" id="{E4703591-2343-9298-813E-9E36319DC434}"/>
+              </a:ext>
+            </a:extLst>
+          </p:cNvPr>
           <p:cNvSpPr>
             <a:spLocks noGrp="1"/>
           </p:cNvSpPr>
@@ -489,7 +508,13 @@
       </p:sp>
       <p:sp>
         <p:nvSpPr>
-          <p:cNvPr id="6" name="Номер слайда 5"/>
+          <p:cNvPr id="6" name="Номер слайда 5">
+            <a:extLst>
+              <a:ext uri="{FF2B5EF4-FFF2-40B4-BE49-F238E27FC236}">
+                <a16:creationId xmlns:a16="http://schemas.microsoft.com/office/drawing/2014/main" xmlns="" id="{791EF3A7-30B2-FB56-43CB-3FBE2F453E15}"/>
+              </a:ext>
+            </a:extLst>
+          </p:cNvPr>
           <p:cNvSpPr>
             <a:spLocks noGrp="1"/>
           </p:cNvSpPr>
@@ -512,6 +537,11 @@
         </p:txBody>
       </p:sp>
     </p:spTree>
+    <p:extLst>
+      <p:ext uri="{BB962C8B-B14F-4D97-AF65-F5344CB8AC3E}">
+        <p14:creationId xmlns:p14="http://schemas.microsoft.com/office/powerpoint/2010/main" xmlns="" val="1312727158"/>
+      </p:ext>
+    </p:extLst>
   </p:cSld>
   <p:clrMapOvr>
     <a:masterClrMapping/>
@@ -538,7 +568,13 @@
       </p:grpSpPr>
       <p:sp>
         <p:nvSpPr>
-          <p:cNvPr id="2" name="Вертикальный заголовок 1"/>
+          <p:cNvPr id="2" name="Вертикальный заголовок 1">
+            <a:extLst>
+              <a:ext uri="{FF2B5EF4-FFF2-40B4-BE49-F238E27FC236}">
+                <a16:creationId xmlns:a16="http://schemas.microsoft.com/office/drawing/2014/main" xmlns="" id="{498FDD84-3BF7-CB83-E1B2-ECCFA01C4927}"/>
+              </a:ext>
+            </a:extLst>
+          </p:cNvPr>
           <p:cNvSpPr>
             <a:spLocks noGrp="1"/>
           </p:cNvSpPr>
@@ -548,8 +584,8 @@
         </p:nvSpPr>
         <p:spPr>
           <a:xfrm>
-            <a:off x="6629400" y="274638"/>
-            <a:ext cx="2057400" cy="5851525"/>
+            <a:off x="6543675" y="365125"/>
+            <a:ext cx="1971675" cy="5811838"/>
           </a:xfrm>
         </p:spPr>
         <p:txBody>
@@ -560,13 +596,19 @@
               <a:rPr lang="ru-RU" smtClean="0"/>
               <a:t>Образец заголовка</a:t>
             </a:r>
-            <a:endParaRPr lang="ru-RU"/>
-          </a:p>
-        </p:txBody>
-      </p:sp>
-      <p:sp>
-        <p:nvSpPr>
-          <p:cNvPr id="3" name="Вертикальный текст 2"/>
+            <a:endParaRPr lang="x-none"/>
+          </a:p>
+        </p:txBody>
+      </p:sp>
+      <p:sp>
+        <p:nvSpPr>
+          <p:cNvPr id="3" name="Вертикальный текст 2">
+            <a:extLst>
+              <a:ext uri="{FF2B5EF4-FFF2-40B4-BE49-F238E27FC236}">
+                <a16:creationId xmlns:a16="http://schemas.microsoft.com/office/drawing/2014/main" xmlns="" id="{8DB89061-4AA1-10AB-2F2F-BAA04CAF3D4C}"/>
+              </a:ext>
+            </a:extLst>
+          </p:cNvPr>
           <p:cNvSpPr>
             <a:spLocks noGrp="1"/>
           </p:cNvSpPr>
@@ -576,8 +618,8 @@
         </p:nvSpPr>
         <p:spPr>
           <a:xfrm>
-            <a:off x="457200" y="274638"/>
-            <a:ext cx="6019800" cy="5851525"/>
+            <a:off x="628650" y="365125"/>
+            <a:ext cx="5800725" cy="5811838"/>
           </a:xfrm>
         </p:spPr>
         <p:txBody>
@@ -617,13 +659,19 @@
               <a:rPr lang="ru-RU" smtClean="0"/>
               <a:t>Пятый уровень</a:t>
             </a:r>
-            <a:endParaRPr lang="ru-RU"/>
-          </a:p>
-        </p:txBody>
-      </p:sp>
-      <p:sp>
-        <p:nvSpPr>
-          <p:cNvPr id="4" name="Дата 3"/>
+            <a:endParaRPr lang="x-none"/>
+          </a:p>
+        </p:txBody>
+      </p:sp>
+      <p:sp>
+        <p:nvSpPr>
+          <p:cNvPr id="4" name="Дата 3">
+            <a:extLst>
+              <a:ext uri="{FF2B5EF4-FFF2-40B4-BE49-F238E27FC236}">
+                <a16:creationId xmlns:a16="http://schemas.microsoft.com/office/drawing/2014/main" xmlns="" id="{5CF6C290-D954-ADF7-10F1-95D67F5614F0}"/>
+              </a:ext>
+            </a:extLst>
+          </p:cNvPr>
           <p:cNvSpPr>
             <a:spLocks noGrp="1"/>
           </p:cNvSpPr>
@@ -639,7 +687,7 @@
             <a:fld id="{6B301CB7-287F-4A90-A9CF-E622D56B2206}" type="datetimeFigureOut">
               <a:rPr lang="ru-RU" smtClean="0"/>
               <a:pPr/>
-              <a:t>06.11.2024</a:t>
+              <a:t>07.11.2024</a:t>
             </a:fld>
             <a:endParaRPr lang="ru-RU"/>
           </a:p>
@@ -647,7 +695,13 @@
       </p:sp>
       <p:sp>
         <p:nvSpPr>
-          <p:cNvPr id="5" name="Нижний колонтитул 4"/>
+          <p:cNvPr id="5" name="Нижний колонтитул 4">
+            <a:extLst>
+              <a:ext uri="{FF2B5EF4-FFF2-40B4-BE49-F238E27FC236}">
+                <a16:creationId xmlns:a16="http://schemas.microsoft.com/office/drawing/2014/main" xmlns="" id="{01C37AFF-4D45-177F-A71F-CBAF62CF42D5}"/>
+              </a:ext>
+            </a:extLst>
+          </p:cNvPr>
           <p:cNvSpPr>
             <a:spLocks noGrp="1"/>
           </p:cNvSpPr>
@@ -666,7 +720,13 @@
       </p:sp>
       <p:sp>
         <p:nvSpPr>
-          <p:cNvPr id="6" name="Номер слайда 5"/>
+          <p:cNvPr id="6" name="Номер слайда 5">
+            <a:extLst>
+              <a:ext uri="{FF2B5EF4-FFF2-40B4-BE49-F238E27FC236}">
+                <a16:creationId xmlns:a16="http://schemas.microsoft.com/office/drawing/2014/main" xmlns="" id="{65D4484B-CC2A-901B-747A-F7E9267325D5}"/>
+              </a:ext>
+            </a:extLst>
+          </p:cNvPr>
           <p:cNvSpPr>
             <a:spLocks noGrp="1"/>
           </p:cNvSpPr>
@@ -689,6 +749,11 @@
         </p:txBody>
       </p:sp>
     </p:spTree>
+    <p:extLst>
+      <p:ext uri="{BB962C8B-B14F-4D97-AF65-F5344CB8AC3E}">
+        <p14:creationId xmlns:p14="http://schemas.microsoft.com/office/powerpoint/2010/main" xmlns="" val="3717020960"/>
+      </p:ext>
+    </p:extLst>
   </p:cSld>
   <p:clrMapOvr>
     <a:masterClrMapping/>
@@ -713,9 +778,51 @@
           <a:chExt cx="0" cy="0"/>
         </a:xfrm>
       </p:grpSpPr>
-      <p:sp>
-        <p:nvSpPr>
-          <p:cNvPr id="2" name="Заголовок 1"/>
+      <p:pic>
+        <p:nvPicPr>
+          <p:cNvPr id="8" name="Рисунок 7">
+            <a:extLst>
+              <a:ext uri="{FF2B5EF4-FFF2-40B4-BE49-F238E27FC236}">
+                <a16:creationId xmlns:a16="http://schemas.microsoft.com/office/drawing/2014/main" xmlns="" id="{C0F69D6F-D6BA-C94D-DD5A-6ABD59AA49AC}"/>
+              </a:ext>
+            </a:extLst>
+          </p:cNvPr>
+          <p:cNvPicPr>
+            <a:picLocks noChangeAspect="1"/>
+          </p:cNvPicPr>
+          <p:nvPr/>
+        </p:nvPicPr>
+        <p:blipFill>
+          <a:blip r:embed="rId2">
+            <a:extLst>
+              <a:ext uri="{28A0092B-C50C-407E-A947-70E740481C1C}">
+                <a14:useLocalDpi xmlns:a14="http://schemas.microsoft.com/office/drawing/2010/main" xmlns="" val="0"/>
+              </a:ext>
+            </a:extLst>
+          </a:blip>
+          <a:stretch>
+            <a:fillRect/>
+          </a:stretch>
+        </p:blipFill>
+        <p:spPr>
+          <a:xfrm>
+            <a:off x="0" y="0"/>
+            <a:ext cx="9144000" cy="6858000"/>
+          </a:xfrm>
+          <a:prstGeom prst="rect">
+            <a:avLst/>
+          </a:prstGeom>
+        </p:spPr>
+      </p:pic>
+      <p:sp>
+        <p:nvSpPr>
+          <p:cNvPr id="2" name="Заголовок 1">
+            <a:extLst>
+              <a:ext uri="{FF2B5EF4-FFF2-40B4-BE49-F238E27FC236}">
+                <a16:creationId xmlns:a16="http://schemas.microsoft.com/office/drawing/2014/main" xmlns="" id="{0A795B79-E343-F53B-8A5F-AE6CFA03C7CD}"/>
+              </a:ext>
+            </a:extLst>
+          </p:cNvPr>
           <p:cNvSpPr>
             <a:spLocks noGrp="1"/>
           </p:cNvSpPr>
@@ -723,27 +830,104 @@
             <p:ph type="title"/>
           </p:nvPr>
         </p:nvSpPr>
+        <p:spPr>
+          <a:xfrm>
+            <a:off x="628650" y="415636"/>
+            <a:ext cx="7886700" cy="530802"/>
+          </a:xfrm>
+        </p:spPr>
+        <p:txBody>
+          <a:bodyPr/>
+          <a:lstStyle>
+            <a:lvl1pPr>
+              <a:defRPr>
+                <a:solidFill>
+                  <a:srgbClr val="D5A239"/>
+                </a:solidFill>
+              </a:defRPr>
+            </a:lvl1pPr>
+          </a:lstStyle>
+          <a:p>
+            <a:r>
+              <a:rPr lang="ru-RU" smtClean="0"/>
+              <a:t>Образец заголовка</a:t>
+            </a:r>
+            <a:endParaRPr lang="x-none"/>
+          </a:p>
+        </p:txBody>
+      </p:sp>
+      <p:sp>
+        <p:nvSpPr>
+          <p:cNvPr id="3" name="Объект 2">
+            <a:extLst>
+              <a:ext uri="{FF2B5EF4-FFF2-40B4-BE49-F238E27FC236}">
+                <a16:creationId xmlns:a16="http://schemas.microsoft.com/office/drawing/2014/main" xmlns="" id="{9D4B5BC4-E3BA-CF00-4139-D4F14CD6F18C}"/>
+              </a:ext>
+            </a:extLst>
+          </p:cNvPr>
+          <p:cNvSpPr>
+            <a:spLocks noGrp="1"/>
+          </p:cNvSpPr>
+          <p:nvPr>
+            <p:ph idx="1"/>
+          </p:nvPr>
+        </p:nvSpPr>
         <p:spPr/>
         <p:txBody>
           <a:bodyPr/>
           <a:lstStyle/>
           <a:p>
-            <a:r>
-              <a:rPr lang="ru-RU" smtClean="0"/>
-              <a:t>Образец заголовка</a:t>
-            </a:r>
-            <a:endParaRPr lang="ru-RU"/>
-          </a:p>
-        </p:txBody>
-      </p:sp>
-      <p:sp>
-        <p:nvSpPr>
-          <p:cNvPr id="3" name="Содержимое 2"/>
-          <p:cNvSpPr>
-            <a:spLocks noGrp="1"/>
-          </p:cNvSpPr>
-          <p:nvPr>
-            <p:ph idx="1"/>
+            <a:pPr lvl="0"/>
+            <a:r>
+              <a:rPr lang="ru-RU" smtClean="0"/>
+              <a:t>Образец текста</a:t>
+            </a:r>
+          </a:p>
+          <a:p>
+            <a:pPr lvl="1"/>
+            <a:r>
+              <a:rPr lang="ru-RU" smtClean="0"/>
+              <a:t>Второй уровень</a:t>
+            </a:r>
+          </a:p>
+          <a:p>
+            <a:pPr lvl="2"/>
+            <a:r>
+              <a:rPr lang="ru-RU" smtClean="0"/>
+              <a:t>Третий уровень</a:t>
+            </a:r>
+          </a:p>
+          <a:p>
+            <a:pPr lvl="3"/>
+            <a:r>
+              <a:rPr lang="ru-RU" smtClean="0"/>
+              <a:t>Четвертый уровень</a:t>
+            </a:r>
+          </a:p>
+          <a:p>
+            <a:pPr lvl="4"/>
+            <a:r>
+              <a:rPr lang="ru-RU" smtClean="0"/>
+              <a:t>Пятый уровень</a:t>
+            </a:r>
+            <a:endParaRPr lang="x-none"/>
+          </a:p>
+        </p:txBody>
+      </p:sp>
+      <p:sp>
+        <p:nvSpPr>
+          <p:cNvPr id="4" name="Дата 3">
+            <a:extLst>
+              <a:ext uri="{FF2B5EF4-FFF2-40B4-BE49-F238E27FC236}">
+                <a16:creationId xmlns:a16="http://schemas.microsoft.com/office/drawing/2014/main" xmlns="" id="{4CDB8B5D-1829-114B-6E49-2741DF67E9C7}"/>
+              </a:ext>
+            </a:extLst>
+          </p:cNvPr>
+          <p:cNvSpPr>
+            <a:spLocks noGrp="1"/>
+          </p:cNvSpPr>
+          <p:nvPr>
+            <p:ph type="dt" sz="half" idx="10"/>
           </p:nvPr>
         </p:nvSpPr>
         <p:spPr/>
@@ -751,62 +935,10 @@
           <a:bodyPr/>
           <a:lstStyle/>
           <a:p>
-            <a:pPr lvl="0"/>
-            <a:r>
-              <a:rPr lang="ru-RU" smtClean="0"/>
-              <a:t>Образец текста</a:t>
-            </a:r>
-          </a:p>
-          <a:p>
-            <a:pPr lvl="1"/>
-            <a:r>
-              <a:rPr lang="ru-RU" smtClean="0"/>
-              <a:t>Второй уровень</a:t>
-            </a:r>
-          </a:p>
-          <a:p>
-            <a:pPr lvl="2"/>
-            <a:r>
-              <a:rPr lang="ru-RU" smtClean="0"/>
-              <a:t>Третий уровень</a:t>
-            </a:r>
-          </a:p>
-          <a:p>
-            <a:pPr lvl="3"/>
-            <a:r>
-              <a:rPr lang="ru-RU" smtClean="0"/>
-              <a:t>Четвертый уровень</a:t>
-            </a:r>
-          </a:p>
-          <a:p>
-            <a:pPr lvl="4"/>
-            <a:r>
-              <a:rPr lang="ru-RU" smtClean="0"/>
-              <a:t>Пятый уровень</a:t>
-            </a:r>
-            <a:endParaRPr lang="ru-RU"/>
-          </a:p>
-        </p:txBody>
-      </p:sp>
-      <p:sp>
-        <p:nvSpPr>
-          <p:cNvPr id="4" name="Дата 3"/>
-          <p:cNvSpPr>
-            <a:spLocks noGrp="1"/>
-          </p:cNvSpPr>
-          <p:nvPr>
-            <p:ph type="dt" sz="half" idx="10"/>
-          </p:nvPr>
-        </p:nvSpPr>
-        <p:spPr/>
-        <p:txBody>
-          <a:bodyPr/>
-          <a:lstStyle/>
-          <a:p>
             <a:fld id="{6B301CB7-287F-4A90-A9CF-E622D56B2206}" type="datetimeFigureOut">
               <a:rPr lang="ru-RU" smtClean="0"/>
               <a:pPr/>
-              <a:t>06.11.2024</a:t>
+              <a:t>07.11.2024</a:t>
             </a:fld>
             <a:endParaRPr lang="ru-RU"/>
           </a:p>
@@ -814,7 +946,13 @@
       </p:sp>
       <p:sp>
         <p:nvSpPr>
-          <p:cNvPr id="5" name="Нижний колонтитул 4"/>
+          <p:cNvPr id="5" name="Нижний колонтитул 4">
+            <a:extLst>
+              <a:ext uri="{FF2B5EF4-FFF2-40B4-BE49-F238E27FC236}">
+                <a16:creationId xmlns:a16="http://schemas.microsoft.com/office/drawing/2014/main" xmlns="" id="{8696B57C-3175-B11B-7C56-3E77DFE39E89}"/>
+              </a:ext>
+            </a:extLst>
+          </p:cNvPr>
           <p:cNvSpPr>
             <a:spLocks noGrp="1"/>
           </p:cNvSpPr>
@@ -833,7 +971,13 @@
       </p:sp>
       <p:sp>
         <p:nvSpPr>
-          <p:cNvPr id="6" name="Номер слайда 5"/>
+          <p:cNvPr id="6" name="Номер слайда 5">
+            <a:extLst>
+              <a:ext uri="{FF2B5EF4-FFF2-40B4-BE49-F238E27FC236}">
+                <a16:creationId xmlns:a16="http://schemas.microsoft.com/office/drawing/2014/main" xmlns="" id="{0D20894A-AFA6-E120-67C0-DBEC13D9E62C}"/>
+              </a:ext>
+            </a:extLst>
+          </p:cNvPr>
           <p:cNvSpPr>
             <a:spLocks noGrp="1"/>
           </p:cNvSpPr>
@@ -856,6 +1000,11 @@
         </p:txBody>
       </p:sp>
     </p:spTree>
+    <p:extLst>
+      <p:ext uri="{BB962C8B-B14F-4D97-AF65-F5344CB8AC3E}">
+        <p14:creationId xmlns:p14="http://schemas.microsoft.com/office/powerpoint/2010/main" xmlns="" val="3916442258"/>
+      </p:ext>
+    </p:extLst>
   </p:cSld>
   <p:clrMapOvr>
     <a:masterClrMapping/>
@@ -882,7 +1031,13 @@
       </p:grpSpPr>
       <p:sp>
         <p:nvSpPr>
-          <p:cNvPr id="2" name="Заголовок 1"/>
+          <p:cNvPr id="2" name="Заголовок 1">
+            <a:extLst>
+              <a:ext uri="{FF2B5EF4-FFF2-40B4-BE49-F238E27FC236}">
+                <a16:creationId xmlns:a16="http://schemas.microsoft.com/office/drawing/2014/main" xmlns="" id="{7F4F0E60-A9D6-3FCF-62EA-ADB827F0E22B}"/>
+              </a:ext>
+            </a:extLst>
+          </p:cNvPr>
           <p:cNvSpPr>
             <a:spLocks noGrp="1"/>
           </p:cNvSpPr>
@@ -892,15 +1047,15 @@
         </p:nvSpPr>
         <p:spPr>
           <a:xfrm>
-            <a:off x="722313" y="4406900"/>
-            <a:ext cx="7772400" cy="1362075"/>
+            <a:off x="623888" y="1709739"/>
+            <a:ext cx="7886700" cy="2852737"/>
           </a:xfrm>
         </p:spPr>
         <p:txBody>
-          <a:bodyPr anchor="t"/>
+          <a:bodyPr anchor="b"/>
           <a:lstStyle>
-            <a:lvl1pPr algn="l">
-              <a:defRPr sz="4000" b="1" cap="all"/>
+            <a:lvl1pPr>
+              <a:defRPr sz="6000"/>
             </a:lvl1pPr>
           </a:lstStyle>
           <a:p>
@@ -908,13 +1063,19 @@
               <a:rPr lang="ru-RU" smtClean="0"/>
               <a:t>Образец заголовка</a:t>
             </a:r>
-            <a:endParaRPr lang="ru-RU"/>
-          </a:p>
-        </p:txBody>
-      </p:sp>
-      <p:sp>
-        <p:nvSpPr>
-          <p:cNvPr id="3" name="Текст 2"/>
+            <a:endParaRPr lang="x-none"/>
+          </a:p>
+        </p:txBody>
+      </p:sp>
+      <p:sp>
+        <p:nvSpPr>
+          <p:cNvPr id="3" name="Текст 2">
+            <a:extLst>
+              <a:ext uri="{FF2B5EF4-FFF2-40B4-BE49-F238E27FC236}">
+                <a16:creationId xmlns:a16="http://schemas.microsoft.com/office/drawing/2014/main" xmlns="" id="{07D3750B-7904-BCE3-18CC-C90C2657BDD8}"/>
+              </a:ext>
+            </a:extLst>
+          </p:cNvPr>
           <p:cNvSpPr>
             <a:spLocks noGrp="1"/>
           </p:cNvSpPr>
@@ -924,16 +1085,16 @@
         </p:nvSpPr>
         <p:spPr>
           <a:xfrm>
-            <a:off x="722313" y="2906713"/>
-            <a:ext cx="7772400" cy="1500187"/>
+            <a:off x="623888" y="4589464"/>
+            <a:ext cx="7886700" cy="1500187"/>
           </a:xfrm>
         </p:spPr>
         <p:txBody>
-          <a:bodyPr anchor="b"/>
+          <a:bodyPr/>
           <a:lstStyle>
             <a:lvl1pPr marL="0" indent="0">
               <a:buNone/>
-              <a:defRPr sz="2000">
+              <a:defRPr sz="2400">
                 <a:solidFill>
                   <a:schemeClr val="tx1">
                     <a:tint val="75000"/>
@@ -943,7 +1104,7 @@
             </a:lvl1pPr>
             <a:lvl2pPr marL="457200" indent="0">
               <a:buNone/>
-              <a:defRPr sz="1800">
+              <a:defRPr sz="2000">
                 <a:solidFill>
                   <a:schemeClr val="tx1">
                     <a:tint val="75000"/>
@@ -953,7 +1114,7 @@
             </a:lvl2pPr>
             <a:lvl3pPr marL="914400" indent="0">
               <a:buNone/>
-              <a:defRPr sz="1600">
+              <a:defRPr sz="1800">
                 <a:solidFill>
                   <a:schemeClr val="tx1">
                     <a:tint val="75000"/>
@@ -963,7 +1124,7 @@
             </a:lvl3pPr>
             <a:lvl4pPr marL="1371600" indent="0">
               <a:buNone/>
-              <a:defRPr sz="1400">
+              <a:defRPr sz="1600">
                 <a:solidFill>
                   <a:schemeClr val="tx1">
                     <a:tint val="75000"/>
@@ -973,7 +1134,7 @@
             </a:lvl4pPr>
             <a:lvl5pPr marL="1828800" indent="0">
               <a:buNone/>
-              <a:defRPr sz="1400">
+              <a:defRPr sz="1600">
                 <a:solidFill>
                   <a:schemeClr val="tx1">
                     <a:tint val="75000"/>
@@ -983,7 +1144,7 @@
             </a:lvl5pPr>
             <a:lvl6pPr marL="2286000" indent="0">
               <a:buNone/>
-              <a:defRPr sz="1400">
+              <a:defRPr sz="1600">
                 <a:solidFill>
                   <a:schemeClr val="tx1">
                     <a:tint val="75000"/>
@@ -993,7 +1154,7 @@
             </a:lvl6pPr>
             <a:lvl7pPr marL="2743200" indent="0">
               <a:buNone/>
-              <a:defRPr sz="1400">
+              <a:defRPr sz="1600">
                 <a:solidFill>
                   <a:schemeClr val="tx1">
                     <a:tint val="75000"/>
@@ -1003,7 +1164,7 @@
             </a:lvl7pPr>
             <a:lvl8pPr marL="3200400" indent="0">
               <a:buNone/>
-              <a:defRPr sz="1400">
+              <a:defRPr sz="1600">
                 <a:solidFill>
                   <a:schemeClr val="tx1">
                     <a:tint val="75000"/>
@@ -1013,7 +1174,7 @@
             </a:lvl8pPr>
             <a:lvl9pPr marL="3657600" indent="0">
               <a:buNone/>
-              <a:defRPr sz="1400">
+              <a:defRPr sz="1600">
                 <a:solidFill>
                   <a:schemeClr val="tx1">
                     <a:tint val="75000"/>
@@ -1033,7 +1194,13 @@
       </p:sp>
       <p:sp>
         <p:nvSpPr>
-          <p:cNvPr id="4" name="Дата 3"/>
+          <p:cNvPr id="4" name="Дата 3">
+            <a:extLst>
+              <a:ext uri="{FF2B5EF4-FFF2-40B4-BE49-F238E27FC236}">
+                <a16:creationId xmlns:a16="http://schemas.microsoft.com/office/drawing/2014/main" xmlns="" id="{568293A5-DC45-1693-9A50-82120A5043A8}"/>
+              </a:ext>
+            </a:extLst>
+          </p:cNvPr>
           <p:cNvSpPr>
             <a:spLocks noGrp="1"/>
           </p:cNvSpPr>
@@ -1049,7 +1216,7 @@
             <a:fld id="{6B301CB7-287F-4A90-A9CF-E622D56B2206}" type="datetimeFigureOut">
               <a:rPr lang="ru-RU" smtClean="0"/>
               <a:pPr/>
-              <a:t>06.11.2024</a:t>
+              <a:t>07.11.2024</a:t>
             </a:fld>
             <a:endParaRPr lang="ru-RU"/>
           </a:p>
@@ -1057,7 +1224,13 @@
       </p:sp>
       <p:sp>
         <p:nvSpPr>
-          <p:cNvPr id="5" name="Нижний колонтитул 4"/>
+          <p:cNvPr id="5" name="Нижний колонтитул 4">
+            <a:extLst>
+              <a:ext uri="{FF2B5EF4-FFF2-40B4-BE49-F238E27FC236}">
+                <a16:creationId xmlns:a16="http://schemas.microsoft.com/office/drawing/2014/main" xmlns="" id="{DDB15F1E-630F-5934-22D8-E2E7DFDDF44C}"/>
+              </a:ext>
+            </a:extLst>
+          </p:cNvPr>
           <p:cNvSpPr>
             <a:spLocks noGrp="1"/>
           </p:cNvSpPr>
@@ -1076,7 +1249,13 @@
       </p:sp>
       <p:sp>
         <p:nvSpPr>
-          <p:cNvPr id="6" name="Номер слайда 5"/>
+          <p:cNvPr id="6" name="Номер слайда 5">
+            <a:extLst>
+              <a:ext uri="{FF2B5EF4-FFF2-40B4-BE49-F238E27FC236}">
+                <a16:creationId xmlns:a16="http://schemas.microsoft.com/office/drawing/2014/main" xmlns="" id="{FDA699E2-F218-43ED-AABF-F73518FFB946}"/>
+              </a:ext>
+            </a:extLst>
+          </p:cNvPr>
           <p:cNvSpPr>
             <a:spLocks noGrp="1"/>
           </p:cNvSpPr>
@@ -1099,6 +1278,11 @@
         </p:txBody>
       </p:sp>
     </p:spTree>
+    <p:extLst>
+      <p:ext uri="{BB962C8B-B14F-4D97-AF65-F5344CB8AC3E}">
+        <p14:creationId xmlns:p14="http://schemas.microsoft.com/office/powerpoint/2010/main" xmlns="" val="2916811822"/>
+      </p:ext>
+    </p:extLst>
   </p:cSld>
   <p:clrMapOvr>
     <a:masterClrMapping/>
@@ -1125,7 +1309,13 @@
       </p:grpSpPr>
       <p:sp>
         <p:nvSpPr>
-          <p:cNvPr id="2" name="Заголовок 1"/>
+          <p:cNvPr id="2" name="Заголовок 1">
+            <a:extLst>
+              <a:ext uri="{FF2B5EF4-FFF2-40B4-BE49-F238E27FC236}">
+                <a16:creationId xmlns:a16="http://schemas.microsoft.com/office/drawing/2014/main" xmlns="" id="{0125B767-3209-A7F8-628E-844ED3FA8D20}"/>
+              </a:ext>
+            </a:extLst>
+          </p:cNvPr>
           <p:cNvSpPr>
             <a:spLocks noGrp="1"/>
           </p:cNvSpPr>
@@ -1142,13 +1332,19 @@
               <a:rPr lang="ru-RU" smtClean="0"/>
               <a:t>Образец заголовка</a:t>
             </a:r>
-            <a:endParaRPr lang="ru-RU"/>
-          </a:p>
-        </p:txBody>
-      </p:sp>
-      <p:sp>
-        <p:nvSpPr>
-          <p:cNvPr id="3" name="Содержимое 2"/>
+            <a:endParaRPr lang="x-none"/>
+          </a:p>
+        </p:txBody>
+      </p:sp>
+      <p:sp>
+        <p:nvSpPr>
+          <p:cNvPr id="3" name="Объект 2">
+            <a:extLst>
+              <a:ext uri="{FF2B5EF4-FFF2-40B4-BE49-F238E27FC236}">
+                <a16:creationId xmlns:a16="http://schemas.microsoft.com/office/drawing/2014/main" xmlns="" id="{35C7ADD0-728F-73A5-BF90-C9168081C254}"/>
+              </a:ext>
+            </a:extLst>
+          </p:cNvPr>
           <p:cNvSpPr>
             <a:spLocks noGrp="1"/>
           </p:cNvSpPr>
@@ -1158,41 +1354,13 @@
         </p:nvSpPr>
         <p:spPr>
           <a:xfrm>
-            <a:off x="457200" y="1600200"/>
-            <a:ext cx="4038600" cy="4525963"/>
+            <a:off x="628650" y="1825625"/>
+            <a:ext cx="3886200" cy="4351338"/>
           </a:xfrm>
         </p:spPr>
         <p:txBody>
           <a:bodyPr/>
-          <a:lstStyle>
-            <a:lvl1pPr>
-              <a:defRPr sz="2800"/>
-            </a:lvl1pPr>
-            <a:lvl2pPr>
-              <a:defRPr sz="2400"/>
-            </a:lvl2pPr>
-            <a:lvl3pPr>
-              <a:defRPr sz="2000"/>
-            </a:lvl3pPr>
-            <a:lvl4pPr>
-              <a:defRPr sz="1800"/>
-            </a:lvl4pPr>
-            <a:lvl5pPr>
-              <a:defRPr sz="1800"/>
-            </a:lvl5pPr>
-            <a:lvl6pPr>
-              <a:defRPr sz="1800"/>
-            </a:lvl6pPr>
-            <a:lvl7pPr>
-              <a:defRPr sz="1800"/>
-            </a:lvl7pPr>
-            <a:lvl8pPr>
-              <a:defRPr sz="1800"/>
-            </a:lvl8pPr>
-            <a:lvl9pPr>
-              <a:defRPr sz="1800"/>
-            </a:lvl9pPr>
-          </a:lstStyle>
+          <a:lstStyle/>
           <a:p>
             <a:pPr lvl="0"/>
             <a:r>
@@ -1227,13 +1395,19 @@
               <a:rPr lang="ru-RU" smtClean="0"/>
               <a:t>Пятый уровень</a:t>
             </a:r>
-            <a:endParaRPr lang="ru-RU"/>
-          </a:p>
-        </p:txBody>
-      </p:sp>
-      <p:sp>
-        <p:nvSpPr>
-          <p:cNvPr id="4" name="Содержимое 3"/>
+            <a:endParaRPr lang="x-none"/>
+          </a:p>
+        </p:txBody>
+      </p:sp>
+      <p:sp>
+        <p:nvSpPr>
+          <p:cNvPr id="4" name="Объект 3">
+            <a:extLst>
+              <a:ext uri="{FF2B5EF4-FFF2-40B4-BE49-F238E27FC236}">
+                <a16:creationId xmlns:a16="http://schemas.microsoft.com/office/drawing/2014/main" xmlns="" id="{4FC43FC0-0387-9524-2813-6B3053D0455C}"/>
+              </a:ext>
+            </a:extLst>
+          </p:cNvPr>
           <p:cNvSpPr>
             <a:spLocks noGrp="1"/>
           </p:cNvSpPr>
@@ -1243,41 +1417,13 @@
         </p:nvSpPr>
         <p:spPr>
           <a:xfrm>
-            <a:off x="4648200" y="1600200"/>
-            <a:ext cx="4038600" cy="4525963"/>
+            <a:off x="4629150" y="1825625"/>
+            <a:ext cx="3886200" cy="4351338"/>
           </a:xfrm>
         </p:spPr>
         <p:txBody>
           <a:bodyPr/>
-          <a:lstStyle>
-            <a:lvl1pPr>
-              <a:defRPr sz="2800"/>
-            </a:lvl1pPr>
-            <a:lvl2pPr>
-              <a:defRPr sz="2400"/>
-            </a:lvl2pPr>
-            <a:lvl3pPr>
-              <a:defRPr sz="2000"/>
-            </a:lvl3pPr>
-            <a:lvl4pPr>
-              <a:defRPr sz="1800"/>
-            </a:lvl4pPr>
-            <a:lvl5pPr>
-              <a:defRPr sz="1800"/>
-            </a:lvl5pPr>
-            <a:lvl6pPr>
-              <a:defRPr sz="1800"/>
-            </a:lvl6pPr>
-            <a:lvl7pPr>
-              <a:defRPr sz="1800"/>
-            </a:lvl7pPr>
-            <a:lvl8pPr>
-              <a:defRPr sz="1800"/>
-            </a:lvl8pPr>
-            <a:lvl9pPr>
-              <a:defRPr sz="1800"/>
-            </a:lvl9pPr>
-          </a:lstStyle>
+          <a:lstStyle/>
           <a:p>
             <a:pPr lvl="0"/>
             <a:r>
@@ -1312,13 +1458,19 @@
               <a:rPr lang="ru-RU" smtClean="0"/>
               <a:t>Пятый уровень</a:t>
             </a:r>
-            <a:endParaRPr lang="ru-RU"/>
-          </a:p>
-        </p:txBody>
-      </p:sp>
-      <p:sp>
-        <p:nvSpPr>
-          <p:cNvPr id="5" name="Дата 4"/>
+            <a:endParaRPr lang="x-none"/>
+          </a:p>
+        </p:txBody>
+      </p:sp>
+      <p:sp>
+        <p:nvSpPr>
+          <p:cNvPr id="5" name="Дата 4">
+            <a:extLst>
+              <a:ext uri="{FF2B5EF4-FFF2-40B4-BE49-F238E27FC236}">
+                <a16:creationId xmlns:a16="http://schemas.microsoft.com/office/drawing/2014/main" xmlns="" id="{A5954EDB-8FDA-8FA1-644F-9C776F2582A6}"/>
+              </a:ext>
+            </a:extLst>
+          </p:cNvPr>
           <p:cNvSpPr>
             <a:spLocks noGrp="1"/>
           </p:cNvSpPr>
@@ -1334,7 +1486,7 @@
             <a:fld id="{6B301CB7-287F-4A90-A9CF-E622D56B2206}" type="datetimeFigureOut">
               <a:rPr lang="ru-RU" smtClean="0"/>
               <a:pPr/>
-              <a:t>06.11.2024</a:t>
+              <a:t>07.11.2024</a:t>
             </a:fld>
             <a:endParaRPr lang="ru-RU"/>
           </a:p>
@@ -1342,7 +1494,13 @@
       </p:sp>
       <p:sp>
         <p:nvSpPr>
-          <p:cNvPr id="6" name="Нижний колонтитул 5"/>
+          <p:cNvPr id="6" name="Нижний колонтитул 5">
+            <a:extLst>
+              <a:ext uri="{FF2B5EF4-FFF2-40B4-BE49-F238E27FC236}">
+                <a16:creationId xmlns:a16="http://schemas.microsoft.com/office/drawing/2014/main" xmlns="" id="{588C440E-92CB-8D9A-5E68-6AE32A8B3CD4}"/>
+              </a:ext>
+            </a:extLst>
+          </p:cNvPr>
           <p:cNvSpPr>
             <a:spLocks noGrp="1"/>
           </p:cNvSpPr>
@@ -1361,7 +1519,13 @@
       </p:sp>
       <p:sp>
         <p:nvSpPr>
-          <p:cNvPr id="7" name="Номер слайда 6"/>
+          <p:cNvPr id="7" name="Номер слайда 6">
+            <a:extLst>
+              <a:ext uri="{FF2B5EF4-FFF2-40B4-BE49-F238E27FC236}">
+                <a16:creationId xmlns:a16="http://schemas.microsoft.com/office/drawing/2014/main" xmlns="" id="{8E3D0F29-0B2E-A26D-7E03-44205909644A}"/>
+              </a:ext>
+            </a:extLst>
+          </p:cNvPr>
           <p:cNvSpPr>
             <a:spLocks noGrp="1"/>
           </p:cNvSpPr>
@@ -1384,6 +1548,11 @@
         </p:txBody>
       </p:sp>
     </p:spTree>
+    <p:extLst>
+      <p:ext uri="{BB962C8B-B14F-4D97-AF65-F5344CB8AC3E}">
+        <p14:creationId xmlns:p14="http://schemas.microsoft.com/office/powerpoint/2010/main" xmlns="" val="992300299"/>
+      </p:ext>
+    </p:extLst>
   </p:cSld>
   <p:clrMapOvr>
     <a:masterClrMapping/>
@@ -1410,45 +1579,58 @@
       </p:grpSpPr>
       <p:sp>
         <p:nvSpPr>
-          <p:cNvPr id="2" name="Заголовок 1"/>
+          <p:cNvPr id="2" name="Заголовок 1">
+            <a:extLst>
+              <a:ext uri="{FF2B5EF4-FFF2-40B4-BE49-F238E27FC236}">
+                <a16:creationId xmlns:a16="http://schemas.microsoft.com/office/drawing/2014/main" xmlns="" id="{50196E8C-BE7D-FB68-3D2C-F30E86399C71}"/>
+              </a:ext>
+            </a:extLst>
+          </p:cNvPr>
           <p:cNvSpPr>
             <a:spLocks noGrp="1"/>
           </p:cNvSpPr>
           <p:nvPr>
             <p:ph type="title"/>
-          </p:nvPr>
-        </p:nvSpPr>
-        <p:spPr/>
-        <p:txBody>
-          <a:bodyPr/>
-          <a:lstStyle>
-            <a:lvl1pPr>
-              <a:defRPr/>
-            </a:lvl1pPr>
-          </a:lstStyle>
-          <a:p>
-            <a:r>
-              <a:rPr lang="ru-RU" smtClean="0"/>
-              <a:t>Образец заголовка</a:t>
-            </a:r>
-            <a:endParaRPr lang="ru-RU"/>
-          </a:p>
-        </p:txBody>
-      </p:sp>
-      <p:sp>
-        <p:nvSpPr>
-          <p:cNvPr id="3" name="Текст 2"/>
-          <p:cNvSpPr>
-            <a:spLocks noGrp="1"/>
-          </p:cNvSpPr>
-          <p:nvPr>
-            <p:ph type="body" idx="1"/>
           </p:nvPr>
         </p:nvSpPr>
         <p:spPr>
           <a:xfrm>
-            <a:off x="457200" y="1535113"/>
-            <a:ext cx="4040188" cy="639762"/>
+            <a:off x="629841" y="365126"/>
+            <a:ext cx="7886700" cy="1325563"/>
+          </a:xfrm>
+        </p:spPr>
+        <p:txBody>
+          <a:bodyPr/>
+          <a:lstStyle/>
+          <a:p>
+            <a:r>
+              <a:rPr lang="ru-RU" smtClean="0"/>
+              <a:t>Образец заголовка</a:t>
+            </a:r>
+            <a:endParaRPr lang="x-none"/>
+          </a:p>
+        </p:txBody>
+      </p:sp>
+      <p:sp>
+        <p:nvSpPr>
+          <p:cNvPr id="3" name="Текст 2">
+            <a:extLst>
+              <a:ext uri="{FF2B5EF4-FFF2-40B4-BE49-F238E27FC236}">
+                <a16:creationId xmlns:a16="http://schemas.microsoft.com/office/drawing/2014/main" xmlns="" id="{49CF06CD-7FC8-782A-FCF3-8063790CFACC}"/>
+              </a:ext>
+            </a:extLst>
+          </p:cNvPr>
+          <p:cNvSpPr>
+            <a:spLocks noGrp="1"/>
+          </p:cNvSpPr>
+          <p:nvPr>
+            <p:ph type="body" idx="1"/>
+          </p:nvPr>
+        </p:nvSpPr>
+        <p:spPr>
+          <a:xfrm>
+            <a:off x="629842" y="1681163"/>
+            <a:ext cx="3868340" cy="823912"/>
           </a:xfrm>
         </p:spPr>
         <p:txBody>
@@ -1502,7 +1684,13 @@
       </p:sp>
       <p:sp>
         <p:nvSpPr>
-          <p:cNvPr id="4" name="Содержимое 3"/>
+          <p:cNvPr id="4" name="Объект 3">
+            <a:extLst>
+              <a:ext uri="{FF2B5EF4-FFF2-40B4-BE49-F238E27FC236}">
+                <a16:creationId xmlns:a16="http://schemas.microsoft.com/office/drawing/2014/main" xmlns="" id="{432C394F-9F15-73F3-4074-B44DCC14C0FA}"/>
+              </a:ext>
+            </a:extLst>
+          </p:cNvPr>
           <p:cNvSpPr>
             <a:spLocks noGrp="1"/>
           </p:cNvSpPr>
@@ -1512,41 +1700,13 @@
         </p:nvSpPr>
         <p:spPr>
           <a:xfrm>
-            <a:off x="457200" y="2174875"/>
-            <a:ext cx="4040188" cy="3951288"/>
+            <a:off x="629842" y="2505075"/>
+            <a:ext cx="3868340" cy="3684588"/>
           </a:xfrm>
         </p:spPr>
         <p:txBody>
           <a:bodyPr/>
-          <a:lstStyle>
-            <a:lvl1pPr>
-              <a:defRPr sz="2400"/>
-            </a:lvl1pPr>
-            <a:lvl2pPr>
-              <a:defRPr sz="2000"/>
-            </a:lvl2pPr>
-            <a:lvl3pPr>
-              <a:defRPr sz="1800"/>
-            </a:lvl3pPr>
-            <a:lvl4pPr>
-              <a:defRPr sz="1600"/>
-            </a:lvl4pPr>
-            <a:lvl5pPr>
-              <a:defRPr sz="1600"/>
-            </a:lvl5pPr>
-            <a:lvl6pPr>
-              <a:defRPr sz="1600"/>
-            </a:lvl6pPr>
-            <a:lvl7pPr>
-              <a:defRPr sz="1600"/>
-            </a:lvl7pPr>
-            <a:lvl8pPr>
-              <a:defRPr sz="1600"/>
-            </a:lvl8pPr>
-            <a:lvl9pPr>
-              <a:defRPr sz="1600"/>
-            </a:lvl9pPr>
-          </a:lstStyle>
+          <a:lstStyle/>
           <a:p>
             <a:pPr lvl="0"/>
             <a:r>
@@ -1581,13 +1741,19 @@
               <a:rPr lang="ru-RU" smtClean="0"/>
               <a:t>Пятый уровень</a:t>
             </a:r>
-            <a:endParaRPr lang="ru-RU"/>
-          </a:p>
-        </p:txBody>
-      </p:sp>
-      <p:sp>
-        <p:nvSpPr>
-          <p:cNvPr id="5" name="Текст 4"/>
+            <a:endParaRPr lang="x-none"/>
+          </a:p>
+        </p:txBody>
+      </p:sp>
+      <p:sp>
+        <p:nvSpPr>
+          <p:cNvPr id="5" name="Текст 4">
+            <a:extLst>
+              <a:ext uri="{FF2B5EF4-FFF2-40B4-BE49-F238E27FC236}">
+                <a16:creationId xmlns:a16="http://schemas.microsoft.com/office/drawing/2014/main" xmlns="" id="{A30D0E98-0BE8-2DE0-D55F-F919AC45FEC4}"/>
+              </a:ext>
+            </a:extLst>
+          </p:cNvPr>
           <p:cNvSpPr>
             <a:spLocks noGrp="1"/>
           </p:cNvSpPr>
@@ -1597,8 +1763,8 @@
         </p:nvSpPr>
         <p:spPr>
           <a:xfrm>
-            <a:off x="4645025" y="1535113"/>
-            <a:ext cx="4041775" cy="639762"/>
+            <a:off x="4629150" y="1681163"/>
+            <a:ext cx="3887391" cy="823912"/>
           </a:xfrm>
         </p:spPr>
         <p:txBody>
@@ -1652,7 +1818,13 @@
       </p:sp>
       <p:sp>
         <p:nvSpPr>
-          <p:cNvPr id="6" name="Содержимое 5"/>
+          <p:cNvPr id="6" name="Объект 5">
+            <a:extLst>
+              <a:ext uri="{FF2B5EF4-FFF2-40B4-BE49-F238E27FC236}">
+                <a16:creationId xmlns:a16="http://schemas.microsoft.com/office/drawing/2014/main" xmlns="" id="{35CFA663-D545-9DD7-DEB6-0BB509304999}"/>
+              </a:ext>
+            </a:extLst>
+          </p:cNvPr>
           <p:cNvSpPr>
             <a:spLocks noGrp="1"/>
           </p:cNvSpPr>
@@ -1662,41 +1834,13 @@
         </p:nvSpPr>
         <p:spPr>
           <a:xfrm>
-            <a:off x="4645025" y="2174875"/>
-            <a:ext cx="4041775" cy="3951288"/>
+            <a:off x="4629150" y="2505075"/>
+            <a:ext cx="3887391" cy="3684588"/>
           </a:xfrm>
         </p:spPr>
         <p:txBody>
           <a:bodyPr/>
-          <a:lstStyle>
-            <a:lvl1pPr>
-              <a:defRPr sz="2400"/>
-            </a:lvl1pPr>
-            <a:lvl2pPr>
-              <a:defRPr sz="2000"/>
-            </a:lvl2pPr>
-            <a:lvl3pPr>
-              <a:defRPr sz="1800"/>
-            </a:lvl3pPr>
-            <a:lvl4pPr>
-              <a:defRPr sz="1600"/>
-            </a:lvl4pPr>
-            <a:lvl5pPr>
-              <a:defRPr sz="1600"/>
-            </a:lvl5pPr>
-            <a:lvl6pPr>
-              <a:defRPr sz="1600"/>
-            </a:lvl6pPr>
-            <a:lvl7pPr>
-              <a:defRPr sz="1600"/>
-            </a:lvl7pPr>
-            <a:lvl8pPr>
-              <a:defRPr sz="1600"/>
-            </a:lvl8pPr>
-            <a:lvl9pPr>
-              <a:defRPr sz="1600"/>
-            </a:lvl9pPr>
-          </a:lstStyle>
+          <a:lstStyle/>
           <a:p>
             <a:pPr lvl="0"/>
             <a:r>
@@ -1731,13 +1875,19 @@
               <a:rPr lang="ru-RU" smtClean="0"/>
               <a:t>Пятый уровень</a:t>
             </a:r>
-            <a:endParaRPr lang="ru-RU"/>
-          </a:p>
-        </p:txBody>
-      </p:sp>
-      <p:sp>
-        <p:nvSpPr>
-          <p:cNvPr id="7" name="Дата 6"/>
+            <a:endParaRPr lang="x-none"/>
+          </a:p>
+        </p:txBody>
+      </p:sp>
+      <p:sp>
+        <p:nvSpPr>
+          <p:cNvPr id="7" name="Дата 6">
+            <a:extLst>
+              <a:ext uri="{FF2B5EF4-FFF2-40B4-BE49-F238E27FC236}">
+                <a16:creationId xmlns:a16="http://schemas.microsoft.com/office/drawing/2014/main" xmlns="" id="{78F70AE1-46B4-3BF1-BD07-5C46D8392786}"/>
+              </a:ext>
+            </a:extLst>
+          </p:cNvPr>
           <p:cNvSpPr>
             <a:spLocks noGrp="1"/>
           </p:cNvSpPr>
@@ -1753,7 +1903,7 @@
             <a:fld id="{6B301CB7-287F-4A90-A9CF-E622D56B2206}" type="datetimeFigureOut">
               <a:rPr lang="ru-RU" smtClean="0"/>
               <a:pPr/>
-              <a:t>06.11.2024</a:t>
+              <a:t>07.11.2024</a:t>
             </a:fld>
             <a:endParaRPr lang="ru-RU"/>
           </a:p>
@@ -1761,7 +1911,13 @@
       </p:sp>
       <p:sp>
         <p:nvSpPr>
-          <p:cNvPr id="8" name="Нижний колонтитул 7"/>
+          <p:cNvPr id="8" name="Нижний колонтитул 7">
+            <a:extLst>
+              <a:ext uri="{FF2B5EF4-FFF2-40B4-BE49-F238E27FC236}">
+                <a16:creationId xmlns:a16="http://schemas.microsoft.com/office/drawing/2014/main" xmlns="" id="{45E20318-4402-7C75-8451-C55499E9F29E}"/>
+              </a:ext>
+            </a:extLst>
+          </p:cNvPr>
           <p:cNvSpPr>
             <a:spLocks noGrp="1"/>
           </p:cNvSpPr>
@@ -1780,7 +1936,13 @@
       </p:sp>
       <p:sp>
         <p:nvSpPr>
-          <p:cNvPr id="9" name="Номер слайда 8"/>
+          <p:cNvPr id="9" name="Номер слайда 8">
+            <a:extLst>
+              <a:ext uri="{FF2B5EF4-FFF2-40B4-BE49-F238E27FC236}">
+                <a16:creationId xmlns:a16="http://schemas.microsoft.com/office/drawing/2014/main" xmlns="" id="{FF702753-DD93-B03E-4267-354EE88B64AF}"/>
+              </a:ext>
+            </a:extLst>
+          </p:cNvPr>
           <p:cNvSpPr>
             <a:spLocks noGrp="1"/>
           </p:cNvSpPr>
@@ -1803,6 +1965,11 @@
         </p:txBody>
       </p:sp>
     </p:spTree>
+    <p:extLst>
+      <p:ext uri="{BB962C8B-B14F-4D97-AF65-F5344CB8AC3E}">
+        <p14:creationId xmlns:p14="http://schemas.microsoft.com/office/powerpoint/2010/main" xmlns="" val="43740827"/>
+      </p:ext>
+    </p:extLst>
   </p:cSld>
   <p:clrMapOvr>
     <a:masterClrMapping/>
@@ -1829,7 +1996,13 @@
       </p:grpSpPr>
       <p:sp>
         <p:nvSpPr>
-          <p:cNvPr id="2" name="Заголовок 1"/>
+          <p:cNvPr id="2" name="Заголовок 1">
+            <a:extLst>
+              <a:ext uri="{FF2B5EF4-FFF2-40B4-BE49-F238E27FC236}">
+                <a16:creationId xmlns:a16="http://schemas.microsoft.com/office/drawing/2014/main" xmlns="" id="{F4127453-A9CF-1724-743C-772419C78430}"/>
+              </a:ext>
+            </a:extLst>
+          </p:cNvPr>
           <p:cNvSpPr>
             <a:spLocks noGrp="1"/>
           </p:cNvSpPr>
@@ -1846,13 +2019,19 @@
               <a:rPr lang="ru-RU" smtClean="0"/>
               <a:t>Образец заголовка</a:t>
             </a:r>
-            <a:endParaRPr lang="ru-RU"/>
-          </a:p>
-        </p:txBody>
-      </p:sp>
-      <p:sp>
-        <p:nvSpPr>
-          <p:cNvPr id="3" name="Дата 2"/>
+            <a:endParaRPr lang="x-none"/>
+          </a:p>
+        </p:txBody>
+      </p:sp>
+      <p:sp>
+        <p:nvSpPr>
+          <p:cNvPr id="3" name="Дата 2">
+            <a:extLst>
+              <a:ext uri="{FF2B5EF4-FFF2-40B4-BE49-F238E27FC236}">
+                <a16:creationId xmlns:a16="http://schemas.microsoft.com/office/drawing/2014/main" xmlns="" id="{53E89978-6BE1-6455-7DBB-64E60D8041ED}"/>
+              </a:ext>
+            </a:extLst>
+          </p:cNvPr>
           <p:cNvSpPr>
             <a:spLocks noGrp="1"/>
           </p:cNvSpPr>
@@ -1868,7 +2047,7 @@
             <a:fld id="{6B301CB7-287F-4A90-A9CF-E622D56B2206}" type="datetimeFigureOut">
               <a:rPr lang="ru-RU" smtClean="0"/>
               <a:pPr/>
-              <a:t>06.11.2024</a:t>
+              <a:t>07.11.2024</a:t>
             </a:fld>
             <a:endParaRPr lang="ru-RU"/>
           </a:p>
@@ -1876,7 +2055,13 @@
       </p:sp>
       <p:sp>
         <p:nvSpPr>
-          <p:cNvPr id="4" name="Нижний колонтитул 3"/>
+          <p:cNvPr id="4" name="Нижний колонтитул 3">
+            <a:extLst>
+              <a:ext uri="{FF2B5EF4-FFF2-40B4-BE49-F238E27FC236}">
+                <a16:creationId xmlns:a16="http://schemas.microsoft.com/office/drawing/2014/main" xmlns="" id="{1D18CB5E-0F37-F8DD-DCDD-F4C6B74A4051}"/>
+              </a:ext>
+            </a:extLst>
+          </p:cNvPr>
           <p:cNvSpPr>
             <a:spLocks noGrp="1"/>
           </p:cNvSpPr>
@@ -1895,7 +2080,13 @@
       </p:sp>
       <p:sp>
         <p:nvSpPr>
-          <p:cNvPr id="5" name="Номер слайда 4"/>
+          <p:cNvPr id="5" name="Номер слайда 4">
+            <a:extLst>
+              <a:ext uri="{FF2B5EF4-FFF2-40B4-BE49-F238E27FC236}">
+                <a16:creationId xmlns:a16="http://schemas.microsoft.com/office/drawing/2014/main" xmlns="" id="{B2FA42A8-66F2-A5C5-AB5B-A2F1CB05407B}"/>
+              </a:ext>
+            </a:extLst>
+          </p:cNvPr>
           <p:cNvSpPr>
             <a:spLocks noGrp="1"/>
           </p:cNvSpPr>
@@ -1918,6 +2109,11 @@
         </p:txBody>
       </p:sp>
     </p:spTree>
+    <p:extLst>
+      <p:ext uri="{BB962C8B-B14F-4D97-AF65-F5344CB8AC3E}">
+        <p14:creationId xmlns:p14="http://schemas.microsoft.com/office/powerpoint/2010/main" xmlns="" val="404241968"/>
+      </p:ext>
+    </p:extLst>
   </p:cSld>
   <p:clrMapOvr>
     <a:masterClrMapping/>
@@ -1944,7 +2140,13 @@
       </p:grpSpPr>
       <p:sp>
         <p:nvSpPr>
-          <p:cNvPr id="2" name="Дата 1"/>
+          <p:cNvPr id="2" name="Дата 1">
+            <a:extLst>
+              <a:ext uri="{FF2B5EF4-FFF2-40B4-BE49-F238E27FC236}">
+                <a16:creationId xmlns:a16="http://schemas.microsoft.com/office/drawing/2014/main" xmlns="" id="{B579EDDF-DE4F-E4B0-8CF9-8464AEC2D3F1}"/>
+              </a:ext>
+            </a:extLst>
+          </p:cNvPr>
           <p:cNvSpPr>
             <a:spLocks noGrp="1"/>
           </p:cNvSpPr>
@@ -1960,7 +2162,7 @@
             <a:fld id="{6B301CB7-287F-4A90-A9CF-E622D56B2206}" type="datetimeFigureOut">
               <a:rPr lang="ru-RU" smtClean="0"/>
               <a:pPr/>
-              <a:t>06.11.2024</a:t>
+              <a:t>07.11.2024</a:t>
             </a:fld>
             <a:endParaRPr lang="ru-RU"/>
           </a:p>
@@ -1968,7 +2170,13 @@
       </p:sp>
       <p:sp>
         <p:nvSpPr>
-          <p:cNvPr id="3" name="Нижний колонтитул 2"/>
+          <p:cNvPr id="3" name="Нижний колонтитул 2">
+            <a:extLst>
+              <a:ext uri="{FF2B5EF4-FFF2-40B4-BE49-F238E27FC236}">
+                <a16:creationId xmlns:a16="http://schemas.microsoft.com/office/drawing/2014/main" xmlns="" id="{A16A559C-16D2-7F9C-61EA-87056232324E}"/>
+              </a:ext>
+            </a:extLst>
+          </p:cNvPr>
           <p:cNvSpPr>
             <a:spLocks noGrp="1"/>
           </p:cNvSpPr>
@@ -1987,7 +2195,13 @@
       </p:sp>
       <p:sp>
         <p:nvSpPr>
-          <p:cNvPr id="4" name="Номер слайда 3"/>
+          <p:cNvPr id="4" name="Номер слайда 3">
+            <a:extLst>
+              <a:ext uri="{FF2B5EF4-FFF2-40B4-BE49-F238E27FC236}">
+                <a16:creationId xmlns:a16="http://schemas.microsoft.com/office/drawing/2014/main" xmlns="" id="{AFD6FC73-EDAF-A7E5-9C20-C534C97B3584}"/>
+              </a:ext>
+            </a:extLst>
+          </p:cNvPr>
           <p:cNvSpPr>
             <a:spLocks noGrp="1"/>
           </p:cNvSpPr>
@@ -2010,6 +2224,11 @@
         </p:txBody>
       </p:sp>
     </p:spTree>
+    <p:extLst>
+      <p:ext uri="{BB962C8B-B14F-4D97-AF65-F5344CB8AC3E}">
+        <p14:creationId xmlns:p14="http://schemas.microsoft.com/office/powerpoint/2010/main" xmlns="" val="2500577040"/>
+      </p:ext>
+    </p:extLst>
   </p:cSld>
   <p:clrMapOvr>
     <a:masterClrMapping/>
@@ -2036,7 +2255,13 @@
       </p:grpSpPr>
       <p:sp>
         <p:nvSpPr>
-          <p:cNvPr id="2" name="Заголовок 1"/>
+          <p:cNvPr id="2" name="Заголовок 1">
+            <a:extLst>
+              <a:ext uri="{FF2B5EF4-FFF2-40B4-BE49-F238E27FC236}">
+                <a16:creationId xmlns:a16="http://schemas.microsoft.com/office/drawing/2014/main" xmlns="" id="{1F74D067-05E0-2A57-6883-913777957057}"/>
+              </a:ext>
+            </a:extLst>
+          </p:cNvPr>
           <p:cNvSpPr>
             <a:spLocks noGrp="1"/>
           </p:cNvSpPr>
@@ -2046,15 +2271,15 @@
         </p:nvSpPr>
         <p:spPr>
           <a:xfrm>
-            <a:off x="457200" y="273050"/>
-            <a:ext cx="3008313" cy="1162050"/>
+            <a:off x="629841" y="457200"/>
+            <a:ext cx="2949178" cy="1600200"/>
           </a:xfrm>
         </p:spPr>
         <p:txBody>
           <a:bodyPr anchor="b"/>
           <a:lstStyle>
-            <a:lvl1pPr algn="l">
-              <a:defRPr sz="2000" b="1"/>
+            <a:lvl1pPr>
+              <a:defRPr sz="3200"/>
             </a:lvl1pPr>
           </a:lstStyle>
           <a:p>
@@ -2062,13 +2287,19 @@
               <a:rPr lang="ru-RU" smtClean="0"/>
               <a:t>Образец заголовка</a:t>
             </a:r>
-            <a:endParaRPr lang="ru-RU"/>
-          </a:p>
-        </p:txBody>
-      </p:sp>
-      <p:sp>
-        <p:nvSpPr>
-          <p:cNvPr id="3" name="Содержимое 2"/>
+            <a:endParaRPr lang="x-none"/>
+          </a:p>
+        </p:txBody>
+      </p:sp>
+      <p:sp>
+        <p:nvSpPr>
+          <p:cNvPr id="3" name="Объект 2">
+            <a:extLst>
+              <a:ext uri="{FF2B5EF4-FFF2-40B4-BE49-F238E27FC236}">
+                <a16:creationId xmlns:a16="http://schemas.microsoft.com/office/drawing/2014/main" xmlns="" id="{E34D3657-110E-CC4B-71B6-4241C0E67C97}"/>
+              </a:ext>
+            </a:extLst>
+          </p:cNvPr>
           <p:cNvSpPr>
             <a:spLocks noGrp="1"/>
           </p:cNvSpPr>
@@ -2078,8 +2309,8 @@
         </p:nvSpPr>
         <p:spPr>
           <a:xfrm>
-            <a:off x="3575050" y="273050"/>
-            <a:ext cx="5111750" cy="5853113"/>
+            <a:off x="3887391" y="987426"/>
+            <a:ext cx="4629150" cy="4873625"/>
           </a:xfrm>
         </p:spPr>
         <p:txBody>
@@ -2147,13 +2378,19 @@
               <a:rPr lang="ru-RU" smtClean="0"/>
               <a:t>Пятый уровень</a:t>
             </a:r>
-            <a:endParaRPr lang="ru-RU"/>
-          </a:p>
-        </p:txBody>
-      </p:sp>
-      <p:sp>
-        <p:nvSpPr>
-          <p:cNvPr id="4" name="Текст 3"/>
+            <a:endParaRPr lang="x-none"/>
+          </a:p>
+        </p:txBody>
+      </p:sp>
+      <p:sp>
+        <p:nvSpPr>
+          <p:cNvPr id="4" name="Текст 3">
+            <a:extLst>
+              <a:ext uri="{FF2B5EF4-FFF2-40B4-BE49-F238E27FC236}">
+                <a16:creationId xmlns:a16="http://schemas.microsoft.com/office/drawing/2014/main" xmlns="" id="{0B1F733E-F996-E352-99FB-CA9E6BD070F2}"/>
+              </a:ext>
+            </a:extLst>
+          </p:cNvPr>
           <p:cNvSpPr>
             <a:spLocks noGrp="1"/>
           </p:cNvSpPr>
@@ -2163,8 +2400,8 @@
         </p:nvSpPr>
         <p:spPr>
           <a:xfrm>
-            <a:off x="457200" y="1435100"/>
-            <a:ext cx="3008313" cy="4691063"/>
+            <a:off x="629841" y="2057400"/>
+            <a:ext cx="2949178" cy="3811588"/>
           </a:xfrm>
         </p:spPr>
         <p:txBody>
@@ -2172,39 +2409,39 @@
           <a:lstStyle>
             <a:lvl1pPr marL="0" indent="0">
               <a:buNone/>
-              <a:defRPr sz="1400"/>
+              <a:defRPr sz="1600"/>
             </a:lvl1pPr>
             <a:lvl2pPr marL="457200" indent="0">
               <a:buNone/>
-              <a:defRPr sz="1200"/>
+              <a:defRPr sz="1400"/>
             </a:lvl2pPr>
             <a:lvl3pPr marL="914400" indent="0">
               <a:buNone/>
-              <a:defRPr sz="1000"/>
+              <a:defRPr sz="1200"/>
             </a:lvl3pPr>
             <a:lvl4pPr marL="1371600" indent="0">
               <a:buNone/>
-              <a:defRPr sz="900"/>
+              <a:defRPr sz="1000"/>
             </a:lvl4pPr>
             <a:lvl5pPr marL="1828800" indent="0">
               <a:buNone/>
-              <a:defRPr sz="900"/>
+              <a:defRPr sz="1000"/>
             </a:lvl5pPr>
             <a:lvl6pPr marL="2286000" indent="0">
               <a:buNone/>
-              <a:defRPr sz="900"/>
+              <a:defRPr sz="1000"/>
             </a:lvl6pPr>
             <a:lvl7pPr marL="2743200" indent="0">
               <a:buNone/>
-              <a:defRPr sz="900"/>
+              <a:defRPr sz="1000"/>
             </a:lvl7pPr>
             <a:lvl8pPr marL="3200400" indent="0">
               <a:buNone/>
-              <a:defRPr sz="900"/>
+              <a:defRPr sz="1000"/>
             </a:lvl8pPr>
             <a:lvl9pPr marL="3657600" indent="0">
               <a:buNone/>
-              <a:defRPr sz="900"/>
+              <a:defRPr sz="1000"/>
             </a:lvl9pPr>
           </a:lstStyle>
           <a:p>
@@ -2218,7 +2455,13 @@
       </p:sp>
       <p:sp>
         <p:nvSpPr>
-          <p:cNvPr id="5" name="Дата 4"/>
+          <p:cNvPr id="5" name="Дата 4">
+            <a:extLst>
+              <a:ext uri="{FF2B5EF4-FFF2-40B4-BE49-F238E27FC236}">
+                <a16:creationId xmlns:a16="http://schemas.microsoft.com/office/drawing/2014/main" xmlns="" id="{B1E8D342-0176-AD24-2B32-FFC2E755D943}"/>
+              </a:ext>
+            </a:extLst>
+          </p:cNvPr>
           <p:cNvSpPr>
             <a:spLocks noGrp="1"/>
           </p:cNvSpPr>
@@ -2234,7 +2477,7 @@
             <a:fld id="{6B301CB7-287F-4A90-A9CF-E622D56B2206}" type="datetimeFigureOut">
               <a:rPr lang="ru-RU" smtClean="0"/>
               <a:pPr/>
-              <a:t>06.11.2024</a:t>
+              <a:t>07.11.2024</a:t>
             </a:fld>
             <a:endParaRPr lang="ru-RU"/>
           </a:p>
@@ -2242,7 +2485,13 @@
       </p:sp>
       <p:sp>
         <p:nvSpPr>
-          <p:cNvPr id="6" name="Нижний колонтитул 5"/>
+          <p:cNvPr id="6" name="Нижний колонтитул 5">
+            <a:extLst>
+              <a:ext uri="{FF2B5EF4-FFF2-40B4-BE49-F238E27FC236}">
+                <a16:creationId xmlns:a16="http://schemas.microsoft.com/office/drawing/2014/main" xmlns="" id="{C2AB43D6-7A95-A70A-D653-E6F51798DFD5}"/>
+              </a:ext>
+            </a:extLst>
+          </p:cNvPr>
           <p:cNvSpPr>
             <a:spLocks noGrp="1"/>
           </p:cNvSpPr>
@@ -2261,7 +2510,13 @@
       </p:sp>
       <p:sp>
         <p:nvSpPr>
-          <p:cNvPr id="7" name="Номер слайда 6"/>
+          <p:cNvPr id="7" name="Номер слайда 6">
+            <a:extLst>
+              <a:ext uri="{FF2B5EF4-FFF2-40B4-BE49-F238E27FC236}">
+                <a16:creationId xmlns:a16="http://schemas.microsoft.com/office/drawing/2014/main" xmlns="" id="{D13BACCF-7FAA-AD35-BD1F-CED1F61659F7}"/>
+              </a:ext>
+            </a:extLst>
+          </p:cNvPr>
           <p:cNvSpPr>
             <a:spLocks noGrp="1"/>
           </p:cNvSpPr>
@@ -2284,6 +2539,11 @@
         </p:txBody>
       </p:sp>
     </p:spTree>
+    <p:extLst>
+      <p:ext uri="{BB962C8B-B14F-4D97-AF65-F5344CB8AC3E}">
+        <p14:creationId xmlns:p14="http://schemas.microsoft.com/office/powerpoint/2010/main" xmlns="" val="3542474106"/>
+      </p:ext>
+    </p:extLst>
   </p:cSld>
   <p:clrMapOvr>
     <a:masterClrMapping/>
@@ -2310,7 +2570,13 @@
       </p:grpSpPr>
       <p:sp>
         <p:nvSpPr>
-          <p:cNvPr id="2" name="Заголовок 1"/>
+          <p:cNvPr id="2" name="Заголовок 1">
+            <a:extLst>
+              <a:ext uri="{FF2B5EF4-FFF2-40B4-BE49-F238E27FC236}">
+                <a16:creationId xmlns:a16="http://schemas.microsoft.com/office/drawing/2014/main" xmlns="" id="{E5D31260-AE7C-DB54-03F1-18CA9DCDF2A6}"/>
+              </a:ext>
+            </a:extLst>
+          </p:cNvPr>
           <p:cNvSpPr>
             <a:spLocks noGrp="1"/>
           </p:cNvSpPr>
@@ -2320,15 +2586,15 @@
         </p:nvSpPr>
         <p:spPr>
           <a:xfrm>
-            <a:off x="1792288" y="4800600"/>
-            <a:ext cx="5486400" cy="566738"/>
+            <a:off x="629841" y="457200"/>
+            <a:ext cx="2949178" cy="1600200"/>
           </a:xfrm>
         </p:spPr>
         <p:txBody>
           <a:bodyPr anchor="b"/>
           <a:lstStyle>
-            <a:lvl1pPr algn="l">
-              <a:defRPr sz="2000" b="1"/>
+            <a:lvl1pPr>
+              <a:defRPr sz="3200"/>
             </a:lvl1pPr>
           </a:lstStyle>
           <a:p>
@@ -2336,13 +2602,19 @@
               <a:rPr lang="ru-RU" smtClean="0"/>
               <a:t>Образец заголовка</a:t>
             </a:r>
-            <a:endParaRPr lang="ru-RU"/>
-          </a:p>
-        </p:txBody>
-      </p:sp>
-      <p:sp>
-        <p:nvSpPr>
-          <p:cNvPr id="3" name="Рисунок 2"/>
+            <a:endParaRPr lang="x-none"/>
+          </a:p>
+        </p:txBody>
+      </p:sp>
+      <p:sp>
+        <p:nvSpPr>
+          <p:cNvPr id="3" name="Рисунок 2">
+            <a:extLst>
+              <a:ext uri="{FF2B5EF4-FFF2-40B4-BE49-F238E27FC236}">
+                <a16:creationId xmlns:a16="http://schemas.microsoft.com/office/drawing/2014/main" xmlns="" id="{FD1E67A8-3C64-2D8B-99BE-0867A1C41DDD}"/>
+              </a:ext>
+            </a:extLst>
+          </p:cNvPr>
           <p:cNvSpPr>
             <a:spLocks noGrp="1"/>
           </p:cNvSpPr>
@@ -2352,8 +2624,8 @@
         </p:nvSpPr>
         <p:spPr>
           <a:xfrm>
-            <a:off x="1792288" y="612775"/>
-            <a:ext cx="5486400" cy="4114800"/>
+            <a:off x="3887391" y="987426"/>
+            <a:ext cx="4629150" cy="4873625"/>
           </a:xfrm>
         </p:spPr>
         <p:txBody>
@@ -2397,13 +2669,23 @@
             </a:lvl9pPr>
           </a:lstStyle>
           <a:p>
-            <a:endParaRPr lang="ru-RU"/>
-          </a:p>
-        </p:txBody>
-      </p:sp>
-      <p:sp>
-        <p:nvSpPr>
-          <p:cNvPr id="4" name="Текст 3"/>
+            <a:r>
+              <a:rPr lang="ru-RU" smtClean="0"/>
+              <a:t>Вставка рисунка</a:t>
+            </a:r>
+            <a:endParaRPr lang="x-none"/>
+          </a:p>
+        </p:txBody>
+      </p:sp>
+      <p:sp>
+        <p:nvSpPr>
+          <p:cNvPr id="4" name="Текст 3">
+            <a:extLst>
+              <a:ext uri="{FF2B5EF4-FFF2-40B4-BE49-F238E27FC236}">
+                <a16:creationId xmlns:a16="http://schemas.microsoft.com/office/drawing/2014/main" xmlns="" id="{3B337F60-DF22-6845-AB6E-E8C0313B4297}"/>
+              </a:ext>
+            </a:extLst>
+          </p:cNvPr>
           <p:cNvSpPr>
             <a:spLocks noGrp="1"/>
           </p:cNvSpPr>
@@ -2413,8 +2695,8 @@
         </p:nvSpPr>
         <p:spPr>
           <a:xfrm>
-            <a:off x="1792288" y="5367338"/>
-            <a:ext cx="5486400" cy="804862"/>
+            <a:off x="629841" y="2057400"/>
+            <a:ext cx="2949178" cy="3811588"/>
           </a:xfrm>
         </p:spPr>
         <p:txBody>
@@ -2422,39 +2704,39 @@
           <a:lstStyle>
             <a:lvl1pPr marL="0" indent="0">
               <a:buNone/>
-              <a:defRPr sz="1400"/>
+              <a:defRPr sz="1600"/>
             </a:lvl1pPr>
             <a:lvl2pPr marL="457200" indent="0">
               <a:buNone/>
-              <a:defRPr sz="1200"/>
+              <a:defRPr sz="1400"/>
             </a:lvl2pPr>
             <a:lvl3pPr marL="914400" indent="0">
               <a:buNone/>
-              <a:defRPr sz="1000"/>
+              <a:defRPr sz="1200"/>
             </a:lvl3pPr>
             <a:lvl4pPr marL="1371600" indent="0">
               <a:buNone/>
-              <a:defRPr sz="900"/>
+              <a:defRPr sz="1000"/>
             </a:lvl4pPr>
             <a:lvl5pPr marL="1828800" indent="0">
               <a:buNone/>
-              <a:defRPr sz="900"/>
+              <a:defRPr sz="1000"/>
             </a:lvl5pPr>
             <a:lvl6pPr marL="2286000" indent="0">
               <a:buNone/>
-              <a:defRPr sz="900"/>
+              <a:defRPr sz="1000"/>
             </a:lvl6pPr>
             <a:lvl7pPr marL="2743200" indent="0">
               <a:buNone/>
-              <a:defRPr sz="900"/>
+              <a:defRPr sz="1000"/>
             </a:lvl7pPr>
             <a:lvl8pPr marL="3200400" indent="0">
               <a:buNone/>
-              <a:defRPr sz="900"/>
+              <a:defRPr sz="1000"/>
             </a:lvl8pPr>
             <a:lvl9pPr marL="3657600" indent="0">
               <a:buNone/>
-              <a:defRPr sz="900"/>
+              <a:defRPr sz="1000"/>
             </a:lvl9pPr>
           </a:lstStyle>
           <a:p>
@@ -2468,7 +2750,13 @@
       </p:sp>
       <p:sp>
         <p:nvSpPr>
-          <p:cNvPr id="5" name="Дата 4"/>
+          <p:cNvPr id="5" name="Дата 4">
+            <a:extLst>
+              <a:ext uri="{FF2B5EF4-FFF2-40B4-BE49-F238E27FC236}">
+                <a16:creationId xmlns:a16="http://schemas.microsoft.com/office/drawing/2014/main" xmlns="" id="{A8FA907B-69D0-61A8-C668-A41571A579DC}"/>
+              </a:ext>
+            </a:extLst>
+          </p:cNvPr>
           <p:cNvSpPr>
             <a:spLocks noGrp="1"/>
           </p:cNvSpPr>
@@ -2484,7 +2772,7 @@
             <a:fld id="{6B301CB7-287F-4A90-A9CF-E622D56B2206}" type="datetimeFigureOut">
               <a:rPr lang="ru-RU" smtClean="0"/>
               <a:pPr/>
-              <a:t>06.11.2024</a:t>
+              <a:t>07.11.2024</a:t>
             </a:fld>
             <a:endParaRPr lang="ru-RU"/>
           </a:p>
@@ -2492,7 +2780,13 @@
       </p:sp>
       <p:sp>
         <p:nvSpPr>
-          <p:cNvPr id="6" name="Нижний колонтитул 5"/>
+          <p:cNvPr id="6" name="Нижний колонтитул 5">
+            <a:extLst>
+              <a:ext uri="{FF2B5EF4-FFF2-40B4-BE49-F238E27FC236}">
+                <a16:creationId xmlns:a16="http://schemas.microsoft.com/office/drawing/2014/main" xmlns="" id="{3D3C1BD0-F143-F3CF-AB65-DB07AA1850D1}"/>
+              </a:ext>
+            </a:extLst>
+          </p:cNvPr>
           <p:cNvSpPr>
             <a:spLocks noGrp="1"/>
           </p:cNvSpPr>
@@ -2511,7 +2805,13 @@
       </p:sp>
       <p:sp>
         <p:nvSpPr>
-          <p:cNvPr id="7" name="Номер слайда 6"/>
+          <p:cNvPr id="7" name="Номер слайда 6">
+            <a:extLst>
+              <a:ext uri="{FF2B5EF4-FFF2-40B4-BE49-F238E27FC236}">
+                <a16:creationId xmlns:a16="http://schemas.microsoft.com/office/drawing/2014/main" xmlns="" id="{2ECCDC6C-D252-9027-7750-37C916CBD648}"/>
+              </a:ext>
+            </a:extLst>
+          </p:cNvPr>
           <p:cNvSpPr>
             <a:spLocks noGrp="1"/>
           </p:cNvSpPr>
@@ -2534,6 +2834,11 @@
         </p:txBody>
       </p:sp>
     </p:spTree>
+    <p:extLst>
+      <p:ext uri="{BB962C8B-B14F-4D97-AF65-F5344CB8AC3E}">
+        <p14:creationId xmlns:p14="http://schemas.microsoft.com/office/powerpoint/2010/main" xmlns="" val="1282539595"/>
+      </p:ext>
+    </p:extLst>
   </p:cSld>
   <p:clrMapOvr>
     <a:masterClrMapping/>
@@ -2563,157 +2868,169 @@
           <a:chExt cx="0" cy="0"/>
         </a:xfrm>
       </p:grpSpPr>
-      <p:sp>
-        <p:nvSpPr>
-          <p:cNvPr id="2" name="Заголовок 1"/>
-          <p:cNvSpPr>
-            <a:spLocks noGrp="1"/>
-          </p:cNvSpPr>
-          <p:nvPr>
-            <p:ph type="title"/>
-          </p:nvPr>
-        </p:nvSpPr>
+      <p:pic>
+        <p:nvPicPr>
+          <p:cNvPr id="8" name="Рисунок 7">
+            <a:extLst>
+              <a:ext uri="{FF2B5EF4-FFF2-40B4-BE49-F238E27FC236}">
+                <a16:creationId xmlns:a16="http://schemas.microsoft.com/office/drawing/2014/main" xmlns="" id="{A7FD840C-2998-AF37-B0E9-21711EE717E6}"/>
+              </a:ext>
+            </a:extLst>
+          </p:cNvPr>
+          <p:cNvPicPr>
+            <a:picLocks noChangeAspect="1"/>
+          </p:cNvPicPr>
+          <p:nvPr/>
+        </p:nvPicPr>
+        <p:blipFill>
+          <a:blip r:embed="rId13">
+            <a:extLst>
+              <a:ext uri="{28A0092B-C50C-407E-A947-70E740481C1C}">
+                <a14:useLocalDpi xmlns:a14="http://schemas.microsoft.com/office/drawing/2010/main" xmlns="" val="0"/>
+              </a:ext>
+            </a:extLst>
+          </a:blip>
+          <a:stretch>
+            <a:fillRect/>
+          </a:stretch>
+        </p:blipFill>
         <p:spPr>
           <a:xfrm>
-            <a:off x="457200" y="274638"/>
-            <a:ext cx="8229600" cy="1143000"/>
+            <a:off x="0" y="0"/>
+            <a:ext cx="9144000" cy="6858000"/>
           </a:xfrm>
           <a:prstGeom prst="rect">
             <a:avLst/>
           </a:prstGeom>
         </p:spPr>
-        <p:txBody>
-          <a:bodyPr vert="horz" lIns="91440" tIns="45720" rIns="91440" bIns="45720" rtlCol="0" anchor="ctr">
-            <a:normAutofit/>
-          </a:bodyPr>
-          <a:lstStyle/>
-          <a:p>
-            <a:r>
-              <a:rPr lang="ru-RU" smtClean="0"/>
-              <a:t>Образец заголовка</a:t>
-            </a:r>
-            <a:endParaRPr lang="ru-RU"/>
-          </a:p>
-        </p:txBody>
-      </p:sp>
-      <p:sp>
-        <p:nvSpPr>
-          <p:cNvPr id="3" name="Текст 2"/>
-          <p:cNvSpPr>
-            <a:spLocks noGrp="1"/>
-          </p:cNvSpPr>
-          <p:nvPr>
-            <p:ph type="body" idx="1"/>
+      </p:pic>
+      <p:sp>
+        <p:nvSpPr>
+          <p:cNvPr id="2" name="Заголовок 1">
+            <a:extLst>
+              <a:ext uri="{FF2B5EF4-FFF2-40B4-BE49-F238E27FC236}">
+                <a16:creationId xmlns:a16="http://schemas.microsoft.com/office/drawing/2014/main" xmlns="" id="{CCD86CD3-0A77-FF9C-95E1-4987BC3CE6A2}"/>
+              </a:ext>
+            </a:extLst>
+          </p:cNvPr>
+          <p:cNvSpPr>
+            <a:spLocks noGrp="1"/>
+          </p:cNvSpPr>
+          <p:nvPr>
+            <p:ph type="title"/>
           </p:nvPr>
         </p:nvSpPr>
         <p:spPr>
           <a:xfrm>
-            <a:off x="457200" y="1600200"/>
-            <a:ext cx="8229600" cy="4525963"/>
+            <a:off x="628650" y="365126"/>
+            <a:ext cx="7886700" cy="1325563"/>
           </a:xfrm>
           <a:prstGeom prst="rect">
             <a:avLst/>
           </a:prstGeom>
         </p:spPr>
         <p:txBody>
-          <a:bodyPr vert="horz" lIns="91440" tIns="45720" rIns="91440" bIns="45720" rtlCol="0">
+          <a:bodyPr vert="horz" lIns="91440" tIns="45720" rIns="91440" bIns="45720" rtlCol="0" anchor="ctr">
             <a:normAutofit/>
           </a:bodyPr>
           <a:lstStyle/>
           <a:p>
-            <a:pPr lvl="0"/>
-            <a:r>
-              <a:rPr lang="ru-RU" smtClean="0"/>
-              <a:t>Образец текста</a:t>
-            </a:r>
-          </a:p>
-          <a:p>
-            <a:pPr lvl="1"/>
-            <a:r>
-              <a:rPr lang="ru-RU" smtClean="0"/>
-              <a:t>Второй уровень</a:t>
-            </a:r>
-          </a:p>
-          <a:p>
-            <a:pPr lvl="2"/>
-            <a:r>
-              <a:rPr lang="ru-RU" smtClean="0"/>
-              <a:t>Третий уровень</a:t>
-            </a:r>
-          </a:p>
-          <a:p>
-            <a:pPr lvl="3"/>
-            <a:r>
-              <a:rPr lang="ru-RU" smtClean="0"/>
-              <a:t>Четвертый уровень</a:t>
-            </a:r>
-          </a:p>
-          <a:p>
-            <a:pPr lvl="4"/>
-            <a:r>
-              <a:rPr lang="ru-RU" smtClean="0"/>
-              <a:t>Пятый уровень</a:t>
-            </a:r>
-            <a:endParaRPr lang="ru-RU"/>
-          </a:p>
-        </p:txBody>
-      </p:sp>
-      <p:sp>
-        <p:nvSpPr>
-          <p:cNvPr id="4" name="Дата 3"/>
-          <p:cNvSpPr>
-            <a:spLocks noGrp="1"/>
-          </p:cNvSpPr>
-          <p:nvPr>
-            <p:ph type="dt" sz="half" idx="2"/>
+            <a:r>
+              <a:rPr lang="ru-RU"/>
+              <a:t>Образец заголовка</a:t>
+            </a:r>
+            <a:endParaRPr lang="x-none"/>
+          </a:p>
+        </p:txBody>
+      </p:sp>
+      <p:sp>
+        <p:nvSpPr>
+          <p:cNvPr id="3" name="Текст 2">
+            <a:extLst>
+              <a:ext uri="{FF2B5EF4-FFF2-40B4-BE49-F238E27FC236}">
+                <a16:creationId xmlns:a16="http://schemas.microsoft.com/office/drawing/2014/main" xmlns="" id="{21A423FF-986C-08F0-D8E3-CF6D0439176B}"/>
+              </a:ext>
+            </a:extLst>
+          </p:cNvPr>
+          <p:cNvSpPr>
+            <a:spLocks noGrp="1"/>
+          </p:cNvSpPr>
+          <p:nvPr>
+            <p:ph type="body" idx="1"/>
           </p:nvPr>
         </p:nvSpPr>
         <p:spPr>
           <a:xfrm>
-            <a:off x="457200" y="6356350"/>
-            <a:ext cx="2133600" cy="365125"/>
+            <a:off x="628650" y="1825625"/>
+            <a:ext cx="7886700" cy="4351338"/>
           </a:xfrm>
           <a:prstGeom prst="rect">
             <a:avLst/>
           </a:prstGeom>
         </p:spPr>
         <p:txBody>
-          <a:bodyPr vert="horz" lIns="91440" tIns="45720" rIns="91440" bIns="45720" rtlCol="0" anchor="ctr"/>
-          <a:lstStyle>
-            <a:lvl1pPr algn="l">
-              <a:defRPr sz="1200">
-                <a:solidFill>
-                  <a:schemeClr val="tx1">
-                    <a:tint val="75000"/>
-                  </a:schemeClr>
-                </a:solidFill>
-              </a:defRPr>
-            </a:lvl1pPr>
-          </a:lstStyle>
-          <a:p>
-            <a:fld id="{6B301CB7-287F-4A90-A9CF-E622D56B2206}" type="datetimeFigureOut">
-              <a:rPr lang="ru-RU" smtClean="0"/>
-              <a:pPr/>
-              <a:t>06.11.2024</a:t>
-            </a:fld>
-            <a:endParaRPr lang="ru-RU"/>
-          </a:p>
-        </p:txBody>
-      </p:sp>
-      <p:sp>
-        <p:nvSpPr>
-          <p:cNvPr id="5" name="Нижний колонтитул 4"/>
-          <p:cNvSpPr>
-            <a:spLocks noGrp="1"/>
-          </p:cNvSpPr>
-          <p:nvPr>
-            <p:ph type="ftr" sz="quarter" idx="3"/>
+          <a:bodyPr vert="horz" lIns="91440" tIns="45720" rIns="91440" bIns="45720" rtlCol="0">
+            <a:normAutofit/>
+          </a:bodyPr>
+          <a:lstStyle/>
+          <a:p>
+            <a:pPr lvl="0"/>
+            <a:r>
+              <a:rPr lang="ru-RU"/>
+              <a:t>Образец текста</a:t>
+            </a:r>
+          </a:p>
+          <a:p>
+            <a:pPr lvl="1"/>
+            <a:r>
+              <a:rPr lang="ru-RU"/>
+              <a:t>Второй уровень</a:t>
+            </a:r>
+          </a:p>
+          <a:p>
+            <a:pPr lvl="2"/>
+            <a:r>
+              <a:rPr lang="ru-RU"/>
+              <a:t>Третий уровень</a:t>
+            </a:r>
+          </a:p>
+          <a:p>
+            <a:pPr lvl="3"/>
+            <a:r>
+              <a:rPr lang="ru-RU"/>
+              <a:t>Четвертый уровень</a:t>
+            </a:r>
+          </a:p>
+          <a:p>
+            <a:pPr lvl="4"/>
+            <a:r>
+              <a:rPr lang="ru-RU"/>
+              <a:t>Пятый уровень</a:t>
+            </a:r>
+            <a:endParaRPr lang="x-none"/>
+          </a:p>
+        </p:txBody>
+      </p:sp>
+      <p:sp>
+        <p:nvSpPr>
+          <p:cNvPr id="4" name="Дата 3">
+            <a:extLst>
+              <a:ext uri="{FF2B5EF4-FFF2-40B4-BE49-F238E27FC236}">
+                <a16:creationId xmlns:a16="http://schemas.microsoft.com/office/drawing/2014/main" xmlns="" id="{2B76A666-E80F-63F4-07BA-F7C87F4CA253}"/>
+              </a:ext>
+            </a:extLst>
+          </p:cNvPr>
+          <p:cNvSpPr>
+            <a:spLocks noGrp="1"/>
+          </p:cNvSpPr>
+          <p:nvPr>
+            <p:ph type="dt" sz="half" idx="2"/>
           </p:nvPr>
         </p:nvSpPr>
         <p:spPr>
           <a:xfrm>
-            <a:off x="3124200" y="6356350"/>
-            <a:ext cx="2895600" cy="365125"/>
+            <a:off x="628650" y="6356351"/>
+            <a:ext cx="2057400" cy="365125"/>
           </a:xfrm>
           <a:prstGeom prst="rect">
             <a:avLst/>
@@ -2722,7 +3039,7 @@
         <p:txBody>
           <a:bodyPr vert="horz" lIns="91440" tIns="45720" rIns="91440" bIns="45720" rtlCol="0" anchor="ctr"/>
           <a:lstStyle>
-            <a:lvl1pPr algn="ctr">
+            <a:lvl1pPr algn="l">
               <a:defRPr sz="1200">
                 <a:solidFill>
                   <a:schemeClr val="tx1">
@@ -2733,24 +3050,35 @@
             </a:lvl1pPr>
           </a:lstStyle>
           <a:p>
+            <a:fld id="{6B301CB7-287F-4A90-A9CF-E622D56B2206}" type="datetimeFigureOut">
+              <a:rPr lang="ru-RU" smtClean="0"/>
+              <a:pPr/>
+              <a:t>07.11.2024</a:t>
+            </a:fld>
             <a:endParaRPr lang="ru-RU"/>
           </a:p>
         </p:txBody>
       </p:sp>
       <p:sp>
         <p:nvSpPr>
-          <p:cNvPr id="6" name="Номер слайда 5"/>
-          <p:cNvSpPr>
-            <a:spLocks noGrp="1"/>
-          </p:cNvSpPr>
-          <p:nvPr>
-            <p:ph type="sldNum" sz="quarter" idx="4"/>
+          <p:cNvPr id="5" name="Нижний колонтитул 4">
+            <a:extLst>
+              <a:ext uri="{FF2B5EF4-FFF2-40B4-BE49-F238E27FC236}">
+                <a16:creationId xmlns:a16="http://schemas.microsoft.com/office/drawing/2014/main" xmlns="" id="{549E7FCD-091E-8EF6-076C-828E704C18D8}"/>
+              </a:ext>
+            </a:extLst>
+          </p:cNvPr>
+          <p:cNvSpPr>
+            <a:spLocks noGrp="1"/>
+          </p:cNvSpPr>
+          <p:nvPr>
+            <p:ph type="ftr" sz="quarter" idx="3"/>
           </p:nvPr>
         </p:nvSpPr>
         <p:spPr>
           <a:xfrm>
-            <a:off x="6553200" y="6356350"/>
-            <a:ext cx="2133600" cy="365125"/>
+            <a:off x="3028950" y="6356351"/>
+            <a:ext cx="3086100" cy="365125"/>
           </a:xfrm>
           <a:prstGeom prst="rect">
             <a:avLst/>
@@ -2759,6 +3087,49 @@
         <p:txBody>
           <a:bodyPr vert="horz" lIns="91440" tIns="45720" rIns="91440" bIns="45720" rtlCol="0" anchor="ctr"/>
           <a:lstStyle>
+            <a:lvl1pPr algn="ctr">
+              <a:defRPr sz="1200">
+                <a:solidFill>
+                  <a:schemeClr val="tx1">
+                    <a:tint val="75000"/>
+                  </a:schemeClr>
+                </a:solidFill>
+              </a:defRPr>
+            </a:lvl1pPr>
+          </a:lstStyle>
+          <a:p>
+            <a:endParaRPr lang="ru-RU"/>
+          </a:p>
+        </p:txBody>
+      </p:sp>
+      <p:sp>
+        <p:nvSpPr>
+          <p:cNvPr id="6" name="Номер слайда 5">
+            <a:extLst>
+              <a:ext uri="{FF2B5EF4-FFF2-40B4-BE49-F238E27FC236}">
+                <a16:creationId xmlns:a16="http://schemas.microsoft.com/office/drawing/2014/main" xmlns="" id="{2C1B09C3-45C2-388E-70D6-BE3EB283FAB1}"/>
+              </a:ext>
+            </a:extLst>
+          </p:cNvPr>
+          <p:cNvSpPr>
+            <a:spLocks noGrp="1"/>
+          </p:cNvSpPr>
+          <p:nvPr>
+            <p:ph type="sldNum" sz="quarter" idx="4"/>
+          </p:nvPr>
+        </p:nvSpPr>
+        <p:spPr>
+          <a:xfrm>
+            <a:off x="6457950" y="6356351"/>
+            <a:ext cx="2057400" cy="365125"/>
+          </a:xfrm>
+          <a:prstGeom prst="rect">
+            <a:avLst/>
+          </a:prstGeom>
+        </p:spPr>
+        <p:txBody>
+          <a:bodyPr vert="horz" lIns="91440" tIns="45720" rIns="91440" bIns="45720" rtlCol="0" anchor="ctr"/>
+          <a:lstStyle>
             <a:lvl1pPr algn="r">
               <a:defRPr sz="1200">
                 <a:solidFill>
@@ -2780,24 +3151,32 @@
         </p:txBody>
       </p:sp>
     </p:spTree>
+    <p:extLst>
+      <p:ext uri="{BB962C8B-B14F-4D97-AF65-F5344CB8AC3E}">
+        <p14:creationId xmlns:p14="http://schemas.microsoft.com/office/powerpoint/2010/main" xmlns="" val="2084837958"/>
+      </p:ext>
+    </p:extLst>
   </p:cSld>
   <p:clrMap bg1="lt1" tx1="dk1" bg2="lt2" tx2="dk2" accent1="accent1" accent2="accent2" accent3="accent3" accent4="accent4" accent5="accent5" accent6="accent6" hlink="hlink" folHlink="folHlink"/>
   <p:sldLayoutIdLst>
-    <p:sldLayoutId id="2147483649" r:id="rId1"/>
-    <p:sldLayoutId id="2147483650" r:id="rId2"/>
-    <p:sldLayoutId id="2147483651" r:id="rId3"/>
-    <p:sldLayoutId id="2147483652" r:id="rId4"/>
-    <p:sldLayoutId id="2147483653" r:id="rId5"/>
-    <p:sldLayoutId id="2147483654" r:id="rId6"/>
-    <p:sldLayoutId id="2147483655" r:id="rId7"/>
-    <p:sldLayoutId id="2147483656" r:id="rId8"/>
-    <p:sldLayoutId id="2147483657" r:id="rId9"/>
-    <p:sldLayoutId id="2147483658" r:id="rId10"/>
-    <p:sldLayoutId id="2147483659" r:id="rId11"/>
+    <p:sldLayoutId id="2147483661" r:id="rId1"/>
+    <p:sldLayoutId id="2147483662" r:id="rId2"/>
+    <p:sldLayoutId id="2147483663" r:id="rId3"/>
+    <p:sldLayoutId id="2147483664" r:id="rId4"/>
+    <p:sldLayoutId id="2147483665" r:id="rId5"/>
+    <p:sldLayoutId id="2147483666" r:id="rId6"/>
+    <p:sldLayoutId id="2147483667" r:id="rId7"/>
+    <p:sldLayoutId id="2147483668" r:id="rId8"/>
+    <p:sldLayoutId id="2147483669" r:id="rId9"/>
+    <p:sldLayoutId id="2147483670" r:id="rId10"/>
+    <p:sldLayoutId id="2147483671" r:id="rId11"/>
   </p:sldLayoutIdLst>
   <p:txStyles>
     <p:titleStyle>
-      <a:lvl1pPr algn="ctr" defTabSz="914400" rtl="0" eaLnBrk="1" latinLnBrk="0" hangingPunct="1">
+      <a:lvl1pPr algn="l" defTabSz="914400" rtl="0" eaLnBrk="1" latinLnBrk="0" hangingPunct="1">
+        <a:lnSpc>
+          <a:spcPct val="90000"/>
+        </a:lnSpc>
         <a:spcBef>
           <a:spcPct val="0"/>
         </a:spcBef>
@@ -2813,13 +3192,16 @@
       </a:lvl1pPr>
     </p:titleStyle>
     <p:bodyStyle>
-      <a:lvl1pPr marL="342900" indent="-342900" algn="l" defTabSz="914400" rtl="0" eaLnBrk="1" latinLnBrk="0" hangingPunct="1">
+      <a:lvl1pPr marL="228600" indent="-228600" algn="l" defTabSz="914400" rtl="0" eaLnBrk="1" latinLnBrk="0" hangingPunct="1">
+        <a:lnSpc>
+          <a:spcPct val="90000"/>
+        </a:lnSpc>
         <a:spcBef>
-          <a:spcPct val="20000"/>
+          <a:spcPts val="1000"/>
         </a:spcBef>
-        <a:buFont typeface="Arial" pitchFamily="34" charset="0"/>
+        <a:buFont typeface="Arial" panose="020B0604020202020204" pitchFamily="34" charset="0"/>
         <a:buChar char="•"/>
-        <a:defRPr sz="3200" kern="1200">
+        <a:defRPr sz="2800" kern="1200">
           <a:solidFill>
             <a:schemeClr val="tx1"/>
           </a:solidFill>
@@ -2828,13 +3210,16 @@
           <a:cs typeface="+mn-cs"/>
         </a:defRPr>
       </a:lvl1pPr>
-      <a:lvl2pPr marL="742950" indent="-285750" algn="l" defTabSz="914400" rtl="0" eaLnBrk="1" latinLnBrk="0" hangingPunct="1">
+      <a:lvl2pPr marL="685800" indent="-228600" algn="l" defTabSz="914400" rtl="0" eaLnBrk="1" latinLnBrk="0" hangingPunct="1">
+        <a:lnSpc>
+          <a:spcPct val="90000"/>
+        </a:lnSpc>
         <a:spcBef>
-          <a:spcPct val="20000"/>
+          <a:spcPts val="500"/>
         </a:spcBef>
-        <a:buFont typeface="Arial" pitchFamily="34" charset="0"/>
-        <a:buChar char="–"/>
-        <a:defRPr sz="2800" kern="1200">
+        <a:buFont typeface="Arial" panose="020B0604020202020204" pitchFamily="34" charset="0"/>
+        <a:buChar char="•"/>
+        <a:defRPr sz="2400" kern="1200">
           <a:solidFill>
             <a:schemeClr val="tx1"/>
           </a:solidFill>
@@ -2844,12 +3229,15 @@
         </a:defRPr>
       </a:lvl2pPr>
       <a:lvl3pPr marL="1143000" indent="-228600" algn="l" defTabSz="914400" rtl="0" eaLnBrk="1" latinLnBrk="0" hangingPunct="1">
+        <a:lnSpc>
+          <a:spcPct val="90000"/>
+        </a:lnSpc>
         <a:spcBef>
-          <a:spcPct val="20000"/>
+          <a:spcPts val="500"/>
         </a:spcBef>
-        <a:buFont typeface="Arial" pitchFamily="34" charset="0"/>
+        <a:buFont typeface="Arial" panose="020B0604020202020204" pitchFamily="34" charset="0"/>
         <a:buChar char="•"/>
-        <a:defRPr sz="2400" kern="1200">
+        <a:defRPr sz="2000" kern="1200">
           <a:solidFill>
             <a:schemeClr val="tx1"/>
           </a:solidFill>
@@ -2859,12 +3247,15 @@
         </a:defRPr>
       </a:lvl3pPr>
       <a:lvl4pPr marL="1600200" indent="-228600" algn="l" defTabSz="914400" rtl="0" eaLnBrk="1" latinLnBrk="0" hangingPunct="1">
+        <a:lnSpc>
+          <a:spcPct val="90000"/>
+        </a:lnSpc>
         <a:spcBef>
-          <a:spcPct val="20000"/>
+          <a:spcPts val="500"/>
         </a:spcBef>
-        <a:buFont typeface="Arial" pitchFamily="34" charset="0"/>
-        <a:buChar char="–"/>
-        <a:defRPr sz="2000" kern="1200">
+        <a:buFont typeface="Arial" panose="020B0604020202020204" pitchFamily="34" charset="0"/>
+        <a:buChar char="•"/>
+        <a:defRPr sz="1800" kern="1200">
           <a:solidFill>
             <a:schemeClr val="tx1"/>
           </a:solidFill>
@@ -2874,12 +3265,15 @@
         </a:defRPr>
       </a:lvl4pPr>
       <a:lvl5pPr marL="2057400" indent="-228600" algn="l" defTabSz="914400" rtl="0" eaLnBrk="1" latinLnBrk="0" hangingPunct="1">
+        <a:lnSpc>
+          <a:spcPct val="90000"/>
+        </a:lnSpc>
         <a:spcBef>
-          <a:spcPct val="20000"/>
+          <a:spcPts val="500"/>
         </a:spcBef>
-        <a:buFont typeface="Arial" pitchFamily="34" charset="0"/>
-        <a:buChar char="»"/>
-        <a:defRPr sz="2000" kern="1200">
+        <a:buFont typeface="Arial" panose="020B0604020202020204" pitchFamily="34" charset="0"/>
+        <a:buChar char="•"/>
+        <a:defRPr sz="1800" kern="1200">
           <a:solidFill>
             <a:schemeClr val="tx1"/>
           </a:solidFill>
@@ -2889,12 +3283,15 @@
         </a:defRPr>
       </a:lvl5pPr>
       <a:lvl6pPr marL="2514600" indent="-228600" algn="l" defTabSz="914400" rtl="0" eaLnBrk="1" latinLnBrk="0" hangingPunct="1">
+        <a:lnSpc>
+          <a:spcPct val="90000"/>
+        </a:lnSpc>
         <a:spcBef>
-          <a:spcPct val="20000"/>
+          <a:spcPts val="500"/>
         </a:spcBef>
-        <a:buFont typeface="Arial" pitchFamily="34" charset="0"/>
+        <a:buFont typeface="Arial" panose="020B0604020202020204" pitchFamily="34" charset="0"/>
         <a:buChar char="•"/>
-        <a:defRPr sz="2000" kern="1200">
+        <a:defRPr sz="1800" kern="1200">
           <a:solidFill>
             <a:schemeClr val="tx1"/>
           </a:solidFill>
@@ -2904,12 +3301,15 @@
         </a:defRPr>
       </a:lvl6pPr>
       <a:lvl7pPr marL="2971800" indent="-228600" algn="l" defTabSz="914400" rtl="0" eaLnBrk="1" latinLnBrk="0" hangingPunct="1">
+        <a:lnSpc>
+          <a:spcPct val="90000"/>
+        </a:lnSpc>
         <a:spcBef>
-          <a:spcPct val="20000"/>
+          <a:spcPts val="500"/>
         </a:spcBef>
-        <a:buFont typeface="Arial" pitchFamily="34" charset="0"/>
+        <a:buFont typeface="Arial" panose="020B0604020202020204" pitchFamily="34" charset="0"/>
         <a:buChar char="•"/>
-        <a:defRPr sz="2000" kern="1200">
+        <a:defRPr sz="1800" kern="1200">
           <a:solidFill>
             <a:schemeClr val="tx1"/>
           </a:solidFill>
@@ -2919,12 +3319,15 @@
         </a:defRPr>
       </a:lvl7pPr>
       <a:lvl8pPr marL="3429000" indent="-228600" algn="l" defTabSz="914400" rtl="0" eaLnBrk="1" latinLnBrk="0" hangingPunct="1">
+        <a:lnSpc>
+          <a:spcPct val="90000"/>
+        </a:lnSpc>
         <a:spcBef>
-          <a:spcPct val="20000"/>
+          <a:spcPts val="500"/>
         </a:spcBef>
-        <a:buFont typeface="Arial" pitchFamily="34" charset="0"/>
+        <a:buFont typeface="Arial" panose="020B0604020202020204" pitchFamily="34" charset="0"/>
         <a:buChar char="•"/>
-        <a:defRPr sz="2000" kern="1200">
+        <a:defRPr sz="1800" kern="1200">
           <a:solidFill>
             <a:schemeClr val="tx1"/>
           </a:solidFill>
@@ -2934,12 +3337,15 @@
         </a:defRPr>
       </a:lvl8pPr>
       <a:lvl9pPr marL="3886200" indent="-228600" algn="l" defTabSz="914400" rtl="0" eaLnBrk="1" latinLnBrk="0" hangingPunct="1">
+        <a:lnSpc>
+          <a:spcPct val="90000"/>
+        </a:lnSpc>
         <a:spcBef>
-          <a:spcPct val="20000"/>
+          <a:spcPts val="500"/>
         </a:spcBef>
-        <a:buFont typeface="Arial" pitchFamily="34" charset="0"/>
+        <a:buFont typeface="Arial" panose="020B0604020202020204" pitchFamily="34" charset="0"/>
         <a:buChar char="•"/>
-        <a:defRPr sz="2000" kern="1200">
+        <a:defRPr sz="1800" kern="1200">
           <a:solidFill>
             <a:schemeClr val="tx1"/>
           </a:solidFill>
@@ -2951,7 +3357,7 @@
     </p:bodyStyle>
     <p:otherStyle>
       <a:defPPr>
-        <a:defRPr lang="ru-RU"/>
+        <a:defRPr lang="x-none"/>
       </a:defPPr>
       <a:lvl1pPr marL="0" algn="l" defTabSz="914400" rtl="0" eaLnBrk="1" latinLnBrk="0" hangingPunct="1">
         <a:defRPr sz="1800" kern="1200">
@@ -3075,51 +3481,180 @@
             <p:ph type="ctrTitle"/>
           </p:nvPr>
         </p:nvSpPr>
-        <p:spPr/>
+        <p:spPr>
+          <a:xfrm>
+            <a:off x="428596" y="1928802"/>
+            <a:ext cx="4714907" cy="2000263"/>
+          </a:xfrm>
+        </p:spPr>
+        <p:txBody>
+          <a:bodyPr>
+            <a:noAutofit/>
+          </a:bodyPr>
+          <a:lstStyle/>
+          <a:p>
+            <a:r>
+              <a:rPr lang="ru-RU" sz="6000" dirty="0" err="1" smtClean="0">
+                <a:solidFill>
+                  <a:schemeClr val="bg1"/>
+                </a:solidFill>
+                <a:latin typeface="Times New Roman" pitchFamily="18" charset="0"/>
+                <a:cs typeface="Times New Roman" pitchFamily="18" charset="0"/>
+              </a:rPr>
+              <a:t>Сэмюэл</a:t>
+            </a:r>
+            <a:r>
+              <a:rPr lang="ru-RU" sz="6000" dirty="0" smtClean="0">
+                <a:solidFill>
+                  <a:schemeClr val="bg1"/>
+                </a:solidFill>
+                <a:latin typeface="Times New Roman" pitchFamily="18" charset="0"/>
+                <a:cs typeface="Times New Roman" pitchFamily="18" charset="0"/>
+              </a:rPr>
+              <a:t> </a:t>
+            </a:r>
+            <a:r>
+              <a:rPr lang="en-US" sz="6000" dirty="0" smtClean="0">
+                <a:solidFill>
+                  <a:schemeClr val="bg1"/>
+                </a:solidFill>
+                <a:latin typeface="Times New Roman" pitchFamily="18" charset="0"/>
+                <a:cs typeface="Times New Roman" pitchFamily="18" charset="0"/>
+              </a:rPr>
+              <a:t/>
+            </a:r>
+            <a:br>
+              <a:rPr lang="en-US" sz="6000" dirty="0" smtClean="0">
+                <a:solidFill>
+                  <a:schemeClr val="bg1"/>
+                </a:solidFill>
+                <a:latin typeface="Times New Roman" pitchFamily="18" charset="0"/>
+                <a:cs typeface="Times New Roman" pitchFamily="18" charset="0"/>
+              </a:rPr>
+            </a:br>
+            <a:r>
+              <a:rPr lang="ru-RU" sz="6000" dirty="0" err="1" smtClean="0">
+                <a:solidFill>
+                  <a:schemeClr val="bg1"/>
+                </a:solidFill>
+                <a:latin typeface="Times New Roman" pitchFamily="18" charset="0"/>
+                <a:cs typeface="Times New Roman" pitchFamily="18" charset="0"/>
+              </a:rPr>
+              <a:t>Филлипс</a:t>
+            </a:r>
+            <a:r>
+              <a:rPr lang="ru-RU" sz="6000" dirty="0" smtClean="0">
+                <a:solidFill>
+                  <a:schemeClr val="bg1"/>
+                </a:solidFill>
+                <a:latin typeface="Times New Roman" pitchFamily="18" charset="0"/>
+                <a:cs typeface="Times New Roman" pitchFamily="18" charset="0"/>
+              </a:rPr>
+              <a:t> </a:t>
+            </a:r>
+            <a:r>
+              <a:rPr lang="ru-RU" sz="6000" dirty="0" smtClean="0">
+                <a:solidFill>
+                  <a:schemeClr val="bg1"/>
+                </a:solidFill>
+                <a:latin typeface="Times New Roman" pitchFamily="18" charset="0"/>
+                <a:cs typeface="Times New Roman" pitchFamily="18" charset="0"/>
+              </a:rPr>
+              <a:t>Хантингтон</a:t>
+            </a:r>
+            <a:endParaRPr lang="ru-RU" sz="6000" dirty="0">
+              <a:solidFill>
+                <a:schemeClr val="bg1"/>
+              </a:solidFill>
+              <a:latin typeface="Times New Roman" pitchFamily="18" charset="0"/>
+              <a:cs typeface="Times New Roman" pitchFamily="18" charset="0"/>
+            </a:endParaRPr>
+          </a:p>
+        </p:txBody>
+      </p:sp>
+      <p:sp>
+        <p:nvSpPr>
+          <p:cNvPr id="3" name="Подзаголовок 2"/>
+          <p:cNvSpPr>
+            <a:spLocks noGrp="1"/>
+          </p:cNvSpPr>
+          <p:nvPr>
+            <p:ph type="subTitle" idx="1"/>
+          </p:nvPr>
+        </p:nvSpPr>
+        <p:spPr>
+          <a:xfrm>
+            <a:off x="357158" y="4500570"/>
+            <a:ext cx="5072098" cy="1655762"/>
+          </a:xfrm>
+        </p:spPr>
         <p:txBody>
           <a:bodyPr/>
           <a:lstStyle/>
           <a:p>
             <a:r>
-              <a:rPr lang="ru-RU" dirty="0" err="1" smtClean="0"/>
-              <a:t>Сэмюэл</a:t>
-            </a:r>
-            <a:r>
-              <a:rPr lang="ru-RU" dirty="0" smtClean="0"/>
-              <a:t> </a:t>
-            </a:r>
-            <a:r>
-              <a:rPr lang="ru-RU" dirty="0" err="1" smtClean="0"/>
-              <a:t>Филлипс</a:t>
-            </a:r>
-            <a:r>
-              <a:rPr lang="ru-RU" dirty="0" smtClean="0"/>
-              <a:t> </a:t>
-            </a:r>
-            <a:r>
-              <a:rPr lang="ru-RU" dirty="0" err="1" smtClean="0"/>
-              <a:t>Хантингтон</a:t>
-            </a:r>
-            <a:endParaRPr lang="ru-RU" dirty="0"/>
-          </a:p>
-        </p:txBody>
-      </p:sp>
-      <p:sp>
-        <p:nvSpPr>
-          <p:cNvPr id="3" name="Подзаголовок 2"/>
-          <p:cNvSpPr>
-            <a:spLocks noGrp="1"/>
-          </p:cNvSpPr>
-          <p:nvPr>
-            <p:ph type="subTitle" idx="1"/>
-          </p:nvPr>
-        </p:nvSpPr>
-        <p:spPr/>
-        <p:txBody>
-          <a:bodyPr/>
-          <a:lstStyle/>
-          <a:p>
-            <a:endParaRPr lang="ru-RU"/>
+              <a:rPr lang="ru-RU" b="0" dirty="0" smtClean="0">
+                <a:solidFill>
+                  <a:schemeClr val="accent1">
+                    <a:lumMod val="60000"/>
+                    <a:lumOff val="40000"/>
+                  </a:schemeClr>
+                </a:solidFill>
+              </a:rPr>
+              <a:t>Американский</a:t>
+            </a:r>
+            <a:r>
+              <a:rPr lang="ru-RU" b="0" dirty="0" smtClean="0">
+                <a:solidFill>
+                  <a:schemeClr val="accent1">
+                    <a:lumMod val="60000"/>
+                    <a:lumOff val="40000"/>
+                  </a:schemeClr>
+                </a:solidFill>
+              </a:rPr>
+              <a:t> социолог и </a:t>
+            </a:r>
+            <a:r>
+              <a:rPr lang="ru-RU" b="0" dirty="0" smtClean="0">
+                <a:solidFill>
+                  <a:schemeClr val="accent1">
+                    <a:lumMod val="60000"/>
+                    <a:lumOff val="40000"/>
+                  </a:schemeClr>
+                </a:solidFill>
+              </a:rPr>
+              <a:t>политолог</a:t>
+            </a:r>
+            <a:r>
+              <a:rPr lang="en-US" b="0" dirty="0" smtClean="0">
+                <a:solidFill>
+                  <a:schemeClr val="accent1">
+                    <a:lumMod val="60000"/>
+                    <a:lumOff val="40000"/>
+                  </a:schemeClr>
+                </a:solidFill>
+              </a:rPr>
+              <a:t>, </a:t>
+            </a:r>
+            <a:r>
+              <a:rPr lang="ru-RU" b="0" dirty="0" smtClean="0">
+                <a:solidFill>
+                  <a:schemeClr val="accent1">
+                    <a:lumMod val="60000"/>
+                    <a:lumOff val="40000"/>
+                  </a:schemeClr>
+                </a:solidFill>
+              </a:rPr>
+              <a:t>Преподаватель Гарвардского университета</a:t>
+            </a:r>
+            <a:endParaRPr lang="ru-RU" dirty="0">
+              <a:solidFill>
+                <a:schemeClr val="accent1">
+                  <a:lumMod val="60000"/>
+                  <a:lumOff val="40000"/>
+                </a:schemeClr>
+              </a:solidFill>
+            </a:endParaRPr>
           </a:p>
         </p:txBody>
       </p:sp>
@@ -3128,6 +3663,13 @@
   <p:clrMapOvr>
     <a:masterClrMapping/>
   </p:clrMapOvr>
+  <p:timing>
+    <p:tnLst>
+      <p:par>
+        <p:cTn id="1" dur="indefinite" restart="never" nodeType="tmRoot"/>
+      </p:par>
+    </p:tnLst>
+  </p:timing>
 </p:sld>
 </file>
 
@@ -3161,39 +3703,31 @@
         <p:spPr>
           <a:xfrm>
             <a:off x="457200" y="273050"/>
-            <a:ext cx="3008313" cy="369868"/>
+            <a:ext cx="8258204" cy="584182"/>
           </a:xfrm>
         </p:spPr>
         <p:txBody>
           <a:bodyPr>
-            <a:normAutofit fontScale="90000"/>
+            <a:noAutofit/>
           </a:bodyPr>
           <a:lstStyle/>
           <a:p>
-            <a:r>
-              <a:rPr lang="ru-RU" dirty="0" smtClean="0"/>
+            <a:pPr algn="ctr"/>
+            <a:r>
+              <a:rPr lang="ru-RU" sz="4000" b="1" spc="-1" dirty="0" smtClean="0">
+                <a:solidFill>
+                  <a:srgbClr val="D5A239"/>
+                </a:solidFill>
+                <a:latin typeface="Times New Roman"/>
+              </a:rPr>
               <a:t>Биография</a:t>
             </a:r>
-            <a:endParaRPr lang="ru-RU" dirty="0"/>
-          </a:p>
-        </p:txBody>
-      </p:sp>
-      <p:sp>
-        <p:nvSpPr>
-          <p:cNvPr id="3" name="Содержимое 2"/>
-          <p:cNvSpPr>
-            <a:spLocks noGrp="1"/>
-          </p:cNvSpPr>
-          <p:nvPr>
-            <p:ph idx="1"/>
-          </p:nvPr>
-        </p:nvSpPr>
-        <p:spPr/>
-        <p:txBody>
-          <a:bodyPr/>
-          <a:lstStyle/>
-          <a:p>
-            <a:endParaRPr lang="ru-RU"/>
+            <a:endParaRPr lang="ru-RU" sz="4000" b="1" spc="-1" dirty="0">
+              <a:solidFill>
+                <a:srgbClr val="D5A239"/>
+              </a:solidFill>
+              <a:latin typeface="Times New Roman"/>
+            </a:endParaRPr>
           </a:p>
         </p:txBody>
       </p:sp>
@@ -3209,205 +3743,322 @@
         </p:nvSpPr>
         <p:spPr>
           <a:xfrm>
-            <a:off x="457200" y="642918"/>
-            <a:ext cx="3008313" cy="5483245"/>
+            <a:off x="357158" y="928670"/>
+            <a:ext cx="3614734" cy="5500726"/>
           </a:xfrm>
         </p:spPr>
         <p:txBody>
           <a:bodyPr>
-            <a:normAutofit fontScale="92500"/>
+            <a:normAutofit fontScale="25000" lnSpcReduction="20000"/>
           </a:bodyPr>
           <a:lstStyle/>
           <a:p>
-            <a:r>
-              <a:rPr lang="ru-RU" dirty="0"/>
-              <a:t>Родился в семье писательницы </a:t>
-            </a:r>
-            <a:r>
-              <a:rPr lang="ru-RU" dirty="0" err="1"/>
-              <a:t>Дороти</a:t>
-            </a:r>
-            <a:r>
-              <a:rPr lang="ru-RU" dirty="0"/>
+            <a:pPr>
+              <a:lnSpc>
+                <a:spcPct val="120000"/>
+              </a:lnSpc>
+            </a:pPr>
+            <a:r>
+              <a:rPr lang="ru-RU" sz="5600" b="1" spc="-1" dirty="0">
+                <a:solidFill>
+                  <a:srgbClr val="729FCF"/>
+                </a:solidFill>
+                <a:latin typeface="Times New Roman"/>
+              </a:rPr>
+              <a:t>Родился в семье писательницы Дороти Санборн-Филлипс и издателя Ричарда Томаса </a:t>
+            </a:r>
+            <a:r>
+              <a:rPr lang="ru-RU" sz="5600" b="1" spc="-1" dirty="0" smtClean="0">
+                <a:solidFill>
+                  <a:srgbClr val="729FCF"/>
+                </a:solidFill>
+                <a:latin typeface="Times New Roman"/>
+              </a:rPr>
+              <a:t>Хантингтона в 1927 году.</a:t>
+            </a:r>
+            <a:endParaRPr lang="ru-RU" sz="5600" b="1" spc="-1" dirty="0">
+              <a:solidFill>
+                <a:srgbClr val="729FCF"/>
+              </a:solidFill>
+              <a:latin typeface="Times New Roman"/>
+            </a:endParaRPr>
+          </a:p>
+          <a:p>
+            <a:pPr>
+              <a:lnSpc>
+                <a:spcPct val="120000"/>
+              </a:lnSpc>
+            </a:pPr>
+            <a:r>
+              <a:rPr lang="ru-RU" sz="5600" b="1" spc="-1" dirty="0">
+                <a:solidFill>
+                  <a:srgbClr val="729FCF"/>
+                </a:solidFill>
+                <a:latin typeface="Times New Roman"/>
+              </a:rPr>
+              <a:t>В 1946 г. окончил бакалавриат Йельского университета, в 1948 г. – магистратуру Чикагского университета. В 1951 г. получил степень доктора политических наук в Гарвардском университете, где проработал на разных должностях </a:t>
+            </a:r>
+            <a:r>
+              <a:rPr lang="ru-RU" sz="5600" b="1" spc="-1" dirty="0" smtClean="0">
+                <a:solidFill>
+                  <a:srgbClr val="729FCF"/>
+                </a:solidFill>
+                <a:latin typeface="Times New Roman"/>
+              </a:rPr>
+              <a:t>до </a:t>
+            </a:r>
+            <a:r>
+              <a:rPr lang="ru-RU" sz="5600" b="1" spc="-1" dirty="0">
+                <a:solidFill>
+                  <a:srgbClr val="729FCF"/>
+                </a:solidFill>
+                <a:latin typeface="Times New Roman"/>
+              </a:rPr>
+              <a:t>выхода на пенсию в 2007 г</a:t>
+            </a:r>
+            <a:r>
+              <a:rPr lang="ru-RU" sz="5600" b="1" spc="-1" dirty="0" smtClean="0">
+                <a:solidFill>
+                  <a:srgbClr val="729FCF"/>
+                </a:solidFill>
+                <a:latin typeface="Times New Roman"/>
+              </a:rPr>
+              <a:t>.</a:t>
+            </a:r>
+          </a:p>
+          <a:p>
+            <a:pPr>
+              <a:lnSpc>
+                <a:spcPct val="120000"/>
+              </a:lnSpc>
+            </a:pPr>
+            <a:r>
+              <a:rPr lang="ru-RU" sz="5600" b="1" spc="-1" dirty="0" smtClean="0">
+                <a:solidFill>
+                  <a:srgbClr val="729FCF"/>
+                </a:solidFill>
+                <a:latin typeface="Times New Roman"/>
+              </a:rPr>
+              <a:t>В </a:t>
+            </a:r>
+            <a:r>
+              <a:rPr lang="ru-RU" sz="5600" b="1" spc="-1" dirty="0">
+                <a:solidFill>
+                  <a:srgbClr val="729FCF"/>
+                </a:solidFill>
+                <a:latin typeface="Times New Roman"/>
+              </a:rPr>
+              <a:t>1977—1978 годах </a:t>
+            </a:r>
+            <a:r>
+              <a:rPr lang="ru-RU" sz="5600" b="1" spc="-1" dirty="0" smtClean="0">
+                <a:solidFill>
+                  <a:srgbClr val="729FCF"/>
+                </a:solidFill>
+                <a:latin typeface="Times New Roman"/>
+              </a:rPr>
+              <a:t> работал </a:t>
+            </a:r>
+            <a:r>
+              <a:rPr lang="ru-RU" sz="5600" b="1" spc="-1" dirty="0">
+                <a:solidFill>
+                  <a:srgbClr val="729FCF"/>
+                </a:solidFill>
+                <a:latin typeface="Times New Roman"/>
+              </a:rPr>
+              <a:t>координатором отдела планирования в Совете национальной безопасности </a:t>
+            </a:r>
+            <a:r>
+              <a:rPr lang="ru-RU" sz="5600" b="1" spc="-1" dirty="0" smtClean="0">
+                <a:solidFill>
+                  <a:srgbClr val="729FCF"/>
+                </a:solidFill>
+                <a:latin typeface="Times New Roman"/>
+              </a:rPr>
+              <a:t>США</a:t>
+            </a:r>
+            <a:r>
+              <a:rPr lang="ru-RU" sz="5600" b="1" spc="-1" dirty="0">
+                <a:solidFill>
+                  <a:srgbClr val="729FCF"/>
+                </a:solidFill>
+                <a:latin typeface="Times New Roman"/>
+              </a:rPr>
+              <a:t>.</a:t>
+            </a:r>
+          </a:p>
+          <a:p>
+            <a:pPr>
+              <a:lnSpc>
+                <a:spcPct val="120000"/>
+              </a:lnSpc>
+            </a:pPr>
+            <a:r>
+              <a:rPr lang="ru-RU" sz="5600" b="1" spc="-1" dirty="0">
+                <a:solidFill>
+                  <a:srgbClr val="729FCF"/>
+                </a:solidFill>
+                <a:latin typeface="Times New Roman"/>
+              </a:rPr>
+              <a:t>В</a:t>
+            </a:r>
+            <a:r>
+              <a:rPr lang="ru-RU" sz="5600" b="1" spc="-1" dirty="0" smtClean="0">
+                <a:solidFill>
+                  <a:srgbClr val="729FCF"/>
+                </a:solidFill>
+                <a:latin typeface="Times New Roman"/>
+              </a:rPr>
               <a:t> </a:t>
             </a:r>
             <a:r>
-              <a:rPr lang="ru-RU" dirty="0" err="1"/>
-              <a:t>Санборн-Филлипс</a:t>
-            </a:r>
-            <a:r>
-              <a:rPr lang="ru-RU" dirty="0"/>
-              <a:t> и издателя Ричарда Томаса </a:t>
-            </a:r>
-            <a:r>
-              <a:rPr lang="ru-RU" dirty="0" err="1" smtClean="0"/>
-              <a:t>Хантингтона</a:t>
-            </a:r>
-            <a:r>
-              <a:rPr lang="ru-RU" dirty="0" smtClean="0"/>
-              <a:t> в 1927 году.</a:t>
-            </a:r>
+              <a:rPr lang="ru-RU" sz="5600" b="1" spc="-1" dirty="0">
+                <a:solidFill>
+                  <a:srgbClr val="729FCF"/>
+                </a:solidFill>
+                <a:latin typeface="Times New Roman"/>
+              </a:rPr>
+              <a:t>1984—1985 </a:t>
+            </a:r>
+            <a:r>
+              <a:rPr lang="ru-RU" sz="5600" b="1" spc="-1" dirty="0" smtClean="0">
+                <a:solidFill>
+                  <a:srgbClr val="729FCF"/>
+                </a:solidFill>
+                <a:latin typeface="Times New Roman"/>
+              </a:rPr>
+              <a:t>годах был избран </a:t>
+            </a:r>
+            <a:r>
+              <a:rPr lang="ru-RU" sz="5600" b="1" spc="-1" dirty="0">
+                <a:solidFill>
+                  <a:srgbClr val="729FCF"/>
+                </a:solidFill>
+                <a:latin typeface="Times New Roman"/>
+              </a:rPr>
+              <a:t>вице-президентом, а в 1986—1987 годах — президентом Американской Ассоциации политических наук</a:t>
+            </a:r>
+            <a:r>
+              <a:rPr lang="ru-RU" sz="5600" b="1" spc="-1" dirty="0" smtClean="0">
+                <a:solidFill>
+                  <a:srgbClr val="729FCF"/>
+                </a:solidFill>
+                <a:latin typeface="Times New Roman"/>
+              </a:rPr>
+              <a:t>.</a:t>
+            </a:r>
+          </a:p>
+          <a:p>
+            <a:pPr>
+              <a:lnSpc>
+                <a:spcPct val="120000"/>
+              </a:lnSpc>
+            </a:pPr>
+            <a:r>
+              <a:rPr lang="ru-RU" sz="5600" b="1" spc="-1" dirty="0">
+                <a:solidFill>
+                  <a:srgbClr val="729FCF"/>
+                </a:solidFill>
+                <a:latin typeface="Times New Roman"/>
+              </a:rPr>
+              <a:t>По мнению почетного профессора Гарвардского университета и коллеги Хантингтона Генри </a:t>
+            </a:r>
+            <a:r>
+              <a:rPr lang="ru-RU" sz="5600" b="1" spc="-1" dirty="0" smtClean="0">
+                <a:solidFill>
+                  <a:srgbClr val="729FCF"/>
+                </a:solidFill>
+                <a:latin typeface="Times New Roman"/>
+              </a:rPr>
+              <a:t>Росовски, </a:t>
+            </a:r>
+            <a:r>
+              <a:rPr lang="ru-RU" sz="5600" b="1" spc="-1" dirty="0">
+                <a:solidFill>
+                  <a:srgbClr val="729FCF"/>
+                </a:solidFill>
+                <a:latin typeface="Times New Roman"/>
+              </a:rPr>
+              <a:t>Хантингтон "был одним из наиболее влиятельных </a:t>
+            </a:r>
+            <a:r>
+              <a:rPr lang="ru-RU" sz="5600" b="1" spc="-1" dirty="0" smtClean="0">
+                <a:solidFill>
+                  <a:srgbClr val="729FCF"/>
+                </a:solidFill>
+                <a:latin typeface="Times New Roman"/>
+              </a:rPr>
+              <a:t>политологов </a:t>
+            </a:r>
+            <a:r>
+              <a:rPr lang="ru-RU" sz="5600" b="1" spc="-1" dirty="0">
+                <a:solidFill>
+                  <a:srgbClr val="729FCF"/>
+                </a:solidFill>
+                <a:latin typeface="Times New Roman"/>
+              </a:rPr>
+              <a:t>в мире на протяжении последних 50 лет".</a:t>
+            </a:r>
+          </a:p>
+          <a:p>
             <a:endParaRPr lang="ru-RU" dirty="0"/>
           </a:p>
           <a:p>
-            <a:r>
-              <a:rPr lang="ru-RU" dirty="0"/>
-              <a:t>В 1946 г. окончил </a:t>
-            </a:r>
-            <a:r>
-              <a:rPr lang="ru-RU" dirty="0" err="1"/>
-              <a:t>бакалавриат</a:t>
-            </a:r>
-            <a:r>
-              <a:rPr lang="ru-RU" dirty="0"/>
-              <a:t> Йельского университета, в 1948 г. – магистратуру Чикагского университета</a:t>
-            </a:r>
-            <a:r>
-              <a:rPr lang="ru-RU" i="1" dirty="0"/>
-              <a:t>. </a:t>
-            </a:r>
-            <a:r>
-              <a:rPr lang="ru-RU" dirty="0"/>
-              <a:t>В 1951 г. получил степень доктора политических наук в Гарвардском университете, где проработал на разных должностях </a:t>
-            </a:r>
-            <a:r>
-              <a:rPr lang="ru-RU" dirty="0" smtClean="0"/>
-              <a:t>до </a:t>
-            </a:r>
-            <a:r>
-              <a:rPr lang="ru-RU" dirty="0"/>
-              <a:t>выхода на пенсию в 2007 г</a:t>
-            </a:r>
-            <a:r>
-              <a:rPr lang="ru-RU" dirty="0" smtClean="0"/>
-              <a:t>.</a:t>
-            </a:r>
-          </a:p>
-          <a:p>
-            <a:r>
-              <a:rPr lang="ru-RU" dirty="0" smtClean="0"/>
-              <a:t>В </a:t>
-            </a:r>
-            <a:r>
-              <a:rPr lang="ru-RU" dirty="0"/>
-              <a:t>1977—1978 годах </a:t>
-            </a:r>
-            <a:r>
-              <a:rPr lang="ru-RU" dirty="0" smtClean="0"/>
-              <a:t> работал </a:t>
-            </a:r>
-            <a:r>
-              <a:rPr lang="ru-RU" dirty="0"/>
-              <a:t>координатором отдела планирования в Совете национальной безопасности </a:t>
-            </a:r>
-            <a:r>
-              <a:rPr lang="ru-RU" dirty="0" smtClean="0"/>
-              <a:t>США</a:t>
-            </a:r>
-            <a:r>
-              <a:rPr lang="ru-RU" dirty="0"/>
-              <a:t>.</a:t>
-            </a:r>
-          </a:p>
-          <a:p>
-            <a:r>
-              <a:rPr lang="ru-RU" dirty="0"/>
-              <a:t>В</a:t>
-            </a:r>
-            <a:r>
-              <a:rPr lang="ru-RU" dirty="0" smtClean="0"/>
-              <a:t> </a:t>
-            </a:r>
-            <a:r>
-              <a:rPr lang="ru-RU" dirty="0"/>
-              <a:t>1984—1985 </a:t>
-            </a:r>
-            <a:r>
-              <a:rPr lang="ru-RU" dirty="0" smtClean="0"/>
-              <a:t>годах был избран </a:t>
-            </a:r>
-            <a:r>
-              <a:rPr lang="ru-RU" dirty="0"/>
-              <a:t>вице-президентом, а в 1986—1987 годах — президентом Американской Ассоциации политических наук</a:t>
-            </a:r>
-            <a:r>
-              <a:rPr lang="ru-RU" dirty="0" smtClean="0"/>
-              <a:t>.</a:t>
-            </a:r>
-          </a:p>
-          <a:p>
-            <a:r>
-              <a:rPr lang="ru-RU" dirty="0"/>
-              <a:t>По мнению почетного профессора Гарвардского университета и коллеги </a:t>
-            </a:r>
-            <a:r>
-              <a:rPr lang="ru-RU" dirty="0" err="1"/>
-              <a:t>Хантингтона</a:t>
-            </a:r>
-            <a:r>
-              <a:rPr lang="ru-RU" dirty="0"/>
-              <a:t> Генри </a:t>
-            </a:r>
-            <a:r>
-              <a:rPr lang="ru-RU" dirty="0" err="1"/>
-              <a:t>Росовски</a:t>
-            </a:r>
-            <a:r>
-              <a:rPr lang="ru-RU" dirty="0"/>
-              <a:t> (</a:t>
-            </a:r>
-            <a:r>
-              <a:rPr lang="ru-RU" dirty="0" err="1"/>
-              <a:t>Henry</a:t>
-            </a:r>
-            <a:r>
-              <a:rPr lang="ru-RU" dirty="0"/>
-              <a:t> </a:t>
-            </a:r>
-            <a:r>
-              <a:rPr lang="ru-RU" dirty="0" err="1"/>
-              <a:t>Rosovsky</a:t>
-            </a:r>
-            <a:r>
-              <a:rPr lang="ru-RU" dirty="0"/>
-              <a:t>), </a:t>
-            </a:r>
-            <a:r>
-              <a:rPr lang="ru-RU" dirty="0" err="1"/>
-              <a:t>Хантингтон</a:t>
-            </a:r>
-            <a:r>
-              <a:rPr lang="ru-RU" dirty="0"/>
-              <a:t> "был одним из наиболее влиятельных </a:t>
-            </a:r>
-            <a:r>
-              <a:rPr lang="ru-RU" dirty="0" err="1"/>
-              <a:t>политоголов</a:t>
-            </a:r>
-            <a:r>
-              <a:rPr lang="ru-RU" dirty="0"/>
-              <a:t> в мире на протяжении последних 50 лет".</a:t>
-            </a:r>
-          </a:p>
-          <a:p>
             <a:endParaRPr lang="ru-RU" dirty="0"/>
           </a:p>
-          <a:p>
-            <a:endParaRPr lang="ru-RU" dirty="0"/>
-          </a:p>
-        </p:txBody>
-      </p:sp>
+        </p:txBody>
+      </p:sp>
+      <p:pic>
+        <p:nvPicPr>
+          <p:cNvPr id="9" name="Picture 4" descr="https://imageio.forbes.com/specials-images/imageserve/1209892117/0x0.jpg?format=jpg&amp;amp;height=600&amp;amp;width=1200&amp;amp;fit=bounds"/>
+          <p:cNvPicPr>
+            <a:picLocks noGrp="1" noChangeAspect="1" noChangeArrowheads="1"/>
+          </p:cNvPicPr>
+          <p:nvPr>
+            <p:ph idx="1"/>
+          </p:nvPr>
+        </p:nvPicPr>
+        <p:blipFill>
+          <a:blip r:embed="rId2" cstate="print"/>
+          <a:srcRect/>
+          <a:stretch>
+            <a:fillRect/>
+          </a:stretch>
+        </p:blipFill>
+        <p:spPr bwMode="auto">
+          <a:xfrm>
+            <a:off x="4000496" y="1714488"/>
+            <a:ext cx="4945992" cy="3071834"/>
+          </a:xfrm>
+          <a:prstGeom prst="rect">
+            <a:avLst/>
+          </a:prstGeom>
+          <a:noFill/>
+        </p:spPr>
+      </p:pic>
     </p:spTree>
   </p:cSld>
   <p:clrMapOvr>
     <a:masterClrMapping/>
   </p:clrMapOvr>
+  <p:timing>
+    <p:tnLst>
+      <p:par>
+        <p:cTn id="1" dur="indefinite" restart="never" nodeType="tmRoot"/>
+      </p:par>
+    </p:tnLst>
+  </p:timing>
 </p:sld>
 </file>
 
 <file path=ppt/slides/slide3.xml><?xml version="1.0" encoding="utf-8"?>
 <p:sld xmlns:a="http://schemas.openxmlformats.org/drawingml/2006/main" xmlns:r="http://schemas.openxmlformats.org/officeDocument/2006/relationships" xmlns:p="http://schemas.openxmlformats.org/presentationml/2006/main">
   <p:cSld>
+    <p:bg>
+      <p:bgRef idx="1001">
+        <a:schemeClr val="bg1"/>
+      </p:bgRef>
+    </p:bg>
     <p:spTree>
       <p:nvGrpSpPr>
         <p:cNvPr id="1" name=""/>
@@ -3435,39 +4086,38 @@
         <p:spPr>
           <a:xfrm>
             <a:off x="457200" y="273050"/>
-            <a:ext cx="3008313" cy="369868"/>
+            <a:ext cx="7972452" cy="441306"/>
           </a:xfrm>
         </p:spPr>
         <p:txBody>
-          <a:bodyPr>
+          <a:bodyPr vert="horz" lIns="91440" tIns="45720" rIns="91440" bIns="45720" rtlCol="0" anchor="b">
             <a:normAutofit fontScale="90000"/>
           </a:bodyPr>
           <a:lstStyle/>
           <a:p>
-            <a:r>
-              <a:rPr lang="ru-RU" dirty="0" smtClean="0"/>
-              <a:t>Научные труды</a:t>
-            </a:r>
-            <a:endParaRPr lang="ru-RU" dirty="0"/>
-          </a:p>
-        </p:txBody>
-      </p:sp>
-      <p:sp>
-        <p:nvSpPr>
-          <p:cNvPr id="3" name="Содержимое 2"/>
-          <p:cNvSpPr>
-            <a:spLocks noGrp="1"/>
-          </p:cNvSpPr>
-          <p:nvPr>
-            <p:ph idx="1"/>
-          </p:nvPr>
-        </p:nvSpPr>
-        <p:spPr/>
-        <p:txBody>
-          <a:bodyPr/>
-          <a:lstStyle/>
-          <a:p>
-            <a:endParaRPr lang="ru-RU"/>
+            <a:pPr algn="ctr"/>
+            <a:r>
+              <a:rPr lang="ru-RU" sz="4400" b="1" spc="-1" dirty="0" smtClean="0">
+                <a:solidFill>
+                  <a:srgbClr val="D5A239"/>
+                </a:solidFill>
+                <a:latin typeface="Times New Roman"/>
+              </a:rPr>
+              <a:t>Научные</a:t>
+            </a:r>
+            <a:r>
+              <a:rPr lang="ru-RU" sz="2900" dirty="0" smtClean="0"/>
+              <a:t> </a:t>
+            </a:r>
+            <a:r>
+              <a:rPr lang="ru-RU" sz="4400" b="1" spc="-1" dirty="0" smtClean="0">
+                <a:solidFill>
+                  <a:srgbClr val="D5A239"/>
+                </a:solidFill>
+                <a:latin typeface="Times New Roman"/>
+              </a:rPr>
+              <a:t>труды</a:t>
+            </a:r>
           </a:p>
         </p:txBody>
       </p:sp>
@@ -3483,115 +4133,235 @@
         </p:nvSpPr>
         <p:spPr>
           <a:xfrm>
-            <a:off x="457200" y="642918"/>
-            <a:ext cx="3008313" cy="5483245"/>
+            <a:off x="457200" y="785794"/>
+            <a:ext cx="3829048" cy="5340369"/>
           </a:xfrm>
         </p:spPr>
         <p:txBody>
           <a:bodyPr>
-            <a:normAutofit/>
+            <a:normAutofit lnSpcReduction="10000"/>
           </a:bodyPr>
           <a:lstStyle/>
           <a:p>
             <a:r>
-              <a:rPr lang="ru-RU" dirty="0"/>
-              <a:t>За свою жизнь </a:t>
-            </a:r>
-            <a:r>
-              <a:rPr lang="ru-RU" dirty="0" err="1"/>
-              <a:t>Хантингтон</a:t>
-            </a:r>
-            <a:r>
-              <a:rPr lang="ru-RU" dirty="0"/>
-              <a:t> поучаствовал в работе в общей сложности над 17 книгами, часть из которых он написал сам, а часть - в соавторстве с другими учеными</a:t>
-            </a:r>
-            <a:r>
-              <a:rPr lang="ru-RU" dirty="0" smtClean="0"/>
+              <a:rPr lang="ru-RU" dirty="0">
+                <a:solidFill>
+                  <a:schemeClr val="accent1">
+                    <a:lumMod val="60000"/>
+                    <a:lumOff val="40000"/>
+                  </a:schemeClr>
+                </a:solidFill>
+                <a:latin typeface="Times New Roman" pitchFamily="18" charset="0"/>
+                <a:cs typeface="Times New Roman" pitchFamily="18" charset="0"/>
+              </a:rPr>
+              <a:t>За свою жизнь Хантингтон поучаствовал в работе в общей сложности над 17 книгами, часть из которых он написал сам, а часть - в соавторстве с другими учеными</a:t>
+            </a:r>
+            <a:r>
+              <a:rPr lang="ru-RU" dirty="0" smtClean="0">
+                <a:solidFill>
+                  <a:schemeClr val="accent1">
+                    <a:lumMod val="60000"/>
+                    <a:lumOff val="40000"/>
+                  </a:schemeClr>
+                </a:solidFill>
+                <a:latin typeface="Times New Roman" pitchFamily="18" charset="0"/>
+                <a:cs typeface="Times New Roman" pitchFamily="18" charset="0"/>
+              </a:rPr>
               <a:t>.</a:t>
             </a:r>
           </a:p>
           <a:p>
             <a:r>
-              <a:rPr lang="ru-RU" dirty="0" smtClean="0"/>
+              <a:rPr lang="ru-RU" dirty="0" smtClean="0">
+                <a:solidFill>
+                  <a:schemeClr val="accent1">
+                    <a:lumMod val="60000"/>
+                    <a:lumOff val="40000"/>
+                  </a:schemeClr>
+                </a:solidFill>
+                <a:latin typeface="Times New Roman" pitchFamily="18" charset="0"/>
+                <a:cs typeface="Times New Roman" pitchFamily="18" charset="0"/>
+              </a:rPr>
               <a:t>Среди них:</a:t>
             </a:r>
           </a:p>
           <a:p>
             <a:pPr lvl="0">
-              <a:buFont typeface="Arial" pitchFamily="34" charset="0"/>
-              <a:buChar char="•"/>
+              <a:buFont typeface="Wingdings" pitchFamily="2" charset="2"/>
+              <a:buChar char="Ø"/>
             </a:pPr>
             <a:r>
-              <a:rPr lang="ru-RU" dirty="0" smtClean="0"/>
+              <a:rPr lang="ru-RU" dirty="0" smtClean="0">
+                <a:solidFill>
+                  <a:schemeClr val="accent1">
+                    <a:lumMod val="60000"/>
+                    <a:lumOff val="40000"/>
+                  </a:schemeClr>
+                </a:solidFill>
+                <a:latin typeface="Times New Roman" pitchFamily="18" charset="0"/>
+                <a:cs typeface="Times New Roman" pitchFamily="18" charset="0"/>
+              </a:rPr>
               <a:t>«Солдат и государство: теория и политика гражданско-военных отношений» (1957);</a:t>
             </a:r>
           </a:p>
           <a:p>
             <a:pPr lvl="0">
-              <a:buFont typeface="Arial" pitchFamily="34" charset="0"/>
-              <a:buChar char="•"/>
+              <a:buFont typeface="Wingdings" pitchFamily="2" charset="2"/>
+              <a:buChar char="Ø"/>
             </a:pPr>
             <a:r>
-              <a:rPr lang="ru-RU" dirty="0" smtClean="0"/>
+              <a:rPr lang="ru-RU" dirty="0" smtClean="0">
+                <a:solidFill>
+                  <a:schemeClr val="accent1">
+                    <a:lumMod val="60000"/>
+                    <a:lumOff val="40000"/>
+                  </a:schemeClr>
+                </a:solidFill>
+                <a:latin typeface="Times New Roman" pitchFamily="18" charset="0"/>
+                <a:cs typeface="Times New Roman" pitchFamily="18" charset="0"/>
+              </a:rPr>
               <a:t>«Политический порядок в изменяющихся обществах» (1968);</a:t>
             </a:r>
           </a:p>
           <a:p>
             <a:pPr lvl="0">
-              <a:buFont typeface="Arial" pitchFamily="34" charset="0"/>
-              <a:buChar char="•"/>
+              <a:buFont typeface="Wingdings" pitchFamily="2" charset="2"/>
+              <a:buChar char="Ø"/>
             </a:pPr>
             <a:r>
-              <a:rPr lang="ru-RU" dirty="0" smtClean="0"/>
+              <a:rPr lang="ru-RU" dirty="0" smtClean="0">
+                <a:solidFill>
+                  <a:schemeClr val="accent1">
+                    <a:lumMod val="60000"/>
+                    <a:lumOff val="40000"/>
+                  </a:schemeClr>
+                </a:solidFill>
+                <a:latin typeface="Times New Roman" pitchFamily="18" charset="0"/>
+                <a:cs typeface="Times New Roman" pitchFamily="18" charset="0"/>
+              </a:rPr>
               <a:t>«Кризис демократии. Отчёт для Трёхсторонней комиссии об управляемости демократических систем» (1975)</a:t>
             </a:r>
           </a:p>
           <a:p>
             <a:pPr lvl="0">
-              <a:buFont typeface="Arial" pitchFamily="34" charset="0"/>
-              <a:buChar char="•"/>
+              <a:buFont typeface="Wingdings" pitchFamily="2" charset="2"/>
+              <a:buChar char="Ø"/>
             </a:pPr>
             <a:r>
-              <a:rPr lang="ru-RU" dirty="0" smtClean="0"/>
+              <a:rPr lang="ru-RU" dirty="0" smtClean="0">
+                <a:solidFill>
+                  <a:schemeClr val="accent1">
+                    <a:lumMod val="60000"/>
+                    <a:lumOff val="40000"/>
+                  </a:schemeClr>
+                </a:solidFill>
+                <a:latin typeface="Times New Roman" pitchFamily="18" charset="0"/>
+                <a:cs typeface="Times New Roman" pitchFamily="18" charset="0"/>
+              </a:rPr>
               <a:t>«Третья волна: Демократизация в конце XX столетия» (1991);</a:t>
             </a:r>
           </a:p>
           <a:p>
             <a:pPr lvl="0">
-              <a:buFont typeface="Arial" pitchFamily="34" charset="0"/>
-              <a:buChar char="•"/>
+              <a:buFont typeface="Wingdings" pitchFamily="2" charset="2"/>
+              <a:buChar char="Ø"/>
             </a:pPr>
             <a:r>
-              <a:rPr lang="ru-RU" dirty="0" smtClean="0"/>
+              <a:rPr lang="ru-RU" dirty="0" smtClean="0">
+                <a:solidFill>
+                  <a:schemeClr val="accent1">
+                    <a:lumMod val="60000"/>
+                    <a:lumOff val="40000"/>
+                  </a:schemeClr>
+                </a:solidFill>
+                <a:latin typeface="Times New Roman" pitchFamily="18" charset="0"/>
+                <a:cs typeface="Times New Roman" pitchFamily="18" charset="0"/>
+              </a:rPr>
               <a:t>«Столкновение цивилизаций» (1993);</a:t>
             </a:r>
           </a:p>
           <a:p>
             <a:pPr lvl="0">
-              <a:buFont typeface="Arial" pitchFamily="34" charset="0"/>
-              <a:buChar char="•"/>
+              <a:buFont typeface="Wingdings" pitchFamily="2" charset="2"/>
+              <a:buChar char="Ø"/>
             </a:pPr>
             <a:r>
-              <a:rPr lang="ru-RU" dirty="0" smtClean="0"/>
+              <a:rPr lang="ru-RU" dirty="0" smtClean="0">
+                <a:solidFill>
+                  <a:schemeClr val="accent1">
+                    <a:lumMod val="60000"/>
+                    <a:lumOff val="40000"/>
+                  </a:schemeClr>
+                </a:solidFill>
+                <a:latin typeface="Times New Roman" pitchFamily="18" charset="0"/>
+                <a:cs typeface="Times New Roman" pitchFamily="18" charset="0"/>
+              </a:rPr>
               <a:t>«Кто мы? Вызовы американской национальной идентичности» (2004).</a:t>
             </a:r>
           </a:p>
           <a:p>
-            <a:endParaRPr lang="ru-RU" dirty="0"/>
-          </a:p>
-        </p:txBody>
-      </p:sp>
+            <a:endParaRPr lang="ru-RU" dirty="0">
+              <a:solidFill>
+                <a:schemeClr val="accent1">
+                  <a:lumMod val="60000"/>
+                  <a:lumOff val="40000"/>
+                </a:schemeClr>
+              </a:solidFill>
+            </a:endParaRPr>
+          </a:p>
+        </p:txBody>
+      </p:sp>
+      <p:pic>
+        <p:nvPicPr>
+          <p:cNvPr id="6" name="Picture 2" descr="https://wenhui.whb.cn/u/cms/www/201809/221535597a09.jpg"/>
+          <p:cNvPicPr>
+            <a:picLocks noGrp="1" noChangeAspect="1" noChangeArrowheads="1"/>
+          </p:cNvPicPr>
+          <p:nvPr>
+            <p:ph idx="1"/>
+          </p:nvPr>
+        </p:nvPicPr>
+        <p:blipFill>
+          <a:blip r:embed="rId3"/>
+          <a:srcRect l="20723" t="10468" r="21137" b="11301"/>
+          <a:stretch>
+            <a:fillRect/>
+          </a:stretch>
+        </p:blipFill>
+        <p:spPr bwMode="auto">
+          <a:xfrm>
+            <a:off x="4500562" y="1500174"/>
+            <a:ext cx="4193150" cy="3857651"/>
+          </a:xfrm>
+          <a:prstGeom prst="rect">
+            <a:avLst/>
+          </a:prstGeom>
+          <a:noFill/>
+        </p:spPr>
+      </p:pic>
     </p:spTree>
   </p:cSld>
   <p:clrMapOvr>
-    <a:masterClrMapping/>
+    <a:overrideClrMapping bg1="lt1" tx1="dk1" bg2="lt2" tx2="dk2" accent1="accent1" accent2="accent2" accent3="accent3" accent4="accent4" accent5="accent5" accent6="accent6" hlink="hlink" folHlink="folHlink"/>
   </p:clrMapOvr>
+  <p:timing>
+    <p:tnLst>
+      <p:par>
+        <p:cTn id="1" dur="indefinite" restart="never" nodeType="tmRoot"/>
+      </p:par>
+    </p:tnLst>
+  </p:timing>
 </p:sld>
 </file>
 
 <file path=ppt/slides/slide4.xml><?xml version="1.0" encoding="utf-8"?>
 <p:sld xmlns:a="http://schemas.openxmlformats.org/drawingml/2006/main" xmlns:r="http://schemas.openxmlformats.org/officeDocument/2006/relationships" xmlns:p="http://schemas.openxmlformats.org/presentationml/2006/main">
   <p:cSld>
+    <p:bg>
+      <p:bgRef idx="1001">
+        <a:schemeClr val="bg1"/>
+      </p:bgRef>
+    </p:bg>
     <p:spTree>
       <p:nvGrpSpPr>
         <p:cNvPr id="1" name=""/>
@@ -3619,39 +4389,31 @@
         <p:spPr>
           <a:xfrm>
             <a:off x="457200" y="273050"/>
-            <a:ext cx="3008313" cy="369868"/>
+            <a:ext cx="8258204" cy="512744"/>
           </a:xfrm>
         </p:spPr>
         <p:txBody>
           <a:bodyPr>
-            <a:normAutofit fontScale="90000"/>
+            <a:noAutofit/>
           </a:bodyPr>
           <a:lstStyle/>
           <a:p>
-            <a:r>
-              <a:rPr lang="ru-RU" dirty="0" smtClean="0"/>
+            <a:pPr algn="ctr"/>
+            <a:r>
+              <a:rPr lang="ru-RU" sz="4000" b="1" spc="-1" dirty="0" smtClean="0">
+                <a:solidFill>
+                  <a:srgbClr val="D5A239"/>
+                </a:solidFill>
+                <a:latin typeface="Times New Roman"/>
+              </a:rPr>
               <a:t>Политические взгляды</a:t>
             </a:r>
-            <a:endParaRPr lang="ru-RU" dirty="0"/>
-          </a:p>
-        </p:txBody>
-      </p:sp>
-      <p:sp>
-        <p:nvSpPr>
-          <p:cNvPr id="3" name="Содержимое 2"/>
-          <p:cNvSpPr>
-            <a:spLocks noGrp="1"/>
-          </p:cNvSpPr>
-          <p:nvPr>
-            <p:ph idx="1"/>
-          </p:nvPr>
-        </p:nvSpPr>
-        <p:spPr/>
-        <p:txBody>
-          <a:bodyPr/>
-          <a:lstStyle/>
-          <a:p>
-            <a:endParaRPr lang="ru-RU"/>
+            <a:endParaRPr lang="ru-RU" sz="4000" b="1" spc="-1" dirty="0">
+              <a:solidFill>
+                <a:srgbClr val="D5A239"/>
+              </a:solidFill>
+              <a:latin typeface="Times New Roman"/>
+            </a:endParaRPr>
           </a:p>
         </p:txBody>
       </p:sp>
@@ -3667,75 +4429,97 @@
         </p:nvSpPr>
         <p:spPr>
           <a:xfrm>
-            <a:off x="457200" y="642918"/>
-            <a:ext cx="3008313" cy="5483245"/>
+            <a:off x="457200" y="1000108"/>
+            <a:ext cx="3543296" cy="5126055"/>
           </a:xfrm>
         </p:spPr>
         <p:txBody>
           <a:bodyPr>
-            <a:normAutofit/>
+            <a:normAutofit lnSpcReduction="10000"/>
           </a:bodyPr>
           <a:lstStyle/>
           <a:p>
             <a:r>
-              <a:rPr lang="ru-RU" dirty="0" err="1" smtClean="0"/>
-              <a:t>Хантингтон</a:t>
-            </a:r>
-            <a:r>
-              <a:rPr lang="ru-RU" dirty="0" smtClean="0"/>
-              <a:t> </a:t>
-            </a:r>
-            <a:r>
-              <a:rPr lang="ru-RU" dirty="0" smtClean="0"/>
-              <a:t>был человеком с националистическими </a:t>
-            </a:r>
-            <a:r>
-              <a:rPr lang="ru-RU" dirty="0" smtClean="0"/>
-              <a:t>взглядами. </a:t>
-            </a:r>
-            <a:r>
-              <a:rPr lang="ru-RU" dirty="0" smtClean="0"/>
-              <a:t>Он всегда придавал большое значение деятельности военных, большая часть его книг посвящена именно участию военных в обществе. Ему принадлежит идея, что необходимо разграничение полномочий между военными и гражданскими силами, чтобы не было проникновения одной силы в другую. </a:t>
-            </a:r>
-          </a:p>
-          <a:p>
-            <a:r>
-              <a:rPr lang="ru-RU" dirty="0" smtClean="0"/>
-              <a:t>Последняя его книга 2004 года посвящена теме </a:t>
-            </a:r>
-            <a:r>
-              <a:rPr lang="ru-RU" dirty="0" smtClean="0"/>
-              <a:t>иммиграции. </a:t>
-            </a:r>
-            <a:r>
-              <a:rPr lang="ru-RU" dirty="0" err="1" smtClean="0"/>
-              <a:t>Хантингтон</a:t>
-            </a:r>
-            <a:r>
-              <a:rPr lang="ru-RU" dirty="0" smtClean="0"/>
-              <a:t> считал </a:t>
-            </a:r>
-            <a:r>
-              <a:rPr lang="ru-RU" dirty="0" smtClean="0"/>
-              <a:t>нелегальную мексиканскую иммиграцию самой главной угрозой национальной безопасности Соединённых Штатов. </a:t>
-            </a:r>
-            <a:r>
-              <a:rPr lang="ru-RU" dirty="0" smtClean="0"/>
-              <a:t>Он </a:t>
-            </a:r>
-            <a:r>
-              <a:rPr lang="ru-RU" dirty="0" smtClean="0"/>
-              <a:t>считал, что либерализм ни в коем случае не подменяет защиту национальных интересов. Кроме того, он жёстко критиковал космополитические подходы в политике. </a:t>
-            </a:r>
-            <a:endParaRPr lang="ru-RU" dirty="0"/>
-          </a:p>
-        </p:txBody>
-      </p:sp>
+              <a:rPr lang="ru-RU" dirty="0" smtClean="0">
+                <a:solidFill>
+                  <a:schemeClr val="accent1">
+                    <a:lumMod val="60000"/>
+                    <a:lumOff val="40000"/>
+                  </a:schemeClr>
+                </a:solidFill>
+                <a:latin typeface="Times New Roman" pitchFamily="18" charset="0"/>
+                <a:cs typeface="Times New Roman" pitchFamily="18" charset="0"/>
+              </a:rPr>
+              <a:t>Хантингтон был человеком с националистическими взглядами. Он всегда придавал большое значение деятельности военных, большая часть его книг посвящена именно участию военных в обществе. Ему принадлежит идея, что необходимо разграничение полномочий между военными и гражданскими силами, чтобы не было проникновения одной силы в другую. </a:t>
+            </a:r>
+          </a:p>
+          <a:p>
+            <a:r>
+              <a:rPr lang="ru-RU" dirty="0" smtClean="0">
+                <a:solidFill>
+                  <a:schemeClr val="accent1">
+                    <a:lumMod val="60000"/>
+                    <a:lumOff val="40000"/>
+                  </a:schemeClr>
+                </a:solidFill>
+                <a:latin typeface="Times New Roman" pitchFamily="18" charset="0"/>
+                <a:cs typeface="Times New Roman" pitchFamily="18" charset="0"/>
+              </a:rPr>
+              <a:t>Последняя его книга 2004 года посвящена теме иммиграции. Хантингтон считал нелегальную мексиканскую иммиграцию самой главной угрозой национальной безопасности Соединённых Штатов. Он считал, что либерализм ни в коем случае не подменяет защиту национальных интересов. Кроме того, он жёстко критиковал космополитические подходы в политике. </a:t>
+            </a:r>
+            <a:endParaRPr lang="ru-RU" dirty="0">
+              <a:solidFill>
+                <a:schemeClr val="accent1">
+                  <a:lumMod val="60000"/>
+                  <a:lumOff val="40000"/>
+                </a:schemeClr>
+              </a:solidFill>
+              <a:latin typeface="Times New Roman" pitchFamily="18" charset="0"/>
+              <a:cs typeface="Times New Roman" pitchFamily="18" charset="0"/>
+            </a:endParaRPr>
+          </a:p>
+        </p:txBody>
+      </p:sp>
+      <p:pic>
+        <p:nvPicPr>
+          <p:cNvPr id="5" name="Picture 2" descr="https://upload.wikimedia.org/wikipedia/commons/b/b4/Samuel_P._Huntington_%282004_World_Economic_Forum%29.jpg"/>
+          <p:cNvPicPr>
+            <a:picLocks noGrp="1" noChangeAspect="1" noChangeArrowheads="1"/>
+          </p:cNvPicPr>
+          <p:nvPr>
+            <p:ph idx="1"/>
+          </p:nvPr>
+        </p:nvPicPr>
+        <p:blipFill>
+          <a:blip r:embed="rId3" cstate="print"/>
+          <a:srcRect/>
+          <a:stretch>
+            <a:fillRect/>
+          </a:stretch>
+        </p:blipFill>
+        <p:spPr bwMode="auto">
+          <a:xfrm>
+            <a:off x="4000496" y="1785926"/>
+            <a:ext cx="4857529" cy="3420604"/>
+          </a:xfrm>
+          <a:prstGeom prst="rect">
+            <a:avLst/>
+          </a:prstGeom>
+          <a:noFill/>
+        </p:spPr>
+      </p:pic>
     </p:spTree>
   </p:cSld>
   <p:clrMapOvr>
-    <a:masterClrMapping/>
+    <a:overrideClrMapping bg1="lt1" tx1="dk1" bg2="lt2" tx2="dk2" accent1="accent1" accent2="accent2" accent3="accent3" accent4="accent4" accent5="accent5" accent6="accent6" hlink="hlink" folHlink="folHlink"/>
   </p:clrMapOvr>
+  <p:timing>
+    <p:tnLst>
+      <p:par>
+        <p:cTn id="1" dur="indefinite" restart="never" nodeType="tmRoot"/>
+      </p:par>
+    </p:tnLst>
+  </p:timing>
 </p:sld>
 </file>
 
@@ -3769,7 +4553,7 @@
         <p:spPr>
           <a:xfrm>
             <a:off x="457200" y="273050"/>
-            <a:ext cx="3008313" cy="369868"/>
+            <a:ext cx="8472518" cy="512744"/>
           </a:xfrm>
         </p:spPr>
         <p:txBody>
@@ -3778,34 +4562,35 @@
           </a:bodyPr>
           <a:lstStyle/>
           <a:p>
-            <a:r>
-              <a:rPr lang="ru-RU" dirty="0" err="1" smtClean="0"/>
+            <a:pPr algn="ctr"/>
+            <a:r>
+              <a:rPr lang="ru-RU" sz="4400" b="1" spc="-1" dirty="0" smtClean="0">
+                <a:solidFill>
+                  <a:srgbClr val="D5A239"/>
+                </a:solidFill>
+                <a:latin typeface="Times New Roman"/>
+              </a:rPr>
               <a:t>Цивилизационная</a:t>
             </a:r>
             <a:r>
               <a:rPr lang="ru-RU" dirty="0" smtClean="0"/>
-              <a:t> теория</a:t>
-            </a:r>
-            <a:endParaRPr lang="ru-RU" dirty="0"/>
-          </a:p>
-        </p:txBody>
-      </p:sp>
-      <p:sp>
-        <p:nvSpPr>
-          <p:cNvPr id="3" name="Содержимое 2"/>
-          <p:cNvSpPr>
-            <a:spLocks noGrp="1"/>
-          </p:cNvSpPr>
-          <p:nvPr>
-            <p:ph idx="1"/>
-          </p:nvPr>
-        </p:nvSpPr>
-        <p:spPr/>
-        <p:txBody>
-          <a:bodyPr/>
-          <a:lstStyle/>
-          <a:p>
-            <a:endParaRPr lang="ru-RU"/>
+              <a:t> </a:t>
+            </a:r>
+            <a:r>
+              <a:rPr lang="ru-RU" sz="4400" b="1" spc="-1" dirty="0" smtClean="0">
+                <a:solidFill>
+                  <a:srgbClr val="D5A239"/>
+                </a:solidFill>
+                <a:latin typeface="Times New Roman"/>
+              </a:rPr>
+              <a:t>теория</a:t>
+            </a:r>
+            <a:endParaRPr lang="ru-RU" sz="4400" b="1" spc="-1" dirty="0">
+              <a:solidFill>
+                <a:srgbClr val="D5A239"/>
+              </a:solidFill>
+              <a:latin typeface="Times New Roman"/>
+            </a:endParaRPr>
           </a:p>
         </p:txBody>
       </p:sp>
@@ -3821,8 +4606,8 @@
         </p:nvSpPr>
         <p:spPr>
           <a:xfrm>
-            <a:off x="457200" y="642918"/>
-            <a:ext cx="3008313" cy="5483245"/>
+            <a:off x="457200" y="1000108"/>
+            <a:ext cx="3543296" cy="5126055"/>
           </a:xfrm>
         </p:spPr>
         <p:txBody>
@@ -3832,76 +4617,112 @@
           <a:lstStyle/>
           <a:p>
             <a:r>
-              <a:rPr lang="ru-RU" dirty="0" smtClean="0"/>
-              <a:t>Широкую известность ему принесла разработанная им теория «столкновения цивилизаций» </a:t>
-            </a:r>
-            <a:r>
-              <a:rPr lang="ru-RU" dirty="0" smtClean="0"/>
-              <a:t>. </a:t>
-            </a:r>
-            <a:r>
-              <a:rPr lang="ru-RU" dirty="0" smtClean="0"/>
-              <a:t>О</a:t>
-            </a:r>
-            <a:r>
-              <a:rPr lang="ru-RU" dirty="0" smtClean="0"/>
-              <a:t>н </a:t>
-            </a:r>
-            <a:r>
-              <a:rPr lang="ru-RU" dirty="0" smtClean="0"/>
-              <a:t>сделал и обосновал предположение о том, что главной движущей силой современной истории является конкуренция цивилизаций – общностей, объединённых культурой и религией</a:t>
-            </a:r>
-            <a:r>
-              <a:rPr lang="ru-RU" dirty="0" smtClean="0"/>
-              <a:t>.</a:t>
-            </a:r>
-          </a:p>
-          <a:p>
-            <a:r>
-              <a:rPr lang="ru-RU" dirty="0" smtClean="0"/>
-              <a:t>По мнению </a:t>
-            </a:r>
-            <a:r>
-              <a:rPr lang="ru-RU" dirty="0" err="1" smtClean="0"/>
-              <a:t>Хантингтона</a:t>
-            </a:r>
-            <a:r>
-              <a:rPr lang="ru-RU" dirty="0" smtClean="0"/>
-              <a:t>, </a:t>
-            </a:r>
-            <a:r>
-              <a:rPr lang="ru-RU" dirty="0" smtClean="0"/>
-              <a:t>единственное реальное различие, оставшееся между народами после завершения </a:t>
-            </a:r>
-            <a:r>
-              <a:rPr lang="ru-RU" u="sng" dirty="0" smtClean="0"/>
-              <a:t>холодной войны</a:t>
-            </a:r>
-            <a:r>
-              <a:rPr lang="ru-RU" dirty="0" smtClean="0"/>
-              <a:t>, — культурная </a:t>
-            </a:r>
-            <a:r>
-              <a:rPr lang="ru-RU" dirty="0" smtClean="0"/>
-              <a:t>принадлежность. </a:t>
-            </a:r>
-            <a:r>
-              <a:rPr lang="ru-RU" dirty="0" err="1" smtClean="0"/>
-              <a:t>Хантингтон</a:t>
-            </a:r>
-            <a:r>
-              <a:rPr lang="ru-RU" dirty="0" smtClean="0"/>
-              <a:t> высказал мнение о неизбежности в недалёком будущем противостояния между исламским и западным мирами, которое будет напоминать советско-американское противоборство во времена холодной войны.</a:t>
-            </a:r>
-            <a:endParaRPr lang="ru-RU" dirty="0"/>
-          </a:p>
-        </p:txBody>
-      </p:sp>
+              <a:rPr lang="ru-RU" dirty="0" smtClean="0">
+                <a:solidFill>
+                  <a:schemeClr val="accent1">
+                    <a:lumMod val="60000"/>
+                    <a:lumOff val="40000"/>
+                  </a:schemeClr>
+                </a:solidFill>
+                <a:latin typeface="Times New Roman" pitchFamily="18" charset="0"/>
+                <a:cs typeface="Times New Roman" pitchFamily="18" charset="0"/>
+              </a:rPr>
+              <a:t>Широкую известность ему принесла разработанная им теория «столкновения цивилизаций» . Он сделал и обосновал предположение о том, что главной движущей силой современной истории является конкуренция цивилизаций – общностей, объединённых культурой и религией.</a:t>
+            </a:r>
+          </a:p>
+          <a:p>
+            <a:r>
+              <a:rPr lang="ru-RU" dirty="0" smtClean="0">
+                <a:solidFill>
+                  <a:schemeClr val="accent1">
+                    <a:lumMod val="60000"/>
+                    <a:lumOff val="40000"/>
+                  </a:schemeClr>
+                </a:solidFill>
+                <a:latin typeface="Times New Roman" pitchFamily="18" charset="0"/>
+                <a:cs typeface="Times New Roman" pitchFamily="18" charset="0"/>
+              </a:rPr>
+              <a:t>По мнению Хантингтона, единственное реальное различие, оставшееся между народами после завершения</a:t>
+            </a:r>
+            <a:r>
+              <a:rPr lang="ru-RU" u="sng" dirty="0" smtClean="0">
+                <a:solidFill>
+                  <a:schemeClr val="accent1">
+                    <a:lumMod val="60000"/>
+                    <a:lumOff val="40000"/>
+                  </a:schemeClr>
+                </a:solidFill>
+                <a:latin typeface="Times New Roman" pitchFamily="18" charset="0"/>
+                <a:cs typeface="Times New Roman" pitchFamily="18" charset="0"/>
+              </a:rPr>
+              <a:t> </a:t>
+            </a:r>
+            <a:r>
+              <a:rPr lang="ru-RU" dirty="0" smtClean="0">
+                <a:solidFill>
+                  <a:schemeClr val="accent1">
+                    <a:lumMod val="60000"/>
+                    <a:lumOff val="40000"/>
+                  </a:schemeClr>
+                </a:solidFill>
+                <a:latin typeface="Times New Roman" pitchFamily="18" charset="0"/>
+                <a:cs typeface="Times New Roman" pitchFamily="18" charset="0"/>
+              </a:rPr>
+              <a:t>холодной войны, — культурная принадлежность. Хантингтон высказал мнение о неизбежности в недалёком будущем противостояния между исламским и западным мирами, которое будет напоминать советско-американское противоборство во времена холодной войны.</a:t>
+            </a:r>
+            <a:endParaRPr lang="ru-RU" dirty="0">
+              <a:solidFill>
+                <a:schemeClr val="accent1">
+                  <a:lumMod val="60000"/>
+                  <a:lumOff val="40000"/>
+                </a:schemeClr>
+              </a:solidFill>
+              <a:latin typeface="Times New Roman" pitchFamily="18" charset="0"/>
+              <a:cs typeface="Times New Roman" pitchFamily="18" charset="0"/>
+            </a:endParaRPr>
+          </a:p>
+        </p:txBody>
+      </p:sp>
+      <p:pic>
+        <p:nvPicPr>
+          <p:cNvPr id="6" name="Picture 2" descr="Picture background"/>
+          <p:cNvPicPr>
+            <a:picLocks noGrp="1" noChangeAspect="1" noChangeArrowheads="1"/>
+          </p:cNvPicPr>
+          <p:nvPr>
+            <p:ph idx="1"/>
+          </p:nvPr>
+        </p:nvPicPr>
+        <p:blipFill>
+          <a:blip r:embed="rId2"/>
+          <a:srcRect/>
+          <a:stretch>
+            <a:fillRect/>
+          </a:stretch>
+        </p:blipFill>
+        <p:spPr bwMode="auto">
+          <a:xfrm>
+            <a:off x="3929058" y="1857364"/>
+            <a:ext cx="5022131" cy="2923996"/>
+          </a:xfrm>
+          <a:prstGeom prst="rect">
+            <a:avLst/>
+          </a:prstGeom>
+          <a:noFill/>
+        </p:spPr>
+      </p:pic>
     </p:spTree>
   </p:cSld>
   <p:clrMapOvr>
     <a:masterClrMapping/>
   </p:clrMapOvr>
+  <p:timing>
+    <p:tnLst>
+      <p:par>
+        <p:cTn id="1" dur="indefinite" restart="never" nodeType="tmRoot"/>
+      </p:par>
+    </p:tnLst>
+  </p:timing>
 </p:sld>
 </file>
 
@@ -3934,18 +4755,23 @@
         </p:nvSpPr>
         <p:spPr>
           <a:xfrm>
-            <a:off x="457200" y="273050"/>
-            <a:ext cx="3008313" cy="369868"/>
+            <a:off x="428596" y="500042"/>
+            <a:ext cx="3686172" cy="1298562"/>
           </a:xfrm>
         </p:spPr>
         <p:txBody>
           <a:bodyPr>
-            <a:normAutofit fontScale="90000"/>
+            <a:noAutofit/>
           </a:bodyPr>
           <a:lstStyle/>
           <a:p>
             <a:r>
-              <a:rPr lang="ru-RU" dirty="0" smtClean="0"/>
+              <a:rPr lang="ru-RU" sz="4000" b="1" spc="-1" dirty="0" smtClean="0">
+                <a:solidFill>
+                  <a:srgbClr val="D5A239"/>
+                </a:solidFill>
+                <a:latin typeface="Times New Roman"/>
+              </a:rPr>
               <a:t>Выделяемые цивилизации:</a:t>
             </a:r>
           </a:p>
@@ -3959,70 +4785,155 @@
           </p:cNvSpPr>
           <p:nvPr>
             <p:ph idx="1"/>
-          </p:nvPr>
-        </p:nvSpPr>
-        <p:spPr/>
-        <p:txBody>
-          <a:bodyPr/>
-          <a:lstStyle/>
-          <a:p>
-            <a:pPr>
-              <a:buNone/>
-            </a:pPr>
-            <a:r>
-              <a:rPr lang="ru-RU" dirty="0" smtClean="0"/>
-              <a:t>Специфические черты теории:</a:t>
-            </a:r>
-          </a:p>
-          <a:p>
-            <a:r>
-              <a:rPr lang="ru-RU" dirty="0" smtClean="0"/>
-              <a:t>Высокая доля </a:t>
-            </a:r>
-            <a:r>
-              <a:rPr lang="ru-RU" dirty="0" err="1" smtClean="0"/>
-              <a:t>западоцентризма</a:t>
-            </a:r>
-            <a:endParaRPr lang="ru-RU" dirty="0" smtClean="0"/>
-          </a:p>
-          <a:p>
-            <a:r>
-              <a:rPr lang="ru-RU" dirty="0" smtClean="0"/>
-              <a:t>Цивилизации не всегда были главными действующими субъектами исторического процесса.</a:t>
-            </a:r>
-          </a:p>
-          <a:p>
-            <a:r>
-              <a:rPr lang="ru-RU" dirty="0" smtClean="0"/>
-              <a:t>Различие</a:t>
-            </a:r>
-            <a:r>
-              <a:rPr lang="ru-RU" dirty="0" smtClean="0"/>
-              <a:t> цивилизаций по прогрессивности</a:t>
-            </a:r>
-            <a:endParaRPr lang="ru-RU" dirty="0"/>
-          </a:p>
-        </p:txBody>
-      </p:sp>
-      <p:sp>
-        <p:nvSpPr>
-          <p:cNvPr id="4" name="Текст 3"/>
-          <p:cNvSpPr>
-            <a:spLocks noGrp="1"/>
-          </p:cNvSpPr>
-          <p:nvPr>
-            <p:ph type="body" sz="half" idx="2"/>
           </p:nvPr>
         </p:nvSpPr>
         <p:spPr>
           <a:xfrm>
-            <a:off x="457200" y="642918"/>
-            <a:ext cx="3008313" cy="5483245"/>
+            <a:off x="4357686" y="571480"/>
+            <a:ext cx="4486274" cy="5643602"/>
           </a:xfrm>
         </p:spPr>
         <p:txBody>
           <a:bodyPr>
             <a:normAutofit/>
+          </a:bodyPr>
+          <a:lstStyle/>
+          <a:p>
+            <a:pPr>
+              <a:buNone/>
+            </a:pPr>
+            <a:r>
+              <a:rPr lang="ru-RU" sz="4300" b="1" spc="-1" dirty="0" smtClean="0">
+                <a:solidFill>
+                  <a:srgbClr val="D5A239"/>
+                </a:solidFill>
+                <a:latin typeface="Times New Roman"/>
+                <a:ea typeface="+mj-ea"/>
+                <a:cs typeface="+mj-cs"/>
+              </a:rPr>
+              <a:t>Специфические черты теории</a:t>
+            </a:r>
+            <a:r>
+              <a:rPr lang="ru-RU" sz="4300" b="1" spc="-1" dirty="0" smtClean="0">
+                <a:solidFill>
+                  <a:srgbClr val="D5A239"/>
+                </a:solidFill>
+                <a:latin typeface="Times New Roman"/>
+                <a:ea typeface="+mj-ea"/>
+                <a:cs typeface="+mj-cs"/>
+              </a:rPr>
+              <a:t>:</a:t>
+            </a:r>
+            <a:endParaRPr lang="ru-RU" sz="2200" dirty="0" smtClean="0">
+              <a:solidFill>
+                <a:schemeClr val="accent1">
+                  <a:lumMod val="60000"/>
+                  <a:lumOff val="40000"/>
+                </a:schemeClr>
+              </a:solidFill>
+            </a:endParaRPr>
+          </a:p>
+          <a:p>
+            <a:pPr>
+              <a:buFont typeface="Wingdings" pitchFamily="2" charset="2"/>
+              <a:buChar char="Ø"/>
+            </a:pPr>
+            <a:r>
+              <a:rPr lang="ru-RU" sz="2400" dirty="0" smtClean="0">
+                <a:solidFill>
+                  <a:schemeClr val="accent1">
+                    <a:lumMod val="60000"/>
+                    <a:lumOff val="40000"/>
+                  </a:schemeClr>
+                </a:solidFill>
+                <a:latin typeface="Times New Roman" pitchFamily="18" charset="0"/>
+                <a:cs typeface="Times New Roman" pitchFamily="18" charset="0"/>
+              </a:rPr>
+              <a:t>Высокая </a:t>
+            </a:r>
+            <a:r>
+              <a:rPr lang="ru-RU" sz="2400" dirty="0" smtClean="0">
+                <a:solidFill>
+                  <a:schemeClr val="accent1">
+                    <a:lumMod val="60000"/>
+                    <a:lumOff val="40000"/>
+                  </a:schemeClr>
+                </a:solidFill>
+                <a:latin typeface="Times New Roman" pitchFamily="18" charset="0"/>
+                <a:cs typeface="Times New Roman" pitchFamily="18" charset="0"/>
+              </a:rPr>
+              <a:t>доля западоцентризма</a:t>
+            </a:r>
+          </a:p>
+          <a:p>
+            <a:pPr>
+              <a:buFont typeface="Wingdings" pitchFamily="2" charset="2"/>
+              <a:buChar char="Ø"/>
+            </a:pPr>
+            <a:r>
+              <a:rPr lang="ru-RU" sz="2400" dirty="0" smtClean="0">
+                <a:solidFill>
+                  <a:schemeClr val="accent1">
+                    <a:lumMod val="60000"/>
+                    <a:lumOff val="40000"/>
+                  </a:schemeClr>
+                </a:solidFill>
+                <a:latin typeface="Times New Roman" pitchFamily="18" charset="0"/>
+                <a:cs typeface="Times New Roman" pitchFamily="18" charset="0"/>
+              </a:rPr>
+              <a:t>Цивилизации не всегда были главными действующими субъектами исторического процесса.</a:t>
+            </a:r>
+          </a:p>
+          <a:p>
+            <a:pPr>
+              <a:buFont typeface="Wingdings" pitchFamily="2" charset="2"/>
+              <a:buChar char="Ø"/>
+            </a:pPr>
+            <a:r>
+              <a:rPr lang="ru-RU" sz="2400" dirty="0" smtClean="0">
+                <a:solidFill>
+                  <a:schemeClr val="accent1">
+                    <a:lumMod val="60000"/>
+                    <a:lumOff val="40000"/>
+                  </a:schemeClr>
+                </a:solidFill>
+                <a:latin typeface="Times New Roman" pitchFamily="18" charset="0"/>
+                <a:cs typeface="Times New Roman" pitchFamily="18" charset="0"/>
+              </a:rPr>
+              <a:t>Различие цивилизаций по прогрессивности</a:t>
+            </a:r>
+            <a:endParaRPr lang="ru-RU" sz="2400" dirty="0">
+              <a:solidFill>
+                <a:schemeClr val="accent1">
+                  <a:lumMod val="60000"/>
+                  <a:lumOff val="40000"/>
+                </a:schemeClr>
+              </a:solidFill>
+              <a:latin typeface="Times New Roman" pitchFamily="18" charset="0"/>
+              <a:cs typeface="Times New Roman" pitchFamily="18" charset="0"/>
+            </a:endParaRPr>
+          </a:p>
+        </p:txBody>
+      </p:sp>
+      <p:sp>
+        <p:nvSpPr>
+          <p:cNvPr id="4" name="Текст 3"/>
+          <p:cNvSpPr>
+            <a:spLocks noGrp="1"/>
+          </p:cNvSpPr>
+          <p:nvPr>
+            <p:ph type="body" sz="half" idx="2"/>
+          </p:nvPr>
+        </p:nvSpPr>
+        <p:spPr>
+          <a:xfrm>
+            <a:off x="457200" y="1714488"/>
+            <a:ext cx="3543296" cy="4411675"/>
+          </a:xfrm>
+        </p:spPr>
+        <p:txBody>
+          <a:bodyPr>
+            <a:normAutofit fontScale="25000" lnSpcReduction="20000"/>
           </a:bodyPr>
           <a:lstStyle/>
           <a:p>
@@ -4030,95 +4941,262 @@
               <a:buFont typeface="Arial" pitchFamily="34" charset="0"/>
               <a:buChar char="•"/>
             </a:pPr>
-            <a:r>
-              <a:rPr lang="ru-RU" dirty="0" smtClean="0"/>
-              <a:t>Западная цивилизация</a:t>
-            </a:r>
-            <a:endParaRPr lang="ru-RU" dirty="0" smtClean="0"/>
+            <a:endParaRPr lang="ru-RU" sz="2600" dirty="0" smtClean="0">
+              <a:solidFill>
+                <a:schemeClr val="accent1">
+                  <a:lumMod val="60000"/>
+                  <a:lumOff val="40000"/>
+                </a:schemeClr>
+              </a:solidFill>
+            </a:endParaRPr>
           </a:p>
           <a:p>
             <a:pPr marL="342900" indent="-342900">
-              <a:buFont typeface="Arial" pitchFamily="34" charset="0"/>
-              <a:buChar char="•"/>
+              <a:buFont typeface="Wingdings" pitchFamily="2" charset="2"/>
+              <a:buChar char="Ø"/>
             </a:pPr>
             <a:r>
-              <a:rPr lang="ru-RU" dirty="0" smtClean="0"/>
-              <a:t>Индуистская цивилизация</a:t>
-            </a:r>
-            <a:endParaRPr lang="ru-RU" dirty="0" smtClean="0"/>
+              <a:rPr lang="ru-RU" sz="9600" dirty="0" smtClean="0">
+                <a:solidFill>
+                  <a:schemeClr val="accent1">
+                    <a:lumMod val="60000"/>
+                    <a:lumOff val="40000"/>
+                  </a:schemeClr>
+                </a:solidFill>
+                <a:latin typeface="Times New Roman" pitchFamily="18" charset="0"/>
+                <a:cs typeface="Times New Roman" pitchFamily="18" charset="0"/>
+              </a:rPr>
+              <a:t>Западная</a:t>
+            </a:r>
+            <a:endParaRPr lang="ru-RU" sz="9600" dirty="0" smtClean="0">
+              <a:solidFill>
+                <a:schemeClr val="accent1">
+                  <a:lumMod val="60000"/>
+                  <a:lumOff val="40000"/>
+                </a:schemeClr>
+              </a:solidFill>
+              <a:latin typeface="Times New Roman" pitchFamily="18" charset="0"/>
+              <a:cs typeface="Times New Roman" pitchFamily="18" charset="0"/>
+            </a:endParaRPr>
           </a:p>
           <a:p>
             <a:pPr marL="342900" indent="-342900">
-              <a:buFont typeface="Arial" pitchFamily="34" charset="0"/>
-              <a:buChar char="•"/>
+              <a:buFont typeface="Wingdings" pitchFamily="2" charset="2"/>
+              <a:buChar char="Ø"/>
             </a:pPr>
             <a:r>
-              <a:rPr lang="ru-RU" dirty="0" smtClean="0"/>
-              <a:t>Исламская цивилизация</a:t>
-            </a:r>
-            <a:endParaRPr lang="ru-RU" dirty="0" smtClean="0"/>
+              <a:rPr lang="ru-RU" sz="9600" dirty="0" smtClean="0">
+                <a:solidFill>
+                  <a:schemeClr val="accent1">
+                    <a:lumMod val="60000"/>
+                    <a:lumOff val="40000"/>
+                  </a:schemeClr>
+                </a:solidFill>
+                <a:latin typeface="Times New Roman" pitchFamily="18" charset="0"/>
+                <a:cs typeface="Times New Roman" pitchFamily="18" charset="0"/>
+              </a:rPr>
+              <a:t>Индуистская</a:t>
+            </a:r>
+            <a:endParaRPr lang="ru-RU" sz="9600" dirty="0" smtClean="0">
+              <a:solidFill>
+                <a:schemeClr val="accent1">
+                  <a:lumMod val="60000"/>
+                  <a:lumOff val="40000"/>
+                </a:schemeClr>
+              </a:solidFill>
+              <a:latin typeface="Times New Roman" pitchFamily="18" charset="0"/>
+              <a:cs typeface="Times New Roman" pitchFamily="18" charset="0"/>
+            </a:endParaRPr>
           </a:p>
           <a:p>
             <a:pPr marL="342900" indent="-342900">
-              <a:buFont typeface="Arial" pitchFamily="34" charset="0"/>
-              <a:buChar char="•"/>
+              <a:buFont typeface="Wingdings" pitchFamily="2" charset="2"/>
+              <a:buChar char="Ø"/>
             </a:pPr>
             <a:r>
-              <a:rPr lang="ru-RU" dirty="0" smtClean="0"/>
-              <a:t>Конфуцианская цивилизация</a:t>
-            </a:r>
-            <a:endParaRPr lang="ru-RU" dirty="0" smtClean="0"/>
+              <a:rPr lang="ru-RU" sz="9600" dirty="0" smtClean="0">
+                <a:solidFill>
+                  <a:schemeClr val="accent1">
+                    <a:lumMod val="60000"/>
+                    <a:lumOff val="40000"/>
+                  </a:schemeClr>
+                </a:solidFill>
+                <a:latin typeface="Times New Roman" pitchFamily="18" charset="0"/>
+                <a:cs typeface="Times New Roman" pitchFamily="18" charset="0"/>
+              </a:rPr>
+              <a:t>Исламская</a:t>
+            </a:r>
+            <a:endParaRPr lang="ru-RU" sz="9600" dirty="0" smtClean="0">
+              <a:solidFill>
+                <a:schemeClr val="accent1">
+                  <a:lumMod val="60000"/>
+                  <a:lumOff val="40000"/>
+                </a:schemeClr>
+              </a:solidFill>
+              <a:latin typeface="Times New Roman" pitchFamily="18" charset="0"/>
+              <a:cs typeface="Times New Roman" pitchFamily="18" charset="0"/>
+            </a:endParaRPr>
           </a:p>
           <a:p>
             <a:pPr marL="342900" indent="-342900">
-              <a:buFont typeface="Arial" pitchFamily="34" charset="0"/>
-              <a:buChar char="•"/>
+              <a:buFont typeface="Wingdings" pitchFamily="2" charset="2"/>
+              <a:buChar char="Ø"/>
             </a:pPr>
             <a:r>
-              <a:rPr lang="ru-RU" dirty="0" err="1" smtClean="0"/>
+              <a:rPr lang="ru-RU" sz="9600" dirty="0" smtClean="0">
+                <a:solidFill>
+                  <a:schemeClr val="accent1">
+                    <a:lumMod val="60000"/>
+                    <a:lumOff val="40000"/>
+                  </a:schemeClr>
+                </a:solidFill>
+                <a:latin typeface="Times New Roman" pitchFamily="18" charset="0"/>
+                <a:cs typeface="Times New Roman" pitchFamily="18" charset="0"/>
+              </a:rPr>
+              <a:t>Конфуцианская</a:t>
+            </a:r>
+            <a:endParaRPr lang="ru-RU" sz="9600" dirty="0" smtClean="0">
+              <a:solidFill>
+                <a:schemeClr val="accent1">
+                  <a:lumMod val="60000"/>
+                  <a:lumOff val="40000"/>
+                </a:schemeClr>
+              </a:solidFill>
+              <a:latin typeface="Times New Roman" pitchFamily="18" charset="0"/>
+              <a:cs typeface="Times New Roman" pitchFamily="18" charset="0"/>
+            </a:endParaRPr>
+          </a:p>
+          <a:p>
+            <a:pPr marL="342900" indent="-342900">
+              <a:buFont typeface="Wingdings" pitchFamily="2" charset="2"/>
+              <a:buChar char="Ø"/>
+            </a:pPr>
+            <a:r>
+              <a:rPr lang="ru-RU" sz="9600" dirty="0" smtClean="0">
+                <a:solidFill>
+                  <a:schemeClr val="accent1">
+                    <a:lumMod val="60000"/>
+                    <a:lumOff val="40000"/>
+                  </a:schemeClr>
+                </a:solidFill>
+                <a:latin typeface="Times New Roman" pitchFamily="18" charset="0"/>
+                <a:cs typeface="Times New Roman" pitchFamily="18" charset="0"/>
+              </a:rPr>
               <a:t>Латино-американская</a:t>
             </a:r>
-            <a:r>
-              <a:rPr lang="ru-RU" dirty="0" smtClean="0"/>
-              <a:t> цивилизация</a:t>
-            </a:r>
-            <a:endParaRPr lang="ru-RU" dirty="0" smtClean="0"/>
+            <a:endParaRPr lang="ru-RU" sz="9600" dirty="0" smtClean="0">
+              <a:solidFill>
+                <a:schemeClr val="accent1">
+                  <a:lumMod val="60000"/>
+                  <a:lumOff val="40000"/>
+                </a:schemeClr>
+              </a:solidFill>
+              <a:latin typeface="Times New Roman" pitchFamily="18" charset="0"/>
+              <a:cs typeface="Times New Roman" pitchFamily="18" charset="0"/>
+            </a:endParaRPr>
           </a:p>
           <a:p>
             <a:pPr marL="342900" indent="-342900">
-              <a:buFont typeface="Arial" pitchFamily="34" charset="0"/>
-              <a:buChar char="•"/>
+              <a:buFont typeface="Wingdings" pitchFamily="2" charset="2"/>
+              <a:buChar char="Ø"/>
             </a:pPr>
             <a:r>
-              <a:rPr lang="ru-RU" dirty="0" smtClean="0"/>
-              <a:t>Православно-славянская цивилизация (к ней относится и Россия)</a:t>
-            </a:r>
-            <a:endParaRPr lang="ru-RU" dirty="0" smtClean="0"/>
+              <a:rPr lang="ru-RU" sz="9600" dirty="0" smtClean="0">
+                <a:solidFill>
+                  <a:schemeClr val="accent1">
+                    <a:lumMod val="60000"/>
+                    <a:lumOff val="40000"/>
+                  </a:schemeClr>
+                </a:solidFill>
+                <a:latin typeface="Times New Roman" pitchFamily="18" charset="0"/>
+                <a:cs typeface="Times New Roman" pitchFamily="18" charset="0"/>
+              </a:rPr>
+              <a:t>Православно-славянская </a:t>
+            </a:r>
+            <a:r>
+              <a:rPr lang="ru-RU" sz="9600" dirty="0" smtClean="0">
+                <a:solidFill>
+                  <a:schemeClr val="accent1">
+                    <a:lumMod val="60000"/>
+                    <a:lumOff val="40000"/>
+                  </a:schemeClr>
+                </a:solidFill>
+                <a:latin typeface="Times New Roman" pitchFamily="18" charset="0"/>
+                <a:cs typeface="Times New Roman" pitchFamily="18" charset="0"/>
+              </a:rPr>
+              <a:t>(</a:t>
+            </a:r>
+            <a:r>
+              <a:rPr lang="ru-RU" sz="9600" dirty="0" smtClean="0">
+                <a:solidFill>
+                  <a:schemeClr val="accent1">
+                    <a:lumMod val="60000"/>
+                    <a:lumOff val="40000"/>
+                  </a:schemeClr>
+                </a:solidFill>
+                <a:latin typeface="Times New Roman" pitchFamily="18" charset="0"/>
+                <a:cs typeface="Times New Roman" pitchFamily="18" charset="0"/>
+              </a:rPr>
+              <a:t>к ней относится и Россия)</a:t>
+            </a:r>
           </a:p>
           <a:p>
             <a:pPr marL="342900" indent="-342900">
-              <a:buFont typeface="Arial" pitchFamily="34" charset="0"/>
-              <a:buChar char="•"/>
+              <a:buFont typeface="Wingdings" pitchFamily="2" charset="2"/>
+              <a:buChar char="Ø"/>
             </a:pPr>
             <a:r>
-              <a:rPr lang="ru-RU" dirty="0" smtClean="0"/>
-              <a:t>Японская цивилизация</a:t>
-            </a:r>
-            <a:endParaRPr lang="ru-RU" dirty="0" smtClean="0"/>
+              <a:rPr lang="ru-RU" sz="9600" dirty="0" smtClean="0">
+                <a:solidFill>
+                  <a:schemeClr val="accent1">
+                    <a:lumMod val="60000"/>
+                    <a:lumOff val="40000"/>
+                  </a:schemeClr>
+                </a:solidFill>
+                <a:latin typeface="Times New Roman" pitchFamily="18" charset="0"/>
+                <a:cs typeface="Times New Roman" pitchFamily="18" charset="0"/>
+              </a:rPr>
+              <a:t>Японская </a:t>
+            </a:r>
           </a:p>
           <a:p>
             <a:pPr marL="342900" indent="-342900">
-              <a:buFont typeface="Arial" pitchFamily="34" charset="0"/>
-              <a:buChar char="•"/>
+              <a:buFont typeface="Wingdings" pitchFamily="2" charset="2"/>
+              <a:buChar char="Ø"/>
             </a:pPr>
             <a:r>
-              <a:rPr lang="ru-RU" dirty="0" smtClean="0"/>
-              <a:t>Африканская цивилизация</a:t>
-            </a:r>
-            <a:endParaRPr lang="ru-RU" dirty="0" smtClean="0"/>
-          </a:p>
-          <a:p>
-            <a:endParaRPr lang="ru-RU" dirty="0"/>
+              <a:rPr lang="ru-RU" sz="9600" dirty="0" smtClean="0">
+                <a:solidFill>
+                  <a:schemeClr val="accent1">
+                    <a:lumMod val="60000"/>
+                    <a:lumOff val="40000"/>
+                  </a:schemeClr>
+                </a:solidFill>
+                <a:latin typeface="Times New Roman" pitchFamily="18" charset="0"/>
+                <a:cs typeface="Times New Roman" pitchFamily="18" charset="0"/>
+              </a:rPr>
+              <a:t>Африканская</a:t>
+            </a:r>
+            <a:endParaRPr lang="ru-RU" sz="9600" dirty="0" smtClean="0">
+              <a:solidFill>
+                <a:schemeClr val="accent1">
+                  <a:lumMod val="60000"/>
+                  <a:lumOff val="40000"/>
+                </a:schemeClr>
+              </a:solidFill>
+              <a:latin typeface="Times New Roman" pitchFamily="18" charset="0"/>
+              <a:cs typeface="Times New Roman" pitchFamily="18" charset="0"/>
+            </a:endParaRPr>
+          </a:p>
+          <a:p>
+            <a:endParaRPr lang="ru-RU" dirty="0">
+              <a:solidFill>
+                <a:schemeClr val="accent1">
+                  <a:lumMod val="60000"/>
+                  <a:lumOff val="40000"/>
+                </a:schemeClr>
+              </a:solidFill>
+            </a:endParaRPr>
           </a:p>
         </p:txBody>
       </p:sp>
@@ -4127,6 +5205,13 @@
   <p:clrMapOvr>
     <a:masterClrMapping/>
   </p:clrMapOvr>
+  <p:timing>
+    <p:tnLst>
+      <p:par>
+        <p:cTn id="1" dur="indefinite" restart="never" nodeType="tmRoot"/>
+      </p:par>
+    </p:tnLst>
+  </p:timing>
 </p:sld>
 </file>
 
@@ -4159,8 +5244,8 @@
         </p:nvSpPr>
         <p:spPr>
           <a:xfrm>
-            <a:off x="457200" y="273050"/>
-            <a:ext cx="3008313" cy="369868"/>
+            <a:off x="428596" y="357166"/>
+            <a:ext cx="8215370" cy="441306"/>
           </a:xfrm>
         </p:spPr>
         <p:txBody>
@@ -4169,30 +5254,22 @@
           </a:bodyPr>
           <a:lstStyle/>
           <a:p>
-            <a:r>
-              <a:rPr lang="ru-RU" dirty="0" smtClean="0"/>
+            <a:pPr algn="ctr"/>
+            <a:r>
+              <a:rPr lang="ru-RU" sz="4000" b="1" spc="-1" dirty="0" smtClean="0">
+                <a:solidFill>
+                  <a:srgbClr val="D5A239"/>
+                </a:solidFill>
+                <a:latin typeface="Times New Roman"/>
+              </a:rPr>
               <a:t>Критика</a:t>
             </a:r>
-            <a:endParaRPr lang="ru-RU" dirty="0"/>
-          </a:p>
-        </p:txBody>
-      </p:sp>
-      <p:sp>
-        <p:nvSpPr>
-          <p:cNvPr id="3" name="Содержимое 2"/>
-          <p:cNvSpPr>
-            <a:spLocks noGrp="1"/>
-          </p:cNvSpPr>
-          <p:nvPr>
-            <p:ph idx="1"/>
-          </p:nvPr>
-        </p:nvSpPr>
-        <p:spPr/>
-        <p:txBody>
-          <a:bodyPr/>
-          <a:lstStyle/>
-          <a:p>
-            <a:endParaRPr lang="ru-RU"/>
+            <a:endParaRPr lang="ru-RU" sz="4000" b="1" spc="-1" dirty="0">
+              <a:solidFill>
+                <a:srgbClr val="D5A239"/>
+              </a:solidFill>
+              <a:latin typeface="Times New Roman"/>
+            </a:endParaRPr>
           </a:p>
         </p:txBody>
       </p:sp>
@@ -4208,8 +5285,8 @@
         </p:nvSpPr>
         <p:spPr>
           <a:xfrm>
-            <a:off x="457200" y="642918"/>
-            <a:ext cx="3008313" cy="5483245"/>
+            <a:off x="457200" y="857232"/>
+            <a:ext cx="3471858" cy="5268931"/>
           </a:xfrm>
         </p:spPr>
         <p:txBody>
@@ -4219,103 +5296,132 @@
           <a:lstStyle/>
           <a:p>
             <a:r>
-              <a:rPr lang="ru-RU" dirty="0" err="1" smtClean="0"/>
-              <a:t>Хантингтона</a:t>
-            </a:r>
-            <a:r>
-              <a:rPr lang="ru-RU" dirty="0" smtClean="0"/>
-              <a:t> обвиняют в том, что он </a:t>
-            </a:r>
-            <a:r>
-              <a:rPr lang="ru-RU" dirty="0" smtClean="0"/>
-              <a:t>не учитывает социально-экономический фактор, пытаясь свести всё к «культурным различиям», и упрощает политическую картину мира, деля его на «добрую» (западную) и «злую» (</a:t>
-            </a:r>
-            <a:r>
-              <a:rPr lang="ru-RU" dirty="0" err="1" smtClean="0"/>
-              <a:t>не-западную</a:t>
-            </a:r>
-            <a:r>
-              <a:rPr lang="ru-RU" dirty="0" smtClean="0"/>
-              <a:t>, прежде всего исламскую) половины</a:t>
-            </a:r>
-            <a:r>
-              <a:rPr lang="ru-RU" dirty="0" smtClean="0"/>
-              <a:t>.</a:t>
-            </a:r>
-          </a:p>
-          <a:p>
-            <a:r>
-              <a:rPr lang="ru-RU" dirty="0" smtClean="0"/>
-              <a:t>В </a:t>
-            </a:r>
-            <a:r>
-              <a:rPr lang="ru-RU" dirty="0" smtClean="0"/>
-              <a:t>концепцию </a:t>
-            </a:r>
-            <a:r>
-              <a:rPr lang="ru-RU" dirty="0" err="1" smtClean="0"/>
-              <a:t>Хантигтона</a:t>
-            </a:r>
-            <a:r>
-              <a:rPr lang="ru-RU" dirty="0" smtClean="0"/>
-              <a:t> при этом не укладывается противостояние между Ираком и Ираном или между Египтом и Сирией (как мусульманские страны они должны по </a:t>
-            </a:r>
-            <a:r>
-              <a:rPr lang="ru-RU" dirty="0" err="1" smtClean="0"/>
-              <a:t>Хантингтону</a:t>
-            </a:r>
-            <a:r>
-              <a:rPr lang="ru-RU" dirty="0" smtClean="0"/>
-              <a:t> демонстрировать единство). </a:t>
-            </a:r>
-            <a:endParaRPr lang="ru-RU" dirty="0" smtClean="0"/>
-          </a:p>
-          <a:p>
-            <a:r>
-              <a:rPr lang="ru-RU" dirty="0" smtClean="0"/>
-              <a:t>По данным </a:t>
-            </a:r>
-            <a:r>
-              <a:rPr lang="ru-RU" dirty="0" smtClean="0"/>
-              <a:t>этнологов, </a:t>
-            </a:r>
-            <a:r>
-              <a:rPr lang="ru-RU" dirty="0" err="1" smtClean="0"/>
-              <a:t>цивилизационная</a:t>
-            </a:r>
-            <a:r>
-              <a:rPr lang="ru-RU" dirty="0" smtClean="0"/>
-              <a:t> теория </a:t>
-            </a:r>
-            <a:r>
-              <a:rPr lang="ru-RU" dirty="0" err="1" smtClean="0"/>
-              <a:t>Хантингтона</a:t>
-            </a:r>
-            <a:r>
-              <a:rPr lang="ru-RU" dirty="0" smtClean="0"/>
-              <a:t> не поддерживается и опровергается в западной академической </a:t>
-            </a:r>
-            <a:r>
-              <a:rPr lang="ru-RU" dirty="0" smtClean="0"/>
-              <a:t>литературе, хотя она распространена в обществе.</a:t>
-            </a:r>
-            <a:endParaRPr lang="ru-RU" dirty="0" smtClean="0"/>
-          </a:p>
-          <a:p>
-            <a:endParaRPr lang="ru-RU" dirty="0"/>
-          </a:p>
-        </p:txBody>
-      </p:sp>
+              <a:rPr lang="ru-RU" dirty="0" smtClean="0">
+                <a:solidFill>
+                  <a:schemeClr val="accent1">
+                    <a:lumMod val="60000"/>
+                    <a:lumOff val="40000"/>
+                  </a:schemeClr>
+                </a:solidFill>
+                <a:latin typeface="Times New Roman" pitchFamily="18" charset="0"/>
+                <a:cs typeface="Times New Roman" pitchFamily="18" charset="0"/>
+              </a:rPr>
+              <a:t>Хантингтона обвиняют в том, что он не учитывает социально-экономический фактор, пытаясь свести всё к «культурным различиям», и упрощает политическую картину мира, деля его на «добрую» (западную) и «злую» </a:t>
+            </a:r>
+            <a:r>
+              <a:rPr lang="ru-RU" dirty="0" smtClean="0">
+                <a:solidFill>
+                  <a:schemeClr val="accent1">
+                    <a:lumMod val="60000"/>
+                    <a:lumOff val="40000"/>
+                  </a:schemeClr>
+                </a:solidFill>
+                <a:latin typeface="Times New Roman" pitchFamily="18" charset="0"/>
+                <a:cs typeface="Times New Roman" pitchFamily="18" charset="0"/>
+              </a:rPr>
+              <a:t>(исламскую</a:t>
+            </a:r>
+            <a:r>
+              <a:rPr lang="ru-RU" dirty="0" smtClean="0">
+                <a:solidFill>
+                  <a:schemeClr val="accent1">
+                    <a:lumMod val="60000"/>
+                    <a:lumOff val="40000"/>
+                  </a:schemeClr>
+                </a:solidFill>
+                <a:latin typeface="Times New Roman" pitchFamily="18" charset="0"/>
+                <a:cs typeface="Times New Roman" pitchFamily="18" charset="0"/>
+              </a:rPr>
+              <a:t>) половины.</a:t>
+            </a:r>
+          </a:p>
+          <a:p>
+            <a:r>
+              <a:rPr lang="ru-RU" dirty="0" smtClean="0">
+                <a:solidFill>
+                  <a:schemeClr val="accent1">
+                    <a:lumMod val="60000"/>
+                    <a:lumOff val="40000"/>
+                  </a:schemeClr>
+                </a:solidFill>
+                <a:latin typeface="Times New Roman" pitchFamily="18" charset="0"/>
+                <a:cs typeface="Times New Roman" pitchFamily="18" charset="0"/>
+              </a:rPr>
+              <a:t>В концепцию Хантигтона при этом не укладывается противостояние между Ираком и Ираном или между Египтом и Сирией (как мусульманские страны они должны по Хантингтону демонстрировать единство). </a:t>
+            </a:r>
+          </a:p>
+          <a:p>
+            <a:r>
+              <a:rPr lang="ru-RU" dirty="0" smtClean="0">
+                <a:solidFill>
+                  <a:schemeClr val="accent1">
+                    <a:lumMod val="60000"/>
+                    <a:lumOff val="40000"/>
+                  </a:schemeClr>
+                </a:solidFill>
+                <a:latin typeface="Times New Roman" pitchFamily="18" charset="0"/>
+                <a:cs typeface="Times New Roman" pitchFamily="18" charset="0"/>
+              </a:rPr>
+              <a:t>По данным этнологов, цивилизационная теория Хантингтона не поддерживается и опровергается в западной академической литературе, хотя она распространена в обществе.</a:t>
+            </a:r>
+          </a:p>
+          <a:p>
+            <a:endParaRPr lang="ru-RU" dirty="0">
+              <a:solidFill>
+                <a:schemeClr val="accent1">
+                  <a:lumMod val="60000"/>
+                  <a:lumOff val="40000"/>
+                </a:schemeClr>
+              </a:solidFill>
+            </a:endParaRPr>
+          </a:p>
+        </p:txBody>
+      </p:sp>
+      <p:pic>
+        <p:nvPicPr>
+          <p:cNvPr id="6" name="Picture 2" descr="https://paxmongolica.org/wp-content/uploads/2018/02/screen-shot-2018-02-22-at-10-34-23-am.png"/>
+          <p:cNvPicPr>
+            <a:picLocks noGrp="1" noChangeAspect="1" noChangeArrowheads="1"/>
+          </p:cNvPicPr>
+          <p:nvPr>
+            <p:ph idx="1"/>
+          </p:nvPr>
+        </p:nvPicPr>
+        <p:blipFill>
+          <a:blip r:embed="rId2"/>
+          <a:srcRect/>
+          <a:stretch>
+            <a:fillRect/>
+          </a:stretch>
+        </p:blipFill>
+        <p:spPr bwMode="auto">
+          <a:xfrm>
+            <a:off x="3887788" y="1508218"/>
+            <a:ext cx="4909268" cy="4063922"/>
+          </a:xfrm>
+          <a:prstGeom prst="rect">
+            <a:avLst/>
+          </a:prstGeom>
+          <a:noFill/>
+        </p:spPr>
+      </p:pic>
     </p:spTree>
   </p:cSld>
   <p:clrMapOvr>
     <a:masterClrMapping/>
   </p:clrMapOvr>
+  <p:timing>
+    <p:tnLst>
+      <p:par>
+        <p:cTn id="1" dur="indefinite" restart="never" nodeType="tmRoot"/>
+      </p:par>
+    </p:tnLst>
+  </p:timing>
 </p:sld>
 </file>
 
 <file path=ppt/theme/theme1.xml><?xml version="1.0" encoding="utf-8"?>
-<a:theme xmlns:a="http://schemas.openxmlformats.org/drawingml/2006/main" name="Тема Office">
+<a:theme xmlns:a="http://schemas.openxmlformats.org/drawingml/2006/main" name="powerpointbase.com-1029">
   <a:themeElements>
     <a:clrScheme name="Стандартная">
       <a:dk1>
@@ -4325,44 +5431,44 @@
         <a:sysClr val="window" lastClr="FFFFFF"/>
       </a:lt1>
       <a:dk2>
-        <a:srgbClr val="1F497D"/>
+        <a:srgbClr val="44546A"/>
       </a:dk2>
       <a:lt2>
-        <a:srgbClr val="EEECE1"/>
+        <a:srgbClr val="E7E6E6"/>
       </a:lt2>
       <a:accent1>
-        <a:srgbClr val="4F81BD"/>
+        <a:srgbClr val="4472C4"/>
       </a:accent1>
       <a:accent2>
-        <a:srgbClr val="C0504D"/>
+        <a:srgbClr val="ED7D31"/>
       </a:accent2>
       <a:accent3>
-        <a:srgbClr val="9BBB59"/>
+        <a:srgbClr val="A5A5A5"/>
       </a:accent3>
       <a:accent4>
-        <a:srgbClr val="8064A2"/>
+        <a:srgbClr val="FFC000"/>
       </a:accent4>
       <a:accent5>
-        <a:srgbClr val="4BACC6"/>
+        <a:srgbClr val="5B9BD5"/>
       </a:accent5>
       <a:accent6>
-        <a:srgbClr val="F79646"/>
+        <a:srgbClr val="70AD47"/>
       </a:accent6>
       <a:hlink>
-        <a:srgbClr val="0000FF"/>
+        <a:srgbClr val="0563C1"/>
       </a:hlink>
       <a:folHlink>
-        <a:srgbClr val="800080"/>
+        <a:srgbClr val="954F72"/>
       </a:folHlink>
     </a:clrScheme>
     <a:fontScheme name="Стандартная">
       <a:majorFont>
-        <a:latin typeface="Calibri"/>
+        <a:latin typeface="Calibri Light"/>
         <a:ea typeface=""/>
         <a:cs typeface=""/>
-        <a:font script="Jpan" typeface="ＭＳ Ｐゴシック"/>
+        <a:font script="Jpan" typeface="游ゴシック Light"/>
         <a:font script="Hang" typeface="맑은 고딕"/>
-        <a:font script="Hans" typeface="宋体"/>
+        <a:font script="Hans" typeface="等线 Light"/>
         <a:font script="Hant" typeface="新細明體"/>
         <a:font script="Arab" typeface="Times New Roman"/>
         <a:font script="Hebr" typeface="Times New Roman"/>
@@ -4389,14 +5495,32 @@
         <a:font script="Mong" typeface="Mongolian Baiti"/>
         <a:font script="Viet" typeface="Times New Roman"/>
         <a:font script="Uigh" typeface="Microsoft Uighur"/>
+        <a:font script="Geor" typeface="Sylfaen"/>
+        <a:font script="Armn" typeface="Arial"/>
+        <a:font script="Bugi" typeface="Leelawadee UI"/>
+        <a:font script="Bopo" typeface="Microsoft JhengHei"/>
+        <a:font script="Java" typeface="Javanese Text"/>
+        <a:font script="Lisu" typeface="Segoe UI"/>
+        <a:font script="Mymr" typeface="Myanmar Text"/>
+        <a:font script="Nkoo" typeface="Ebrima"/>
+        <a:font script="Olck" typeface="Nirmala UI"/>
+        <a:font script="Osma" typeface="Ebrima"/>
+        <a:font script="Phag" typeface="Phagspa"/>
+        <a:font script="Syrn" typeface="Estrangelo Edessa"/>
+        <a:font script="Syrj" typeface="Estrangelo Edessa"/>
+        <a:font script="Syre" typeface="Estrangelo Edessa"/>
+        <a:font script="Sora" typeface="Nirmala UI"/>
+        <a:font script="Tale" typeface="Microsoft Tai Le"/>
+        <a:font script="Talu" typeface="Microsoft New Tai Lue"/>
+        <a:font script="Tfng" typeface="Ebrima"/>
       </a:majorFont>
       <a:minorFont>
         <a:latin typeface="Calibri"/>
         <a:ea typeface=""/>
         <a:cs typeface=""/>
-        <a:font script="Jpan" typeface="ＭＳ Ｐゴシック"/>
+        <a:font script="Jpan" typeface="游ゴシック"/>
         <a:font script="Hang" typeface="맑은 고딕"/>
-        <a:font script="Hans" typeface="宋体"/>
+        <a:font script="Hans" typeface="等线"/>
         <a:font script="Hant" typeface="新細明體"/>
         <a:font script="Arab" typeface="Arial"/>
         <a:font script="Hebr" typeface="Arial"/>
@@ -4423,6 +5547,24 @@
         <a:font script="Mong" typeface="Mongolian Baiti"/>
         <a:font script="Viet" typeface="Arial"/>
         <a:font script="Uigh" typeface="Microsoft Uighur"/>
+        <a:font script="Geor" typeface="Sylfaen"/>
+        <a:font script="Armn" typeface="Arial"/>
+        <a:font script="Bugi" typeface="Leelawadee UI"/>
+        <a:font script="Bopo" typeface="Microsoft JhengHei"/>
+        <a:font script="Java" typeface="Javanese Text"/>
+        <a:font script="Lisu" typeface="Segoe UI"/>
+        <a:font script="Mymr" typeface="Myanmar Text"/>
+        <a:font script="Nkoo" typeface="Ebrima"/>
+        <a:font script="Olck" typeface="Nirmala UI"/>
+        <a:font script="Osma" typeface="Ebrima"/>
+        <a:font script="Phag" typeface="Phagspa"/>
+        <a:font script="Syrn" typeface="Estrangelo Edessa"/>
+        <a:font script="Syrj" typeface="Estrangelo Edessa"/>
+        <a:font script="Syre" typeface="Estrangelo Edessa"/>
+        <a:font script="Sora" typeface="Nirmala UI"/>
+        <a:font script="Tale" typeface="Microsoft Tai Le"/>
+        <a:font script="Talu" typeface="Microsoft New Tai Lue"/>
+        <a:font script="Tfng" typeface="Ebrima"/>
       </a:minorFont>
     </a:fontScheme>
     <a:fmtScheme name="Стандартная">
@@ -4434,165 +5576,227 @@
           <a:gsLst>
             <a:gs pos="0">
               <a:schemeClr val="phClr">
-                <a:tint val="50000"/>
-                <a:satMod val="300000"/>
+                <a:lumMod val="110000"/>
+                <a:satMod val="105000"/>
+                <a:tint val="67000"/>
               </a:schemeClr>
             </a:gs>
-            <a:gs pos="35000">
+            <a:gs pos="50000">
               <a:schemeClr val="phClr">
-                <a:tint val="37000"/>
-                <a:satMod val="300000"/>
+                <a:lumMod val="105000"/>
+                <a:satMod val="103000"/>
+                <a:tint val="73000"/>
               </a:schemeClr>
             </a:gs>
             <a:gs pos="100000">
               <a:schemeClr val="phClr">
-                <a:tint val="15000"/>
-                <a:satMod val="350000"/>
+                <a:lumMod val="105000"/>
+                <a:satMod val="109000"/>
+                <a:tint val="81000"/>
               </a:schemeClr>
             </a:gs>
           </a:gsLst>
-          <a:lin ang="16200000" scaled="1"/>
+          <a:lin ang="5400000" scaled="0"/>
         </a:gradFill>
         <a:gradFill rotWithShape="1">
           <a:gsLst>
             <a:gs pos="0">
               <a:schemeClr val="phClr">
-                <a:shade val="51000"/>
-                <a:satMod val="130000"/>
+                <a:satMod val="103000"/>
+                <a:lumMod val="102000"/>
+                <a:tint val="94000"/>
               </a:schemeClr>
             </a:gs>
-            <a:gs pos="80000">
+            <a:gs pos="50000">
               <a:schemeClr val="phClr">
-                <a:shade val="93000"/>
-                <a:satMod val="130000"/>
+                <a:satMod val="110000"/>
+                <a:lumMod val="100000"/>
+                <a:shade val="100000"/>
               </a:schemeClr>
             </a:gs>
             <a:gs pos="100000">
               <a:schemeClr val="phClr">
-                <a:shade val="94000"/>
-                <a:satMod val="135000"/>
+                <a:lumMod val="99000"/>
+                <a:satMod val="120000"/>
+                <a:shade val="78000"/>
               </a:schemeClr>
             </a:gs>
           </a:gsLst>
-          <a:lin ang="16200000" scaled="0"/>
+          <a:lin ang="5400000" scaled="0"/>
         </a:gradFill>
       </a:fillStyleLst>
       <a:lnStyleLst>
-        <a:ln w="9525" cap="flat" cmpd="sng" algn="ctr">
-          <a:solidFill>
-            <a:schemeClr val="phClr">
-              <a:shade val="95000"/>
-              <a:satMod val="105000"/>
-            </a:schemeClr>
-          </a:solidFill>
-          <a:prstDash val="solid"/>
-        </a:ln>
-        <a:ln w="25400" cap="flat" cmpd="sng" algn="ctr">
+        <a:ln w="6350" cap="flat" cmpd="sng" algn="ctr">
           <a:solidFill>
             <a:schemeClr val="phClr"/>
           </a:solidFill>
           <a:prstDash val="solid"/>
+          <a:miter lim="800000"/>
         </a:ln>
-        <a:ln w="38100" cap="flat" cmpd="sng" algn="ctr">
+        <a:ln w="12700" cap="flat" cmpd="sng" algn="ctr">
           <a:solidFill>
             <a:schemeClr val="phClr"/>
           </a:solidFill>
           <a:prstDash val="solid"/>
+          <a:miter lim="800000"/>
+        </a:ln>
+        <a:ln w="19050" cap="flat" cmpd="sng" algn="ctr">
+          <a:solidFill>
+            <a:schemeClr val="phClr"/>
+          </a:solidFill>
+          <a:prstDash val="solid"/>
+          <a:miter lim="800000"/>
         </a:ln>
       </a:lnStyleLst>
       <a:effectStyleLst>
         <a:effectStyle>
+          <a:effectLst/>
+        </a:effectStyle>
+        <a:effectStyle>
+          <a:effectLst/>
+        </a:effectStyle>
+        <a:effectStyle>
           <a:effectLst>
-            <a:outerShdw blurRad="40000" dist="20000" dir="5400000" rotWithShape="0">
+            <a:outerShdw blurRad="57150" dist="19050" dir="5400000" algn="ctr" rotWithShape="0">
               <a:srgbClr val="000000">
-                <a:alpha val="38000"/>
+                <a:alpha val="63000"/>
               </a:srgbClr>
             </a:outerShdw>
           </a:effectLst>
-        </a:effectStyle>
-        <a:effectStyle>
-          <a:effectLst>
-            <a:outerShdw blurRad="40000" dist="23000" dir="5400000" rotWithShape="0">
-              <a:srgbClr val="000000">
-                <a:alpha val="35000"/>
-              </a:srgbClr>
-            </a:outerShdw>
-          </a:effectLst>
-        </a:effectStyle>
-        <a:effectStyle>
-          <a:effectLst>
-            <a:outerShdw blurRad="40000" dist="23000" dir="5400000" rotWithShape="0">
-              <a:srgbClr val="000000">
-                <a:alpha val="35000"/>
-              </a:srgbClr>
-            </a:outerShdw>
-          </a:effectLst>
-          <a:scene3d>
-            <a:camera prst="orthographicFront">
-              <a:rot lat="0" lon="0" rev="0"/>
-            </a:camera>
-            <a:lightRig rig="threePt" dir="t">
-              <a:rot lat="0" lon="0" rev="1200000"/>
-            </a:lightRig>
-          </a:scene3d>
-          <a:sp3d>
-            <a:bevelT w="63500" h="25400"/>
-          </a:sp3d>
         </a:effectStyle>
       </a:effectStyleLst>
       <a:bgFillStyleLst>
         <a:solidFill>
           <a:schemeClr val="phClr"/>
         </a:solidFill>
+        <a:solidFill>
+          <a:schemeClr val="phClr">
+            <a:tint val="95000"/>
+            <a:satMod val="170000"/>
+          </a:schemeClr>
+        </a:solidFill>
         <a:gradFill rotWithShape="1">
           <a:gsLst>
             <a:gs pos="0">
               <a:schemeClr val="phClr">
-                <a:tint val="40000"/>
-                <a:satMod val="350000"/>
+                <a:tint val="93000"/>
+                <a:satMod val="150000"/>
+                <a:shade val="98000"/>
+                <a:lumMod val="102000"/>
               </a:schemeClr>
             </a:gs>
-            <a:gs pos="40000">
+            <a:gs pos="50000">
               <a:schemeClr val="phClr">
-                <a:tint val="45000"/>
-                <a:shade val="99000"/>
-                <a:satMod val="350000"/>
+                <a:tint val="98000"/>
+                <a:satMod val="130000"/>
+                <a:shade val="90000"/>
+                <a:lumMod val="103000"/>
               </a:schemeClr>
             </a:gs>
             <a:gs pos="100000">
               <a:schemeClr val="phClr">
-                <a:shade val="20000"/>
-                <a:satMod val="255000"/>
+                <a:shade val="63000"/>
+                <a:satMod val="120000"/>
               </a:schemeClr>
             </a:gs>
           </a:gsLst>
-          <a:path path="circle">
-            <a:fillToRect l="50000" t="-80000" r="50000" b="180000"/>
-          </a:path>
-        </a:gradFill>
-        <a:gradFill rotWithShape="1">
-          <a:gsLst>
-            <a:gs pos="0">
-              <a:schemeClr val="phClr">
-                <a:tint val="80000"/>
-                <a:satMod val="300000"/>
-              </a:schemeClr>
-            </a:gs>
-            <a:gs pos="100000">
-              <a:schemeClr val="phClr">
-                <a:shade val="30000"/>
-                <a:satMod val="200000"/>
-              </a:schemeClr>
-            </a:gs>
-          </a:gsLst>
-          <a:path path="circle">
-            <a:fillToRect l="50000" t="50000" r="50000" b="50000"/>
-          </a:path>
+          <a:lin ang="5400000" scaled="0"/>
         </a:gradFill>
       </a:bgFillStyleLst>
     </a:fmtScheme>
   </a:themeElements>
   <a:objectDefaults/>
   <a:extraClrSchemeLst/>
+  <a:extLst>
+    <a:ext uri="{05A4C25C-085E-4340-85A3-A5531E510DB2}">
+      <thm15:themeFamily xmlns:thm15="http://schemas.microsoft.com/office/thememl/2012/main" xmlns="" name="Office Theme" id="{62F939B6-93AF-4DB8-9C6B-D6C7DFDC589F}" vid="{4A3C46E8-61CC-4603-A589-7422A47A8E4A}"/>
+    </a:ext>
+  </a:extLst>
 </a:theme>
+</file>
+
+<file path=ppt/theme/themeOverride1.xml><?xml version="1.0" encoding="utf-8"?>
+<a:themeOverride xmlns:a="http://schemas.openxmlformats.org/drawingml/2006/main">
+  <a:clrScheme name="Стандартная">
+    <a:dk1>
+      <a:sysClr val="windowText" lastClr="000000"/>
+    </a:dk1>
+    <a:lt1>
+      <a:sysClr val="window" lastClr="FFFFFF"/>
+    </a:lt1>
+    <a:dk2>
+      <a:srgbClr val="44546A"/>
+    </a:dk2>
+    <a:lt2>
+      <a:srgbClr val="E7E6E6"/>
+    </a:lt2>
+    <a:accent1>
+      <a:srgbClr val="4472C4"/>
+    </a:accent1>
+    <a:accent2>
+      <a:srgbClr val="ED7D31"/>
+    </a:accent2>
+    <a:accent3>
+      <a:srgbClr val="A5A5A5"/>
+    </a:accent3>
+    <a:accent4>
+      <a:srgbClr val="FFC000"/>
+    </a:accent4>
+    <a:accent5>
+      <a:srgbClr val="5B9BD5"/>
+    </a:accent5>
+    <a:accent6>
+      <a:srgbClr val="70AD47"/>
+    </a:accent6>
+    <a:hlink>
+      <a:srgbClr val="0563C1"/>
+    </a:hlink>
+    <a:folHlink>
+      <a:srgbClr val="954F72"/>
+    </a:folHlink>
+  </a:clrScheme>
+</a:themeOverride>
+</file>
+
+<file path=ppt/theme/themeOverride2.xml><?xml version="1.0" encoding="utf-8"?>
+<a:themeOverride xmlns:a="http://schemas.openxmlformats.org/drawingml/2006/main">
+  <a:clrScheme name="Стандартная">
+    <a:dk1>
+      <a:sysClr val="windowText" lastClr="000000"/>
+    </a:dk1>
+    <a:lt1>
+      <a:sysClr val="window" lastClr="FFFFFF"/>
+    </a:lt1>
+    <a:dk2>
+      <a:srgbClr val="44546A"/>
+    </a:dk2>
+    <a:lt2>
+      <a:srgbClr val="E7E6E6"/>
+    </a:lt2>
+    <a:accent1>
+      <a:srgbClr val="4472C4"/>
+    </a:accent1>
+    <a:accent2>
+      <a:srgbClr val="ED7D31"/>
+    </a:accent2>
+    <a:accent3>
+      <a:srgbClr val="A5A5A5"/>
+    </a:accent3>
+    <a:accent4>
+      <a:srgbClr val="FFC000"/>
+    </a:accent4>
+    <a:accent5>
+      <a:srgbClr val="5B9BD5"/>
+    </a:accent5>
+    <a:accent6>
+      <a:srgbClr val="70AD47"/>
+    </a:accent6>
+    <a:hlink>
+      <a:srgbClr val="0563C1"/>
+    </a:hlink>
+    <a:folHlink>
+      <a:srgbClr val="954F72"/>
+    </a:folHlink>
+  </a:clrScheme>
+</a:themeOverride>
 </file>